--- a/CW1/B00759381_CW1.pptx
+++ b/CW1/B00759381_CW1.pptx
@@ -16,6 +16,7 @@
     <p:sldId id="264" r:id="rId10"/>
     <p:sldId id="265" r:id="rId11"/>
     <p:sldId id="266" r:id="rId12"/>
+    <p:sldId id="267" r:id="rId13"/>
   </p:sldIdLst>
   <p:sldSz cx="12192000" cy="6858000"/>
   <p:notesSz cx="6858000" cy="9144000"/>
@@ -698,7 +699,7 @@
           <a:p>
             <a:fld id="{C764DE79-268F-4C1A-8933-263129D2AF90}" type="datetimeFigureOut">
               <a:rPr lang="en-US" dirty="0"/>
-              <a:t>11/2/2019</a:t>
+              <a:t>11/4/2019</a:t>
             </a:fld>
             <a:endParaRPr lang="en-US" dirty="0"/>
           </a:p>
@@ -866,7 +867,7 @@
           <a:p>
             <a:fld id="{C764DE79-268F-4C1A-8933-263129D2AF90}" type="datetimeFigureOut">
               <a:rPr lang="en-US" dirty="0"/>
-              <a:t>11/2/2019</a:t>
+              <a:t>11/4/2019</a:t>
             </a:fld>
             <a:endParaRPr lang="en-US" dirty="0"/>
           </a:p>
@@ -1044,7 +1045,7 @@
           <a:p>
             <a:fld id="{C764DE79-268F-4C1A-8933-263129D2AF90}" type="datetimeFigureOut">
               <a:rPr lang="en-US" dirty="0"/>
-              <a:t>11/2/2019</a:t>
+              <a:t>11/4/2019</a:t>
             </a:fld>
             <a:endParaRPr lang="en-US" dirty="0"/>
           </a:p>
@@ -1212,7 +1213,7 @@
           <a:p>
             <a:fld id="{C764DE79-268F-4C1A-8933-263129D2AF90}" type="datetimeFigureOut">
               <a:rPr lang="en-US" dirty="0"/>
-              <a:t>11/2/2019</a:t>
+              <a:t>11/4/2019</a:t>
             </a:fld>
             <a:endParaRPr lang="en-US" dirty="0"/>
           </a:p>
@@ -1457,7 +1458,7 @@
           <a:p>
             <a:fld id="{C764DE79-268F-4C1A-8933-263129D2AF90}" type="datetimeFigureOut">
               <a:rPr lang="en-US" dirty="0"/>
-              <a:t>11/2/2019</a:t>
+              <a:t>11/4/2019</a:t>
             </a:fld>
             <a:endParaRPr lang="en-US" dirty="0"/>
           </a:p>
@@ -1686,7 +1687,7 @@
           <a:p>
             <a:fld id="{C764DE79-268F-4C1A-8933-263129D2AF90}" type="datetimeFigureOut">
               <a:rPr lang="en-US" dirty="0"/>
-              <a:t>11/2/2019</a:t>
+              <a:t>11/4/2019</a:t>
             </a:fld>
             <a:endParaRPr lang="en-US" dirty="0"/>
           </a:p>
@@ -2050,7 +2051,7 @@
           <a:p>
             <a:fld id="{C764DE79-268F-4C1A-8933-263129D2AF90}" type="datetimeFigureOut">
               <a:rPr lang="en-US" dirty="0"/>
-              <a:t>11/2/2019</a:t>
+              <a:t>11/4/2019</a:t>
             </a:fld>
             <a:endParaRPr lang="en-US" dirty="0"/>
           </a:p>
@@ -2167,7 +2168,7 @@
           <a:p>
             <a:fld id="{C764DE79-268F-4C1A-8933-263129D2AF90}" type="datetimeFigureOut">
               <a:rPr lang="en-US" dirty="0"/>
-              <a:t>11/2/2019</a:t>
+              <a:t>11/4/2019</a:t>
             </a:fld>
             <a:endParaRPr lang="en-US" dirty="0"/>
           </a:p>
@@ -2262,7 +2263,7 @@
           <a:p>
             <a:fld id="{C764DE79-268F-4C1A-8933-263129D2AF90}" type="datetimeFigureOut">
               <a:rPr lang="en-US" dirty="0"/>
-              <a:t>11/2/2019</a:t>
+              <a:t>11/4/2019</a:t>
             </a:fld>
             <a:endParaRPr lang="en-US" dirty="0"/>
           </a:p>
@@ -2537,7 +2538,7 @@
           <a:p>
             <a:fld id="{C764DE79-268F-4C1A-8933-263129D2AF90}" type="datetimeFigureOut">
               <a:rPr lang="en-US" dirty="0"/>
-              <a:t>11/2/2019</a:t>
+              <a:t>11/4/2019</a:t>
             </a:fld>
             <a:endParaRPr lang="en-US" dirty="0"/>
           </a:p>
@@ -2789,7 +2790,7 @@
           <a:p>
             <a:fld id="{C764DE79-268F-4C1A-8933-263129D2AF90}" type="datetimeFigureOut">
               <a:rPr lang="en-US" dirty="0"/>
-              <a:t>11/2/2019</a:t>
+              <a:t>11/4/2019</a:t>
             </a:fld>
             <a:endParaRPr lang="en-US" dirty="0"/>
           </a:p>
@@ -3000,7 +3001,7 @@
           <a:p>
             <a:fld id="{C764DE79-268F-4C1A-8933-263129D2AF90}" type="datetimeFigureOut">
               <a:rPr lang="en-US" dirty="0"/>
-              <a:t>11/2/2019</a:t>
+              <a:t>11/4/2019</a:t>
             </a:fld>
             <a:endParaRPr lang="en-US" dirty="0"/>
           </a:p>
@@ -3640,7 +3641,25 @@
           <a:bodyPr/>
           <a:lstStyle/>
           <a:p>
-            <a:endParaRPr lang="en-US"/>
+            <a:r>
+              <a:rPr lang="en-GB" dirty="0">
+                <a:hlinkClick r:id="rId2"/>
+              </a:rPr>
+              <a:t>https://www.tutorialspoint.com/data_structures_algorithms/shell_sort_algorithm.htm</a:t>
+            </a:r>
+            <a:endParaRPr lang="en-GB" dirty="0"/>
+          </a:p>
+          <a:p>
+            <a:r>
+              <a:rPr lang="en-GB" dirty="0">
+                <a:hlinkClick r:id="rId3"/>
+              </a:rPr>
+              <a:t>https://www.tutorialspoint.com/data_structures_algorithms/selection_sort_algorithm.htm</a:t>
+            </a:r>
+            <a:endParaRPr lang="en-GB" dirty="0"/>
+          </a:p>
+          <a:p>
+            <a:endParaRPr lang="en-US" dirty="0"/>
           </a:p>
         </p:txBody>
       </p:sp>
@@ -3648,6 +3667,422 @@
     <p:extLst>
       <p:ext uri="{BB962C8B-B14F-4D97-AF65-F5344CB8AC3E}">
         <p14:creationId xmlns:p14="http://schemas.microsoft.com/office/powerpoint/2010/main" val="794546701"/>
+      </p:ext>
+    </p:extLst>
+  </p:cSld>
+  <p:clrMapOvr>
+    <a:masterClrMapping/>
+  </p:clrMapOvr>
+</p:sld>
+</file>
+
+<file path=ppt/slides/slide12.xml><?xml version="1.0" encoding="utf-8"?>
+<p:sld xmlns:a="http://schemas.openxmlformats.org/drawingml/2006/main" xmlns:r="http://schemas.openxmlformats.org/officeDocument/2006/relationships" xmlns:p="http://schemas.openxmlformats.org/presentationml/2006/main">
+  <p:cSld>
+    <p:spTree>
+      <p:nvGrpSpPr>
+        <p:cNvPr id="1" name=""/>
+        <p:cNvGrpSpPr/>
+        <p:nvPr/>
+      </p:nvGrpSpPr>
+      <p:grpSpPr>
+        <a:xfrm>
+          <a:off x="0" y="0"/>
+          <a:ext cx="0" cy="0"/>
+          <a:chOff x="0" y="0"/>
+          <a:chExt cx="0" cy="0"/>
+        </a:xfrm>
+      </p:grpSpPr>
+      <p:sp>
+        <p:nvSpPr>
+          <p:cNvPr id="2" name="Title 1">
+            <a:extLst>
+              <a:ext uri="{FF2B5EF4-FFF2-40B4-BE49-F238E27FC236}">
+                <a16:creationId xmlns:a16="http://schemas.microsoft.com/office/drawing/2014/main" id="{1D7333C5-BD0A-4C50-96F5-872879BBB726}"/>
+              </a:ext>
+            </a:extLst>
+          </p:cNvPr>
+          <p:cNvSpPr>
+            <a:spLocks noGrp="1"/>
+          </p:cNvSpPr>
+          <p:nvPr>
+            <p:ph type="title"/>
+          </p:nvPr>
+        </p:nvSpPr>
+        <p:spPr/>
+        <p:txBody>
+          <a:bodyPr/>
+          <a:lstStyle/>
+          <a:p>
+            <a:r>
+              <a:rPr lang="en-GB" dirty="0"/>
+              <a:t>Dick ABOUT</a:t>
+            </a:r>
+          </a:p>
+        </p:txBody>
+      </p:sp>
+      <p:graphicFrame>
+        <p:nvGraphicFramePr>
+          <p:cNvPr id="4" name="Table 4">
+            <a:extLst>
+              <a:ext uri="{FF2B5EF4-FFF2-40B4-BE49-F238E27FC236}">
+                <a16:creationId xmlns:a16="http://schemas.microsoft.com/office/drawing/2014/main" id="{6BBA234A-35E8-4C4D-80CF-3F23835089EC}"/>
+              </a:ext>
+            </a:extLst>
+          </p:cNvPr>
+          <p:cNvGraphicFramePr>
+            <a:graphicFrameLocks noGrp="1"/>
+          </p:cNvGraphicFramePr>
+          <p:nvPr>
+            <p:extLst>
+              <p:ext uri="{D42A27DB-BD31-4B8C-83A1-F6EECF244321}">
+                <p14:modId xmlns:p14="http://schemas.microsoft.com/office/powerpoint/2010/main" val="2866904894"/>
+              </p:ext>
+            </p:extLst>
+          </p:nvPr>
+        </p:nvGraphicFramePr>
+        <p:xfrm>
+          <a:off x="2853634" y="2729742"/>
+          <a:ext cx="4537962" cy="2616560"/>
+        </p:xfrm>
+        <a:graphic>
+          <a:graphicData uri="http://schemas.openxmlformats.org/drawingml/2006/table">
+            <a:tbl>
+              <a:tblPr firstRow="1" bandRow="1">
+                <a:tableStyleId>{073A0DAA-6AF3-43AB-8588-CEC1D06C72B9}</a:tableStyleId>
+              </a:tblPr>
+              <a:tblGrid>
+                <a:gridCol w="784924">
+                  <a:extLst>
+                    <a:ext uri="{9D8B030D-6E8A-4147-A177-3AD203B41FA5}">
+                      <a16:colId xmlns:a16="http://schemas.microsoft.com/office/drawing/2014/main" val="3959017320"/>
+                    </a:ext>
+                  </a:extLst>
+                </a:gridCol>
+                <a:gridCol w="1646301">
+                  <a:extLst>
+                    <a:ext uri="{9D8B030D-6E8A-4147-A177-3AD203B41FA5}">
+                      <a16:colId xmlns:a16="http://schemas.microsoft.com/office/drawing/2014/main" val="2336461049"/>
+                    </a:ext>
+                  </a:extLst>
+                </a:gridCol>
+                <a:gridCol w="1263015">
+                  <a:extLst>
+                    <a:ext uri="{9D8B030D-6E8A-4147-A177-3AD203B41FA5}">
+                      <a16:colId xmlns:a16="http://schemas.microsoft.com/office/drawing/2014/main" val="1935105656"/>
+                    </a:ext>
+                  </a:extLst>
+                </a:gridCol>
+                <a:gridCol w="843722">
+                  <a:extLst>
+                    <a:ext uri="{9D8B030D-6E8A-4147-A177-3AD203B41FA5}">
+                      <a16:colId xmlns:a16="http://schemas.microsoft.com/office/drawing/2014/main" val="387857"/>
+                    </a:ext>
+                  </a:extLst>
+                </a:gridCol>
+              </a:tblGrid>
+              <a:tr h="477284">
+                <a:tc>
+                  <a:txBody>
+                    <a:bodyPr/>
+                    <a:lstStyle/>
+                    <a:p>
+                      <a:r>
+                        <a:rPr lang="en-GB" dirty="0"/>
+                        <a:t>Order</a:t>
+                      </a:r>
+                    </a:p>
+                  </a:txBody>
+                  <a:tcPr/>
+                </a:tc>
+                <a:tc>
+                  <a:txBody>
+                    <a:bodyPr/>
+                    <a:lstStyle/>
+                    <a:p>
+                      <a:r>
+                        <a:rPr lang="en-GB" dirty="0"/>
+                        <a:t>Average Swaps</a:t>
+                      </a:r>
+                    </a:p>
+                  </a:txBody>
+                  <a:tcPr/>
+                </a:tc>
+                <a:tc>
+                  <a:txBody>
+                    <a:bodyPr/>
+                    <a:lstStyle/>
+                    <a:p>
+                      <a:r>
+                        <a:rPr lang="en-GB" dirty="0"/>
+                        <a:t>Min Swaps</a:t>
+                      </a:r>
+                    </a:p>
+                  </a:txBody>
+                  <a:tcPr/>
+                </a:tc>
+                <a:tc>
+                  <a:txBody>
+                    <a:bodyPr/>
+                    <a:lstStyle/>
+                    <a:p>
+                      <a:r>
+                        <a:rPr lang="en-GB" dirty="0"/>
+                        <a:t>Max Swaps</a:t>
+                      </a:r>
+                    </a:p>
+                  </a:txBody>
+                  <a:tcPr/>
+                </a:tc>
+                <a:extLst>
+                  <a:ext uri="{0D108BD9-81ED-4DB2-BD59-A6C34878D82A}">
+                    <a16:rowId xmlns:a16="http://schemas.microsoft.com/office/drawing/2014/main" val="126815450"/>
+                  </a:ext>
+                </a:extLst>
+              </a:tr>
+              <a:tr h="395296">
+                <a:tc>
+                  <a:txBody>
+                    <a:bodyPr/>
+                    <a:lstStyle/>
+                    <a:p>
+                      <a:endParaRPr lang="en-GB"/>
+                    </a:p>
+                  </a:txBody>
+                  <a:tcPr/>
+                </a:tc>
+                <a:tc>
+                  <a:txBody>
+                    <a:bodyPr/>
+                    <a:lstStyle/>
+                    <a:p>
+                      <a:endParaRPr lang="en-GB"/>
+                    </a:p>
+                  </a:txBody>
+                  <a:tcPr/>
+                </a:tc>
+                <a:tc>
+                  <a:txBody>
+                    <a:bodyPr/>
+                    <a:lstStyle/>
+                    <a:p>
+                      <a:endParaRPr lang="en-GB"/>
+                    </a:p>
+                  </a:txBody>
+                  <a:tcPr/>
+                </a:tc>
+                <a:tc>
+                  <a:txBody>
+                    <a:bodyPr/>
+                    <a:lstStyle/>
+                    <a:p>
+                      <a:endParaRPr lang="en-GB"/>
+                    </a:p>
+                  </a:txBody>
+                  <a:tcPr/>
+                </a:tc>
+                <a:extLst>
+                  <a:ext uri="{0D108BD9-81ED-4DB2-BD59-A6C34878D82A}">
+                    <a16:rowId xmlns:a16="http://schemas.microsoft.com/office/drawing/2014/main" val="4082730715"/>
+                  </a:ext>
+                </a:extLst>
+              </a:tr>
+              <a:tr h="395296">
+                <a:tc>
+                  <a:txBody>
+                    <a:bodyPr/>
+                    <a:lstStyle/>
+                    <a:p>
+                      <a:endParaRPr lang="en-GB"/>
+                    </a:p>
+                  </a:txBody>
+                  <a:tcPr/>
+                </a:tc>
+                <a:tc>
+                  <a:txBody>
+                    <a:bodyPr/>
+                    <a:lstStyle/>
+                    <a:p>
+                      <a:endParaRPr lang="en-GB"/>
+                    </a:p>
+                  </a:txBody>
+                  <a:tcPr/>
+                </a:tc>
+                <a:tc>
+                  <a:txBody>
+                    <a:bodyPr/>
+                    <a:lstStyle/>
+                    <a:p>
+                      <a:endParaRPr lang="en-GB"/>
+                    </a:p>
+                  </a:txBody>
+                  <a:tcPr/>
+                </a:tc>
+                <a:tc>
+                  <a:txBody>
+                    <a:bodyPr/>
+                    <a:lstStyle/>
+                    <a:p>
+                      <a:endParaRPr lang="en-GB"/>
+                    </a:p>
+                  </a:txBody>
+                  <a:tcPr/>
+                </a:tc>
+                <a:extLst>
+                  <a:ext uri="{0D108BD9-81ED-4DB2-BD59-A6C34878D82A}">
+                    <a16:rowId xmlns:a16="http://schemas.microsoft.com/office/drawing/2014/main" val="3793809036"/>
+                  </a:ext>
+                </a:extLst>
+              </a:tr>
+              <a:tr h="395296">
+                <a:tc>
+                  <a:txBody>
+                    <a:bodyPr/>
+                    <a:lstStyle/>
+                    <a:p>
+                      <a:endParaRPr lang="en-GB"/>
+                    </a:p>
+                  </a:txBody>
+                  <a:tcPr/>
+                </a:tc>
+                <a:tc>
+                  <a:txBody>
+                    <a:bodyPr/>
+                    <a:lstStyle/>
+                    <a:p>
+                      <a:endParaRPr lang="en-GB"/>
+                    </a:p>
+                  </a:txBody>
+                  <a:tcPr/>
+                </a:tc>
+                <a:tc>
+                  <a:txBody>
+                    <a:bodyPr/>
+                    <a:lstStyle/>
+                    <a:p>
+                      <a:endParaRPr lang="en-GB"/>
+                    </a:p>
+                  </a:txBody>
+                  <a:tcPr/>
+                </a:tc>
+                <a:tc>
+                  <a:txBody>
+                    <a:bodyPr/>
+                    <a:lstStyle/>
+                    <a:p>
+                      <a:endParaRPr lang="en-GB"/>
+                    </a:p>
+                  </a:txBody>
+                  <a:tcPr/>
+                </a:tc>
+                <a:extLst>
+                  <a:ext uri="{0D108BD9-81ED-4DB2-BD59-A6C34878D82A}">
+                    <a16:rowId xmlns:a16="http://schemas.microsoft.com/office/drawing/2014/main" val="3688509900"/>
+                  </a:ext>
+                </a:extLst>
+              </a:tr>
+              <a:tr h="395296">
+                <a:tc>
+                  <a:txBody>
+                    <a:bodyPr/>
+                    <a:lstStyle/>
+                    <a:p>
+                      <a:endParaRPr lang="en-GB"/>
+                    </a:p>
+                  </a:txBody>
+                  <a:tcPr/>
+                </a:tc>
+                <a:tc>
+                  <a:txBody>
+                    <a:bodyPr/>
+                    <a:lstStyle/>
+                    <a:p>
+                      <a:endParaRPr lang="en-GB"/>
+                    </a:p>
+                  </a:txBody>
+                  <a:tcPr/>
+                </a:tc>
+                <a:tc>
+                  <a:txBody>
+                    <a:bodyPr/>
+                    <a:lstStyle/>
+                    <a:p>
+                      <a:endParaRPr lang="en-GB"/>
+                    </a:p>
+                  </a:txBody>
+                  <a:tcPr/>
+                </a:tc>
+                <a:tc>
+                  <a:txBody>
+                    <a:bodyPr/>
+                    <a:lstStyle/>
+                    <a:p>
+                      <a:endParaRPr lang="en-GB"/>
+                    </a:p>
+                  </a:txBody>
+                  <a:tcPr/>
+                </a:tc>
+                <a:extLst>
+                  <a:ext uri="{0D108BD9-81ED-4DB2-BD59-A6C34878D82A}">
+                    <a16:rowId xmlns:a16="http://schemas.microsoft.com/office/drawing/2014/main" val="3926490359"/>
+                  </a:ext>
+                </a:extLst>
+              </a:tr>
+              <a:tr h="395296">
+                <a:tc>
+                  <a:txBody>
+                    <a:bodyPr/>
+                    <a:lstStyle/>
+                    <a:p>
+                      <a:endParaRPr lang="en-GB"/>
+                    </a:p>
+                  </a:txBody>
+                  <a:tcPr/>
+                </a:tc>
+                <a:tc>
+                  <a:txBody>
+                    <a:bodyPr/>
+                    <a:lstStyle/>
+                    <a:p>
+                      <a:endParaRPr lang="en-GB"/>
+                    </a:p>
+                  </a:txBody>
+                  <a:tcPr/>
+                </a:tc>
+                <a:tc>
+                  <a:txBody>
+                    <a:bodyPr/>
+                    <a:lstStyle/>
+                    <a:p>
+                      <a:endParaRPr lang="en-GB"/>
+                    </a:p>
+                  </a:txBody>
+                  <a:tcPr/>
+                </a:tc>
+                <a:tc>
+                  <a:txBody>
+                    <a:bodyPr/>
+                    <a:lstStyle/>
+                    <a:p>
+                      <a:endParaRPr lang="en-GB" dirty="0"/>
+                    </a:p>
+                  </a:txBody>
+                  <a:tcPr/>
+                </a:tc>
+                <a:extLst>
+                  <a:ext uri="{0D108BD9-81ED-4DB2-BD59-A6C34878D82A}">
+                    <a16:rowId xmlns:a16="http://schemas.microsoft.com/office/drawing/2014/main" val="1302560370"/>
+                  </a:ext>
+                </a:extLst>
+              </a:tr>
+            </a:tbl>
+          </a:graphicData>
+        </a:graphic>
+      </p:graphicFrame>
+    </p:spTree>
+    <p:extLst>
+      <p:ext uri="{BB962C8B-B14F-4D97-AF65-F5344CB8AC3E}">
+        <p14:creationId xmlns:p14="http://schemas.microsoft.com/office/powerpoint/2010/main" val="1381971551"/>
       </p:ext>
     </p:extLst>
   </p:cSld>
@@ -4371,7 +4806,7 @@
           <a:prstGeom prst="straightConnector1">
             <a:avLst/>
           </a:prstGeom>
-          <a:ln>
+          <a:ln w="38100">
             <a:solidFill>
               <a:srgbClr val="FF0000"/>
             </a:solidFill>
@@ -4415,7 +4850,7 @@
           <a:prstGeom prst="straightConnector1">
             <a:avLst/>
           </a:prstGeom>
-          <a:ln>
+          <a:ln w="38100">
             <a:solidFill>
               <a:srgbClr val="FF0000"/>
             </a:solidFill>
@@ -4497,34 +4932,974 @@
           </a:p>
         </p:txBody>
       </p:sp>
-      <p:sp>
-        <p:nvSpPr>
-          <p:cNvPr id="3" name="Content Placeholder 2">
+      <p:pic>
+        <p:nvPicPr>
+          <p:cNvPr id="5" name="Picture 4">
             <a:extLst>
               <a:ext uri="{FF2B5EF4-FFF2-40B4-BE49-F238E27FC236}">
-                <a16:creationId xmlns:a16="http://schemas.microsoft.com/office/drawing/2014/main" id="{D1F89CE2-FB3B-423D-8428-5ED35BC2259B}"/>
+                <a16:creationId xmlns:a16="http://schemas.microsoft.com/office/drawing/2014/main" id="{9BA376FB-D0FC-433E-860D-832C45227F06}"/>
               </a:ext>
             </a:extLst>
           </p:cNvPr>
-          <p:cNvSpPr>
-            <a:spLocks noGrp="1"/>
+          <p:cNvPicPr>
+            <a:picLocks noChangeAspect="1"/>
+          </p:cNvPicPr>
+          <p:nvPr/>
+        </p:nvPicPr>
+        <p:blipFill rotWithShape="1">
+          <a:blip r:embed="rId2">
+            <a:extLst>
+              <a:ext uri="{28A0092B-C50C-407E-A947-70E740481C1C}">
+                <a14:useLocalDpi xmlns:a14="http://schemas.microsoft.com/office/drawing/2010/main" val="0"/>
+              </a:ext>
+            </a:extLst>
+          </a:blip>
+          <a:srcRect l="2183" t="4644" r="1556" b="1745"/>
+          <a:stretch/>
+        </p:blipFill>
+        <p:spPr>
+          <a:xfrm>
+            <a:off x="1010302" y="4638262"/>
+            <a:ext cx="3124376" cy="1676183"/>
+          </a:xfrm>
+          <a:prstGeom prst="rect">
+            <a:avLst/>
+          </a:prstGeom>
+        </p:spPr>
+      </p:pic>
+      <p:sp>
+        <p:nvSpPr>
+          <p:cNvPr id="8" name="Content Placeholder 2">
+            <a:extLst>
+              <a:ext uri="{FF2B5EF4-FFF2-40B4-BE49-F238E27FC236}">
+                <a16:creationId xmlns:a16="http://schemas.microsoft.com/office/drawing/2014/main" id="{120AD013-4E45-4812-8C52-65BAAA99B52A}"/>
+              </a:ext>
+            </a:extLst>
+          </p:cNvPr>
+          <p:cNvSpPr txBox="1">
+            <a:spLocks/>
           </p:cNvSpPr>
-          <p:nvPr>
-            <p:ph idx="1"/>
-          </p:nvPr>
+          <p:nvPr/>
         </p:nvSpPr>
-        <p:spPr/>
+        <p:spPr>
+          <a:xfrm>
+            <a:off x="559729" y="1690688"/>
+            <a:ext cx="4025523" cy="2947574"/>
+          </a:xfrm>
+          <a:prstGeom prst="rect">
+            <a:avLst/>
+          </a:prstGeom>
+        </p:spPr>
         <p:txBody>
-          <a:bodyPr/>
-          <a:lstStyle/>
-          <a:p>
-            <a:r>
-              <a:rPr lang="en-US" dirty="0"/>
-              <a:t>v</a:t>
+          <a:bodyPr vert="horz" lIns="91440" tIns="45720" rIns="91440" bIns="45720" rtlCol="0">
+            <a:normAutofit fontScale="55000" lnSpcReduction="20000"/>
+          </a:bodyPr>
+          <a:lstStyle>
+            <a:lvl1pPr marL="228600" indent="-228600" algn="l" defTabSz="914400" rtl="0" eaLnBrk="1" latinLnBrk="0" hangingPunct="1">
+              <a:lnSpc>
+                <a:spcPct val="90000"/>
+              </a:lnSpc>
+              <a:spcBef>
+                <a:spcPts val="1000"/>
+              </a:spcBef>
+              <a:buFont typeface="Arial" panose="020B0604020202020204" pitchFamily="34" charset="0"/>
+              <a:buChar char="•"/>
+              <a:defRPr sz="2800" kern="1200">
+                <a:solidFill>
+                  <a:schemeClr val="tx1"/>
+                </a:solidFill>
+                <a:latin typeface="+mn-lt"/>
+                <a:ea typeface="+mn-ea"/>
+                <a:cs typeface="+mn-cs"/>
+              </a:defRPr>
+            </a:lvl1pPr>
+            <a:lvl2pPr marL="685800" indent="-228600" algn="l" defTabSz="914400" rtl="0" eaLnBrk="1" latinLnBrk="0" hangingPunct="1">
+              <a:lnSpc>
+                <a:spcPct val="90000"/>
+              </a:lnSpc>
+              <a:spcBef>
+                <a:spcPts val="500"/>
+              </a:spcBef>
+              <a:buFont typeface="Arial" panose="020B0604020202020204" pitchFamily="34" charset="0"/>
+              <a:buChar char="•"/>
+              <a:defRPr sz="2400" kern="1200">
+                <a:solidFill>
+                  <a:schemeClr val="tx1"/>
+                </a:solidFill>
+                <a:latin typeface="+mn-lt"/>
+                <a:ea typeface="+mn-ea"/>
+                <a:cs typeface="+mn-cs"/>
+              </a:defRPr>
+            </a:lvl2pPr>
+            <a:lvl3pPr marL="1143000" indent="-228600" algn="l" defTabSz="914400" rtl="0" eaLnBrk="1" latinLnBrk="0" hangingPunct="1">
+              <a:lnSpc>
+                <a:spcPct val="90000"/>
+              </a:lnSpc>
+              <a:spcBef>
+                <a:spcPts val="500"/>
+              </a:spcBef>
+              <a:buFont typeface="Arial" panose="020B0604020202020204" pitchFamily="34" charset="0"/>
+              <a:buChar char="•"/>
+              <a:defRPr sz="2000" kern="1200">
+                <a:solidFill>
+                  <a:schemeClr val="tx1"/>
+                </a:solidFill>
+                <a:latin typeface="+mn-lt"/>
+                <a:ea typeface="+mn-ea"/>
+                <a:cs typeface="+mn-cs"/>
+              </a:defRPr>
+            </a:lvl3pPr>
+            <a:lvl4pPr marL="1600200" indent="-228600" algn="l" defTabSz="914400" rtl="0" eaLnBrk="1" latinLnBrk="0" hangingPunct="1">
+              <a:lnSpc>
+                <a:spcPct val="90000"/>
+              </a:lnSpc>
+              <a:spcBef>
+                <a:spcPts val="500"/>
+              </a:spcBef>
+              <a:buFont typeface="Arial" panose="020B0604020202020204" pitchFamily="34" charset="0"/>
+              <a:buChar char="•"/>
+              <a:defRPr sz="1800" kern="1200">
+                <a:solidFill>
+                  <a:schemeClr val="tx1"/>
+                </a:solidFill>
+                <a:latin typeface="+mn-lt"/>
+                <a:ea typeface="+mn-ea"/>
+                <a:cs typeface="+mn-cs"/>
+              </a:defRPr>
+            </a:lvl4pPr>
+            <a:lvl5pPr marL="2057400" indent="-228600" algn="l" defTabSz="914400" rtl="0" eaLnBrk="1" latinLnBrk="0" hangingPunct="1">
+              <a:lnSpc>
+                <a:spcPct val="90000"/>
+              </a:lnSpc>
+              <a:spcBef>
+                <a:spcPts val="500"/>
+              </a:spcBef>
+              <a:buFont typeface="Arial" panose="020B0604020202020204" pitchFamily="34" charset="0"/>
+              <a:buChar char="•"/>
+              <a:defRPr sz="1800" kern="1200">
+                <a:solidFill>
+                  <a:schemeClr val="tx1"/>
+                </a:solidFill>
+                <a:latin typeface="+mn-lt"/>
+                <a:ea typeface="+mn-ea"/>
+                <a:cs typeface="+mn-cs"/>
+              </a:defRPr>
+            </a:lvl5pPr>
+            <a:lvl6pPr marL="2514600" indent="-228600" algn="l" defTabSz="914400" rtl="0" eaLnBrk="1" latinLnBrk="0" hangingPunct="1">
+              <a:lnSpc>
+                <a:spcPct val="90000"/>
+              </a:lnSpc>
+              <a:spcBef>
+                <a:spcPts val="500"/>
+              </a:spcBef>
+              <a:buFont typeface="Arial" panose="020B0604020202020204" pitchFamily="34" charset="0"/>
+              <a:buChar char="•"/>
+              <a:defRPr sz="1800" kern="1200">
+                <a:solidFill>
+                  <a:schemeClr val="tx1"/>
+                </a:solidFill>
+                <a:latin typeface="+mn-lt"/>
+                <a:ea typeface="+mn-ea"/>
+                <a:cs typeface="+mn-cs"/>
+              </a:defRPr>
+            </a:lvl6pPr>
+            <a:lvl7pPr marL="2971800" indent="-228600" algn="l" defTabSz="914400" rtl="0" eaLnBrk="1" latinLnBrk="0" hangingPunct="1">
+              <a:lnSpc>
+                <a:spcPct val="90000"/>
+              </a:lnSpc>
+              <a:spcBef>
+                <a:spcPts val="500"/>
+              </a:spcBef>
+              <a:buFont typeface="Arial" panose="020B0604020202020204" pitchFamily="34" charset="0"/>
+              <a:buChar char="•"/>
+              <a:defRPr sz="1800" kern="1200">
+                <a:solidFill>
+                  <a:schemeClr val="tx1"/>
+                </a:solidFill>
+                <a:latin typeface="+mn-lt"/>
+                <a:ea typeface="+mn-ea"/>
+                <a:cs typeface="+mn-cs"/>
+              </a:defRPr>
+            </a:lvl7pPr>
+            <a:lvl8pPr marL="3429000" indent="-228600" algn="l" defTabSz="914400" rtl="0" eaLnBrk="1" latinLnBrk="0" hangingPunct="1">
+              <a:lnSpc>
+                <a:spcPct val="90000"/>
+              </a:lnSpc>
+              <a:spcBef>
+                <a:spcPts val="500"/>
+              </a:spcBef>
+              <a:buFont typeface="Arial" panose="020B0604020202020204" pitchFamily="34" charset="0"/>
+              <a:buChar char="•"/>
+              <a:defRPr sz="1800" kern="1200">
+                <a:solidFill>
+                  <a:schemeClr val="tx1"/>
+                </a:solidFill>
+                <a:latin typeface="+mn-lt"/>
+                <a:ea typeface="+mn-ea"/>
+                <a:cs typeface="+mn-cs"/>
+              </a:defRPr>
+            </a:lvl8pPr>
+            <a:lvl9pPr marL="3886200" indent="-228600" algn="l" defTabSz="914400" rtl="0" eaLnBrk="1" latinLnBrk="0" hangingPunct="1">
+              <a:lnSpc>
+                <a:spcPct val="90000"/>
+              </a:lnSpc>
+              <a:spcBef>
+                <a:spcPts val="500"/>
+              </a:spcBef>
+              <a:buFont typeface="Arial" panose="020B0604020202020204" pitchFamily="34" charset="0"/>
+              <a:buChar char="•"/>
+              <a:defRPr sz="1800" kern="1200">
+                <a:solidFill>
+                  <a:schemeClr val="tx1"/>
+                </a:solidFill>
+                <a:latin typeface="+mn-lt"/>
+                <a:ea typeface="+mn-ea"/>
+                <a:cs typeface="+mn-cs"/>
+              </a:defRPr>
+            </a:lvl9pPr>
+          </a:lstStyle>
+          <a:p>
+            <a:r>
+              <a:rPr lang="en-US" dirty="0"/>
+              <a:t>This shows the comparisons for potential swaps against array size from an implementation of the bubble sort algorithm. </a:t>
+            </a:r>
+          </a:p>
+          <a:p>
+            <a:r>
+              <a:rPr lang="en-US" dirty="0"/>
+              <a:t>The test script for this implementation of the bubble sort algorithm passed arrays of random integers (limited to positive number less than array length) from 25 to 1000.</a:t>
+            </a:r>
+          </a:p>
+          <a:p>
+            <a:r>
+              <a:rPr lang="en-US" dirty="0"/>
+              <a:t>Each array was 25 elements longer than the previous.</a:t>
+            </a:r>
+          </a:p>
+          <a:p>
+            <a:r>
+              <a:rPr lang="en-US" dirty="0"/>
+              <a:t>The results show that the number of comparisons needed to order an array rise </a:t>
+            </a:r>
+            <a:r>
+              <a:rPr lang="en-US" i="1" dirty="0"/>
+              <a:t>exponentially </a:t>
+            </a:r>
+            <a:r>
+              <a:rPr lang="en-US" dirty="0"/>
+              <a:t>with the array length.</a:t>
+            </a:r>
+          </a:p>
+          <a:p>
+            <a:r>
+              <a:rPr lang="en-US" dirty="0"/>
+              <a:t>Therefore, the bubble sort algorithm is said to have an average case efficiency of O(n^2).</a:t>
             </a:r>
           </a:p>
         </p:txBody>
       </p:sp>
+      <p:sp>
+        <p:nvSpPr>
+          <p:cNvPr id="9" name="Content Placeholder 2">
+            <a:extLst>
+              <a:ext uri="{FF2B5EF4-FFF2-40B4-BE49-F238E27FC236}">
+                <a16:creationId xmlns:a16="http://schemas.microsoft.com/office/drawing/2014/main" id="{9DD1C651-8871-4E8F-A0B2-85C166A82EEE}"/>
+              </a:ext>
+            </a:extLst>
+          </p:cNvPr>
+          <p:cNvSpPr txBox="1">
+            <a:spLocks/>
+          </p:cNvSpPr>
+          <p:nvPr/>
+        </p:nvSpPr>
+        <p:spPr>
+          <a:xfrm>
+            <a:off x="4585250" y="3491131"/>
+            <a:ext cx="3154020" cy="3028940"/>
+          </a:xfrm>
+          <a:prstGeom prst="rect">
+            <a:avLst/>
+          </a:prstGeom>
+        </p:spPr>
+        <p:txBody>
+          <a:bodyPr vert="horz" lIns="91440" tIns="45720" rIns="91440" bIns="45720" rtlCol="0">
+            <a:normAutofit fontScale="55000" lnSpcReduction="20000"/>
+          </a:bodyPr>
+          <a:lstStyle>
+            <a:lvl1pPr marL="228600" indent="-228600" algn="l" defTabSz="914400" rtl="0" eaLnBrk="1" latinLnBrk="0" hangingPunct="1">
+              <a:lnSpc>
+                <a:spcPct val="90000"/>
+              </a:lnSpc>
+              <a:spcBef>
+                <a:spcPts val="1000"/>
+              </a:spcBef>
+              <a:buFont typeface="Arial" panose="020B0604020202020204" pitchFamily="34" charset="0"/>
+              <a:buChar char="•"/>
+              <a:defRPr sz="2800" kern="1200">
+                <a:solidFill>
+                  <a:schemeClr val="tx1"/>
+                </a:solidFill>
+                <a:latin typeface="+mn-lt"/>
+                <a:ea typeface="+mn-ea"/>
+                <a:cs typeface="+mn-cs"/>
+              </a:defRPr>
+            </a:lvl1pPr>
+            <a:lvl2pPr marL="685800" indent="-228600" algn="l" defTabSz="914400" rtl="0" eaLnBrk="1" latinLnBrk="0" hangingPunct="1">
+              <a:lnSpc>
+                <a:spcPct val="90000"/>
+              </a:lnSpc>
+              <a:spcBef>
+                <a:spcPts val="500"/>
+              </a:spcBef>
+              <a:buFont typeface="Arial" panose="020B0604020202020204" pitchFamily="34" charset="0"/>
+              <a:buChar char="•"/>
+              <a:defRPr sz="2400" kern="1200">
+                <a:solidFill>
+                  <a:schemeClr val="tx1"/>
+                </a:solidFill>
+                <a:latin typeface="+mn-lt"/>
+                <a:ea typeface="+mn-ea"/>
+                <a:cs typeface="+mn-cs"/>
+              </a:defRPr>
+            </a:lvl2pPr>
+            <a:lvl3pPr marL="1143000" indent="-228600" algn="l" defTabSz="914400" rtl="0" eaLnBrk="1" latinLnBrk="0" hangingPunct="1">
+              <a:lnSpc>
+                <a:spcPct val="90000"/>
+              </a:lnSpc>
+              <a:spcBef>
+                <a:spcPts val="500"/>
+              </a:spcBef>
+              <a:buFont typeface="Arial" panose="020B0604020202020204" pitchFamily="34" charset="0"/>
+              <a:buChar char="•"/>
+              <a:defRPr sz="2000" kern="1200">
+                <a:solidFill>
+                  <a:schemeClr val="tx1"/>
+                </a:solidFill>
+                <a:latin typeface="+mn-lt"/>
+                <a:ea typeface="+mn-ea"/>
+                <a:cs typeface="+mn-cs"/>
+              </a:defRPr>
+            </a:lvl3pPr>
+            <a:lvl4pPr marL="1600200" indent="-228600" algn="l" defTabSz="914400" rtl="0" eaLnBrk="1" latinLnBrk="0" hangingPunct="1">
+              <a:lnSpc>
+                <a:spcPct val="90000"/>
+              </a:lnSpc>
+              <a:spcBef>
+                <a:spcPts val="500"/>
+              </a:spcBef>
+              <a:buFont typeface="Arial" panose="020B0604020202020204" pitchFamily="34" charset="0"/>
+              <a:buChar char="•"/>
+              <a:defRPr sz="1800" kern="1200">
+                <a:solidFill>
+                  <a:schemeClr val="tx1"/>
+                </a:solidFill>
+                <a:latin typeface="+mn-lt"/>
+                <a:ea typeface="+mn-ea"/>
+                <a:cs typeface="+mn-cs"/>
+              </a:defRPr>
+            </a:lvl4pPr>
+            <a:lvl5pPr marL="2057400" indent="-228600" algn="l" defTabSz="914400" rtl="0" eaLnBrk="1" latinLnBrk="0" hangingPunct="1">
+              <a:lnSpc>
+                <a:spcPct val="90000"/>
+              </a:lnSpc>
+              <a:spcBef>
+                <a:spcPts val="500"/>
+              </a:spcBef>
+              <a:buFont typeface="Arial" panose="020B0604020202020204" pitchFamily="34" charset="0"/>
+              <a:buChar char="•"/>
+              <a:defRPr sz="1800" kern="1200">
+                <a:solidFill>
+                  <a:schemeClr val="tx1"/>
+                </a:solidFill>
+                <a:latin typeface="+mn-lt"/>
+                <a:ea typeface="+mn-ea"/>
+                <a:cs typeface="+mn-cs"/>
+              </a:defRPr>
+            </a:lvl5pPr>
+            <a:lvl6pPr marL="2514600" indent="-228600" algn="l" defTabSz="914400" rtl="0" eaLnBrk="1" latinLnBrk="0" hangingPunct="1">
+              <a:lnSpc>
+                <a:spcPct val="90000"/>
+              </a:lnSpc>
+              <a:spcBef>
+                <a:spcPts val="500"/>
+              </a:spcBef>
+              <a:buFont typeface="Arial" panose="020B0604020202020204" pitchFamily="34" charset="0"/>
+              <a:buChar char="•"/>
+              <a:defRPr sz="1800" kern="1200">
+                <a:solidFill>
+                  <a:schemeClr val="tx1"/>
+                </a:solidFill>
+                <a:latin typeface="+mn-lt"/>
+                <a:ea typeface="+mn-ea"/>
+                <a:cs typeface="+mn-cs"/>
+              </a:defRPr>
+            </a:lvl6pPr>
+            <a:lvl7pPr marL="2971800" indent="-228600" algn="l" defTabSz="914400" rtl="0" eaLnBrk="1" latinLnBrk="0" hangingPunct="1">
+              <a:lnSpc>
+                <a:spcPct val="90000"/>
+              </a:lnSpc>
+              <a:spcBef>
+                <a:spcPts val="500"/>
+              </a:spcBef>
+              <a:buFont typeface="Arial" panose="020B0604020202020204" pitchFamily="34" charset="0"/>
+              <a:buChar char="•"/>
+              <a:defRPr sz="1800" kern="1200">
+                <a:solidFill>
+                  <a:schemeClr val="tx1"/>
+                </a:solidFill>
+                <a:latin typeface="+mn-lt"/>
+                <a:ea typeface="+mn-ea"/>
+                <a:cs typeface="+mn-cs"/>
+              </a:defRPr>
+            </a:lvl7pPr>
+            <a:lvl8pPr marL="3429000" indent="-228600" algn="l" defTabSz="914400" rtl="0" eaLnBrk="1" latinLnBrk="0" hangingPunct="1">
+              <a:lnSpc>
+                <a:spcPct val="90000"/>
+              </a:lnSpc>
+              <a:spcBef>
+                <a:spcPts val="500"/>
+              </a:spcBef>
+              <a:buFont typeface="Arial" panose="020B0604020202020204" pitchFamily="34" charset="0"/>
+              <a:buChar char="•"/>
+              <a:defRPr sz="1800" kern="1200">
+                <a:solidFill>
+                  <a:schemeClr val="tx1"/>
+                </a:solidFill>
+                <a:latin typeface="+mn-lt"/>
+                <a:ea typeface="+mn-ea"/>
+                <a:cs typeface="+mn-cs"/>
+              </a:defRPr>
+            </a:lvl8pPr>
+            <a:lvl9pPr marL="3886200" indent="-228600" algn="l" defTabSz="914400" rtl="0" eaLnBrk="1" latinLnBrk="0" hangingPunct="1">
+              <a:lnSpc>
+                <a:spcPct val="90000"/>
+              </a:lnSpc>
+              <a:spcBef>
+                <a:spcPts val="500"/>
+              </a:spcBef>
+              <a:buFont typeface="Arial" panose="020B0604020202020204" pitchFamily="34" charset="0"/>
+              <a:buChar char="•"/>
+              <a:defRPr sz="1800" kern="1200">
+                <a:solidFill>
+                  <a:schemeClr val="tx1"/>
+                </a:solidFill>
+                <a:latin typeface="+mn-lt"/>
+                <a:ea typeface="+mn-ea"/>
+                <a:cs typeface="+mn-cs"/>
+              </a:defRPr>
+            </a:lvl9pPr>
+          </a:lstStyle>
+          <a:p>
+            <a:pPr algn="just"/>
+            <a:r>
+              <a:rPr lang="en-US" dirty="0"/>
+              <a:t>This graph show the time elapsed between the algorithm being initiated and completion against array size, where the upper horizontal line represents 0.1 seconds.</a:t>
+            </a:r>
+          </a:p>
+          <a:p>
+            <a:pPr algn="just"/>
+            <a:r>
+              <a:rPr lang="en-US" dirty="0"/>
+              <a:t>The appears to be about five anomalies in this case but the graph seems to take a constant rise / run otherwise. </a:t>
+            </a:r>
+          </a:p>
+          <a:p>
+            <a:pPr algn="just"/>
+            <a:r>
+              <a:rPr lang="en-US" dirty="0"/>
+              <a:t>These anomalies may have been caused by other processes being run on the computer at the same time.</a:t>
+            </a:r>
+          </a:p>
+          <a:p>
+            <a:endParaRPr lang="en-US" dirty="0"/>
+          </a:p>
+        </p:txBody>
+      </p:sp>
+      <p:graphicFrame>
+        <p:nvGraphicFramePr>
+          <p:cNvPr id="12" name="Table 12">
+            <a:extLst>
+              <a:ext uri="{FF2B5EF4-FFF2-40B4-BE49-F238E27FC236}">
+                <a16:creationId xmlns:a16="http://schemas.microsoft.com/office/drawing/2014/main" id="{E9D53048-7FF8-43FF-A62E-CE3692CD46BE}"/>
+              </a:ext>
+            </a:extLst>
+          </p:cNvPr>
+          <p:cNvGraphicFramePr>
+            <a:graphicFrameLocks noGrp="1"/>
+          </p:cNvGraphicFramePr>
+          <p:nvPr>
+            <p:extLst>
+              <p:ext uri="{D42A27DB-BD31-4B8C-83A1-F6EECF244321}">
+                <p14:modId xmlns:p14="http://schemas.microsoft.com/office/powerpoint/2010/main" val="4256383005"/>
+              </p:ext>
+            </p:extLst>
+          </p:nvPr>
+        </p:nvGraphicFramePr>
+        <p:xfrm>
+          <a:off x="8160199" y="5041791"/>
+          <a:ext cx="3806516" cy="1478280"/>
+        </p:xfrm>
+        <a:graphic>
+          <a:graphicData uri="http://schemas.openxmlformats.org/drawingml/2006/table">
+            <a:tbl>
+              <a:tblPr firstRow="1" bandRow="1">
+                <a:tableStyleId>{073A0DAA-6AF3-43AB-8588-CEC1D06C72B9}</a:tableStyleId>
+              </a:tblPr>
+              <a:tblGrid>
+                <a:gridCol w="1903258">
+                  <a:extLst>
+                    <a:ext uri="{9D8B030D-6E8A-4147-A177-3AD203B41FA5}">
+                      <a16:colId xmlns:a16="http://schemas.microsoft.com/office/drawing/2014/main" val="3204911813"/>
+                    </a:ext>
+                  </a:extLst>
+                </a:gridCol>
+                <a:gridCol w="1903258">
+                  <a:extLst>
+                    <a:ext uri="{9D8B030D-6E8A-4147-A177-3AD203B41FA5}">
+                      <a16:colId xmlns:a16="http://schemas.microsoft.com/office/drawing/2014/main" val="2260809366"/>
+                    </a:ext>
+                  </a:extLst>
+                </a:gridCol>
+              </a:tblGrid>
+              <a:tr h="370840">
+                <a:tc>
+                  <a:txBody>
+                    <a:bodyPr/>
+                    <a:lstStyle/>
+                    <a:p>
+                      <a:r>
+                        <a:rPr lang="en-GB" dirty="0"/>
+                        <a:t>Case</a:t>
+                      </a:r>
+                    </a:p>
+                  </a:txBody>
+                  <a:tcPr/>
+                </a:tc>
+                <a:tc>
+                  <a:txBody>
+                    <a:bodyPr/>
+                    <a:lstStyle/>
+                    <a:p>
+                      <a:r>
+                        <a:rPr lang="en-GB" dirty="0"/>
+                        <a:t>Big Oh</a:t>
+                      </a:r>
+                    </a:p>
+                  </a:txBody>
+                  <a:tcPr/>
+                </a:tc>
+                <a:extLst>
+                  <a:ext uri="{0D108BD9-81ED-4DB2-BD59-A6C34878D82A}">
+                    <a16:rowId xmlns:a16="http://schemas.microsoft.com/office/drawing/2014/main" val="4187749253"/>
+                  </a:ext>
+                </a:extLst>
+              </a:tr>
+              <a:tr h="370840">
+                <a:tc>
+                  <a:txBody>
+                    <a:bodyPr/>
+                    <a:lstStyle/>
+                    <a:p>
+                      <a:r>
+                        <a:rPr lang="en-GB" dirty="0"/>
+                        <a:t>Worst</a:t>
+                      </a:r>
+                    </a:p>
+                  </a:txBody>
+                  <a:tcPr/>
+                </a:tc>
+                <a:tc>
+                  <a:txBody>
+                    <a:bodyPr/>
+                    <a:lstStyle/>
+                    <a:p>
+                      <a:r>
+                        <a:rPr lang="en-GB" dirty="0"/>
+                        <a:t>O(n^2)</a:t>
+                      </a:r>
+                    </a:p>
+                  </a:txBody>
+                  <a:tcPr/>
+                </a:tc>
+                <a:extLst>
+                  <a:ext uri="{0D108BD9-81ED-4DB2-BD59-A6C34878D82A}">
+                    <a16:rowId xmlns:a16="http://schemas.microsoft.com/office/drawing/2014/main" val="544782852"/>
+                  </a:ext>
+                </a:extLst>
+              </a:tr>
+              <a:tr h="370840">
+                <a:tc>
+                  <a:txBody>
+                    <a:bodyPr/>
+                    <a:lstStyle/>
+                    <a:p>
+                      <a:r>
+                        <a:rPr lang="en-GB" dirty="0"/>
+                        <a:t>Average</a:t>
+                      </a:r>
+                    </a:p>
+                  </a:txBody>
+                  <a:tcPr/>
+                </a:tc>
+                <a:tc>
+                  <a:txBody>
+                    <a:bodyPr/>
+                    <a:lstStyle/>
+                    <a:p>
+                      <a:r>
+                        <a:rPr lang="en-GB" dirty="0"/>
+                        <a:t>O(n^2)</a:t>
+                      </a:r>
+                    </a:p>
+                  </a:txBody>
+                  <a:tcPr/>
+                </a:tc>
+                <a:extLst>
+                  <a:ext uri="{0D108BD9-81ED-4DB2-BD59-A6C34878D82A}">
+                    <a16:rowId xmlns:a16="http://schemas.microsoft.com/office/drawing/2014/main" val="3164344996"/>
+                  </a:ext>
+                </a:extLst>
+              </a:tr>
+              <a:tr h="241038">
+                <a:tc>
+                  <a:txBody>
+                    <a:bodyPr/>
+                    <a:lstStyle/>
+                    <a:p>
+                      <a:r>
+                        <a:rPr lang="en-GB" dirty="0"/>
+                        <a:t>Best</a:t>
+                      </a:r>
+                    </a:p>
+                  </a:txBody>
+                  <a:tcPr/>
+                </a:tc>
+                <a:tc>
+                  <a:txBody>
+                    <a:bodyPr/>
+                    <a:lstStyle/>
+                    <a:p>
+                      <a:r>
+                        <a:rPr lang="en-GB" dirty="0"/>
+                        <a:t>O(n)</a:t>
+                      </a:r>
+                    </a:p>
+                  </a:txBody>
+                  <a:tcPr/>
+                </a:tc>
+                <a:extLst>
+                  <a:ext uri="{0D108BD9-81ED-4DB2-BD59-A6C34878D82A}">
+                    <a16:rowId xmlns:a16="http://schemas.microsoft.com/office/drawing/2014/main" val="194678938"/>
+                  </a:ext>
+                </a:extLst>
+              </a:tr>
+            </a:tbl>
+          </a:graphicData>
+        </a:graphic>
+      </p:graphicFrame>
+      <p:pic>
+        <p:nvPicPr>
+          <p:cNvPr id="14" name="Picture 13">
+            <a:extLst>
+              <a:ext uri="{FF2B5EF4-FFF2-40B4-BE49-F238E27FC236}">
+                <a16:creationId xmlns:a16="http://schemas.microsoft.com/office/drawing/2014/main" id="{F2615F05-02AC-48F2-9DD6-16A590C31952}"/>
+              </a:ext>
+            </a:extLst>
+          </p:cNvPr>
+          <p:cNvPicPr>
+            <a:picLocks noChangeAspect="1"/>
+          </p:cNvPicPr>
+          <p:nvPr/>
+        </p:nvPicPr>
+        <p:blipFill>
+          <a:blip r:embed="rId3"/>
+          <a:stretch>
+            <a:fillRect/>
+          </a:stretch>
+        </p:blipFill>
+        <p:spPr>
+          <a:xfrm>
+            <a:off x="4857358" y="1690226"/>
+            <a:ext cx="2881912" cy="1738774"/>
+          </a:xfrm>
+          <a:prstGeom prst="rect">
+            <a:avLst/>
+          </a:prstGeom>
+        </p:spPr>
+      </p:pic>
+      <p:graphicFrame>
+        <p:nvGraphicFramePr>
+          <p:cNvPr id="15" name="Table 4">
+            <a:extLst>
+              <a:ext uri="{FF2B5EF4-FFF2-40B4-BE49-F238E27FC236}">
+                <a16:creationId xmlns:a16="http://schemas.microsoft.com/office/drawing/2014/main" id="{5E69FFC6-656F-497E-971F-233B8E85400B}"/>
+              </a:ext>
+            </a:extLst>
+          </p:cNvPr>
+          <p:cNvGraphicFramePr>
+            <a:graphicFrameLocks noGrp="1"/>
+          </p:cNvGraphicFramePr>
+          <p:nvPr>
+            <p:extLst>
+              <p:ext uri="{D42A27DB-BD31-4B8C-83A1-F6EECF244321}">
+                <p14:modId xmlns:p14="http://schemas.microsoft.com/office/powerpoint/2010/main" val="2905537704"/>
+              </p:ext>
+            </p:extLst>
+          </p:nvPr>
+        </p:nvGraphicFramePr>
+        <p:xfrm>
+          <a:off x="8160199" y="2843627"/>
+          <a:ext cx="3806514" cy="2051811"/>
+        </p:xfrm>
+        <a:graphic>
+          <a:graphicData uri="http://schemas.openxmlformats.org/drawingml/2006/table">
+            <a:tbl>
+              <a:tblPr firstRow="1" bandRow="1">
+                <a:tableStyleId>{073A0DAA-6AF3-43AB-8588-CEC1D06C72B9}</a:tableStyleId>
+              </a:tblPr>
+              <a:tblGrid>
+                <a:gridCol w="784924">
+                  <a:extLst>
+                    <a:ext uri="{9D8B030D-6E8A-4147-A177-3AD203B41FA5}">
+                      <a16:colId xmlns:a16="http://schemas.microsoft.com/office/drawing/2014/main" val="3959017320"/>
+                    </a:ext>
+                  </a:extLst>
+                </a:gridCol>
+                <a:gridCol w="1126529">
+                  <a:extLst>
+                    <a:ext uri="{9D8B030D-6E8A-4147-A177-3AD203B41FA5}">
+                      <a16:colId xmlns:a16="http://schemas.microsoft.com/office/drawing/2014/main" val="2336461049"/>
+                    </a:ext>
+                  </a:extLst>
+                </a:gridCol>
+                <a:gridCol w="1099438">
+                  <a:extLst>
+                    <a:ext uri="{9D8B030D-6E8A-4147-A177-3AD203B41FA5}">
+                      <a16:colId xmlns:a16="http://schemas.microsoft.com/office/drawing/2014/main" val="1935105656"/>
+                    </a:ext>
+                  </a:extLst>
+                </a:gridCol>
+                <a:gridCol w="795623">
+                  <a:extLst>
+                    <a:ext uri="{9D8B030D-6E8A-4147-A177-3AD203B41FA5}">
+                      <a16:colId xmlns:a16="http://schemas.microsoft.com/office/drawing/2014/main" val="387857"/>
+                    </a:ext>
+                  </a:extLst>
+                </a:gridCol>
+              </a:tblGrid>
+              <a:tr h="957679">
+                <a:tc>
+                  <a:txBody>
+                    <a:bodyPr/>
+                    <a:lstStyle/>
+                    <a:p>
+                      <a:r>
+                        <a:rPr lang="en-GB" dirty="0"/>
+                        <a:t>Case</a:t>
+                      </a:r>
+                    </a:p>
+                  </a:txBody>
+                  <a:tcPr/>
+                </a:tc>
+                <a:tc>
+                  <a:txBody>
+                    <a:bodyPr/>
+                    <a:lstStyle/>
+                    <a:p>
+                      <a:r>
+                        <a:rPr lang="en-GB" dirty="0"/>
+                        <a:t>Average Swaps</a:t>
+                      </a:r>
+                    </a:p>
+                  </a:txBody>
+                  <a:tcPr/>
+                </a:tc>
+                <a:tc>
+                  <a:txBody>
+                    <a:bodyPr/>
+                    <a:lstStyle/>
+                    <a:p>
+                      <a:r>
+                        <a:rPr lang="en-GB" dirty="0"/>
+                        <a:t>Min Swaps</a:t>
+                      </a:r>
+                    </a:p>
+                  </a:txBody>
+                  <a:tcPr/>
+                </a:tc>
+                <a:tc>
+                  <a:txBody>
+                    <a:bodyPr/>
+                    <a:lstStyle/>
+                    <a:p>
+                      <a:r>
+                        <a:rPr lang="en-GB" dirty="0"/>
+                        <a:t>Max Swaps</a:t>
+                      </a:r>
+                    </a:p>
+                  </a:txBody>
+                  <a:tcPr/>
+                </a:tc>
+                <a:extLst>
+                  <a:ext uri="{0D108BD9-81ED-4DB2-BD59-A6C34878D82A}">
+                    <a16:rowId xmlns:a16="http://schemas.microsoft.com/office/drawing/2014/main" val="126815450"/>
+                  </a:ext>
+                </a:extLst>
+              </a:tr>
+              <a:tr h="318466">
+                <a:tc>
+                  <a:txBody>
+                    <a:bodyPr/>
+                    <a:lstStyle/>
+                    <a:p>
+                      <a:r>
+                        <a:rPr lang="en-GB" sz="1200" dirty="0"/>
+                        <a:t>Reverse Order</a:t>
+                      </a:r>
+                    </a:p>
+                  </a:txBody>
+                  <a:tcPr/>
+                </a:tc>
+                <a:tc>
+                  <a:txBody>
+                    <a:bodyPr/>
+                    <a:lstStyle/>
+                    <a:p>
+                      <a:endParaRPr lang="en-GB" sz="1200" dirty="0"/>
+                    </a:p>
+                  </a:txBody>
+                  <a:tcPr/>
+                </a:tc>
+                <a:tc>
+                  <a:txBody>
+                    <a:bodyPr/>
+                    <a:lstStyle/>
+                    <a:p>
+                      <a:endParaRPr lang="en-GB" sz="1200"/>
+                    </a:p>
+                  </a:txBody>
+                  <a:tcPr/>
+                </a:tc>
+                <a:tc>
+                  <a:txBody>
+                    <a:bodyPr/>
+                    <a:lstStyle/>
+                    <a:p>
+                      <a:endParaRPr lang="en-GB" sz="1200"/>
+                    </a:p>
+                  </a:txBody>
+                  <a:tcPr/>
+                </a:tc>
+                <a:extLst>
+                  <a:ext uri="{0D108BD9-81ED-4DB2-BD59-A6C34878D82A}">
+                    <a16:rowId xmlns:a16="http://schemas.microsoft.com/office/drawing/2014/main" val="4082730715"/>
+                  </a:ext>
+                </a:extLst>
+              </a:tr>
+              <a:tr h="318466">
+                <a:tc>
+                  <a:txBody>
+                    <a:bodyPr/>
+                    <a:lstStyle/>
+                    <a:p>
+                      <a:r>
+                        <a:rPr lang="en-GB" sz="1200" dirty="0"/>
+                        <a:t>Random</a:t>
+                      </a:r>
+                    </a:p>
+                  </a:txBody>
+                  <a:tcPr/>
+                </a:tc>
+                <a:tc>
+                  <a:txBody>
+                    <a:bodyPr/>
+                    <a:lstStyle/>
+                    <a:p>
+                      <a:endParaRPr lang="en-GB" sz="1200" dirty="0"/>
+                    </a:p>
+                  </a:txBody>
+                  <a:tcPr/>
+                </a:tc>
+                <a:tc>
+                  <a:txBody>
+                    <a:bodyPr/>
+                    <a:lstStyle/>
+                    <a:p>
+                      <a:endParaRPr lang="en-GB" sz="1200"/>
+                    </a:p>
+                  </a:txBody>
+                  <a:tcPr/>
+                </a:tc>
+                <a:tc>
+                  <a:txBody>
+                    <a:bodyPr/>
+                    <a:lstStyle/>
+                    <a:p>
+                      <a:endParaRPr lang="en-GB" sz="1200"/>
+                    </a:p>
+                  </a:txBody>
+                  <a:tcPr/>
+                </a:tc>
+                <a:extLst>
+                  <a:ext uri="{0D108BD9-81ED-4DB2-BD59-A6C34878D82A}">
+                    <a16:rowId xmlns:a16="http://schemas.microsoft.com/office/drawing/2014/main" val="3793809036"/>
+                  </a:ext>
+                </a:extLst>
+              </a:tr>
+              <a:tr h="318466">
+                <a:tc>
+                  <a:txBody>
+                    <a:bodyPr/>
+                    <a:lstStyle/>
+                    <a:p>
+                      <a:r>
+                        <a:rPr lang="en-GB" sz="1200" dirty="0"/>
+                        <a:t>Ordered</a:t>
+                      </a:r>
+                    </a:p>
+                  </a:txBody>
+                  <a:tcPr/>
+                </a:tc>
+                <a:tc>
+                  <a:txBody>
+                    <a:bodyPr/>
+                    <a:lstStyle/>
+                    <a:p>
+                      <a:endParaRPr lang="en-GB" sz="1200"/>
+                    </a:p>
+                  </a:txBody>
+                  <a:tcPr/>
+                </a:tc>
+                <a:tc>
+                  <a:txBody>
+                    <a:bodyPr/>
+                    <a:lstStyle/>
+                    <a:p>
+                      <a:endParaRPr lang="en-GB" sz="1200" dirty="0"/>
+                    </a:p>
+                  </a:txBody>
+                  <a:tcPr/>
+                </a:tc>
+                <a:tc>
+                  <a:txBody>
+                    <a:bodyPr/>
+                    <a:lstStyle/>
+                    <a:p>
+                      <a:endParaRPr lang="en-GB" sz="1200" dirty="0"/>
+                    </a:p>
+                  </a:txBody>
+                  <a:tcPr/>
+                </a:tc>
+                <a:extLst>
+                  <a:ext uri="{0D108BD9-81ED-4DB2-BD59-A6C34878D82A}">
+                    <a16:rowId xmlns:a16="http://schemas.microsoft.com/office/drawing/2014/main" val="3688509900"/>
+                  </a:ext>
+                </a:extLst>
+              </a:tr>
+            </a:tbl>
+          </a:graphicData>
+        </a:graphic>
+      </p:graphicFrame>
     </p:spTree>
     <p:extLst>
       <p:ext uri="{BB962C8B-B14F-4D97-AF65-F5344CB8AC3E}">
@@ -4615,11 +5990,631 @@
         </p:blipFill>
         <p:spPr>
           <a:xfrm>
-            <a:off x="9509417" y="365125"/>
-            <a:ext cx="1844383" cy="1999373"/>
+            <a:off x="6858001" y="2039701"/>
+            <a:ext cx="2020956" cy="1929420"/>
           </a:xfrm>
         </p:spPr>
       </p:pic>
+      <p:sp>
+        <p:nvSpPr>
+          <p:cNvPr id="4" name="Content Placeholder 2">
+            <a:extLst>
+              <a:ext uri="{FF2B5EF4-FFF2-40B4-BE49-F238E27FC236}">
+                <a16:creationId xmlns:a16="http://schemas.microsoft.com/office/drawing/2014/main" id="{8A3BA113-905F-4563-9E15-B7F65E6A451D}"/>
+              </a:ext>
+            </a:extLst>
+          </p:cNvPr>
+          <p:cNvSpPr txBox="1">
+            <a:spLocks/>
+          </p:cNvSpPr>
+          <p:nvPr/>
+        </p:nvSpPr>
+        <p:spPr>
+          <a:xfrm>
+            <a:off x="838200" y="1825625"/>
+            <a:ext cx="10515600" cy="4351338"/>
+          </a:xfrm>
+          <a:prstGeom prst="rect">
+            <a:avLst/>
+          </a:prstGeom>
+        </p:spPr>
+        <p:txBody>
+          <a:bodyPr vert="horz" lIns="91440" tIns="45720" rIns="91440" bIns="45720" rtlCol="0">
+            <a:normAutofit/>
+          </a:bodyPr>
+          <a:lstStyle>
+            <a:lvl1pPr marL="228600" indent="-228600" algn="l" defTabSz="914400" rtl="0" eaLnBrk="1" latinLnBrk="0" hangingPunct="1">
+              <a:lnSpc>
+                <a:spcPct val="90000"/>
+              </a:lnSpc>
+              <a:spcBef>
+                <a:spcPts val="1000"/>
+              </a:spcBef>
+              <a:buFont typeface="Arial" panose="020B0604020202020204" pitchFamily="34" charset="0"/>
+              <a:buChar char="•"/>
+              <a:defRPr sz="2800" kern="1200">
+                <a:solidFill>
+                  <a:schemeClr val="tx1"/>
+                </a:solidFill>
+                <a:latin typeface="+mn-lt"/>
+                <a:ea typeface="+mn-ea"/>
+                <a:cs typeface="+mn-cs"/>
+              </a:defRPr>
+            </a:lvl1pPr>
+            <a:lvl2pPr marL="685800" indent="-228600" algn="l" defTabSz="914400" rtl="0" eaLnBrk="1" latinLnBrk="0" hangingPunct="1">
+              <a:lnSpc>
+                <a:spcPct val="90000"/>
+              </a:lnSpc>
+              <a:spcBef>
+                <a:spcPts val="500"/>
+              </a:spcBef>
+              <a:buFont typeface="Arial" panose="020B0604020202020204" pitchFamily="34" charset="0"/>
+              <a:buChar char="•"/>
+              <a:defRPr sz="2400" kern="1200">
+                <a:solidFill>
+                  <a:schemeClr val="tx1"/>
+                </a:solidFill>
+                <a:latin typeface="+mn-lt"/>
+                <a:ea typeface="+mn-ea"/>
+                <a:cs typeface="+mn-cs"/>
+              </a:defRPr>
+            </a:lvl2pPr>
+            <a:lvl3pPr marL="1143000" indent="-228600" algn="l" defTabSz="914400" rtl="0" eaLnBrk="1" latinLnBrk="0" hangingPunct="1">
+              <a:lnSpc>
+                <a:spcPct val="90000"/>
+              </a:lnSpc>
+              <a:spcBef>
+                <a:spcPts val="500"/>
+              </a:spcBef>
+              <a:buFont typeface="Arial" panose="020B0604020202020204" pitchFamily="34" charset="0"/>
+              <a:buChar char="•"/>
+              <a:defRPr sz="2000" kern="1200">
+                <a:solidFill>
+                  <a:schemeClr val="tx1"/>
+                </a:solidFill>
+                <a:latin typeface="+mn-lt"/>
+                <a:ea typeface="+mn-ea"/>
+                <a:cs typeface="+mn-cs"/>
+              </a:defRPr>
+            </a:lvl3pPr>
+            <a:lvl4pPr marL="1600200" indent="-228600" algn="l" defTabSz="914400" rtl="0" eaLnBrk="1" latinLnBrk="0" hangingPunct="1">
+              <a:lnSpc>
+                <a:spcPct val="90000"/>
+              </a:lnSpc>
+              <a:spcBef>
+                <a:spcPts val="500"/>
+              </a:spcBef>
+              <a:buFont typeface="Arial" panose="020B0604020202020204" pitchFamily="34" charset="0"/>
+              <a:buChar char="•"/>
+              <a:defRPr sz="1800" kern="1200">
+                <a:solidFill>
+                  <a:schemeClr val="tx1"/>
+                </a:solidFill>
+                <a:latin typeface="+mn-lt"/>
+                <a:ea typeface="+mn-ea"/>
+                <a:cs typeface="+mn-cs"/>
+              </a:defRPr>
+            </a:lvl4pPr>
+            <a:lvl5pPr marL="2057400" indent="-228600" algn="l" defTabSz="914400" rtl="0" eaLnBrk="1" latinLnBrk="0" hangingPunct="1">
+              <a:lnSpc>
+                <a:spcPct val="90000"/>
+              </a:lnSpc>
+              <a:spcBef>
+                <a:spcPts val="500"/>
+              </a:spcBef>
+              <a:buFont typeface="Arial" panose="020B0604020202020204" pitchFamily="34" charset="0"/>
+              <a:buChar char="•"/>
+              <a:defRPr sz="1800" kern="1200">
+                <a:solidFill>
+                  <a:schemeClr val="tx1"/>
+                </a:solidFill>
+                <a:latin typeface="+mn-lt"/>
+                <a:ea typeface="+mn-ea"/>
+                <a:cs typeface="+mn-cs"/>
+              </a:defRPr>
+            </a:lvl5pPr>
+            <a:lvl6pPr marL="2514600" indent="-228600" algn="l" defTabSz="914400" rtl="0" eaLnBrk="1" latinLnBrk="0" hangingPunct="1">
+              <a:lnSpc>
+                <a:spcPct val="90000"/>
+              </a:lnSpc>
+              <a:spcBef>
+                <a:spcPts val="500"/>
+              </a:spcBef>
+              <a:buFont typeface="Arial" panose="020B0604020202020204" pitchFamily="34" charset="0"/>
+              <a:buChar char="•"/>
+              <a:defRPr sz="1800" kern="1200">
+                <a:solidFill>
+                  <a:schemeClr val="tx1"/>
+                </a:solidFill>
+                <a:latin typeface="+mn-lt"/>
+                <a:ea typeface="+mn-ea"/>
+                <a:cs typeface="+mn-cs"/>
+              </a:defRPr>
+            </a:lvl6pPr>
+            <a:lvl7pPr marL="2971800" indent="-228600" algn="l" defTabSz="914400" rtl="0" eaLnBrk="1" latinLnBrk="0" hangingPunct="1">
+              <a:lnSpc>
+                <a:spcPct val="90000"/>
+              </a:lnSpc>
+              <a:spcBef>
+                <a:spcPts val="500"/>
+              </a:spcBef>
+              <a:buFont typeface="Arial" panose="020B0604020202020204" pitchFamily="34" charset="0"/>
+              <a:buChar char="•"/>
+              <a:defRPr sz="1800" kern="1200">
+                <a:solidFill>
+                  <a:schemeClr val="tx1"/>
+                </a:solidFill>
+                <a:latin typeface="+mn-lt"/>
+                <a:ea typeface="+mn-ea"/>
+                <a:cs typeface="+mn-cs"/>
+              </a:defRPr>
+            </a:lvl7pPr>
+            <a:lvl8pPr marL="3429000" indent="-228600" algn="l" defTabSz="914400" rtl="0" eaLnBrk="1" latinLnBrk="0" hangingPunct="1">
+              <a:lnSpc>
+                <a:spcPct val="90000"/>
+              </a:lnSpc>
+              <a:spcBef>
+                <a:spcPts val="500"/>
+              </a:spcBef>
+              <a:buFont typeface="Arial" panose="020B0604020202020204" pitchFamily="34" charset="0"/>
+              <a:buChar char="•"/>
+              <a:defRPr sz="1800" kern="1200">
+                <a:solidFill>
+                  <a:schemeClr val="tx1"/>
+                </a:solidFill>
+                <a:latin typeface="+mn-lt"/>
+                <a:ea typeface="+mn-ea"/>
+                <a:cs typeface="+mn-cs"/>
+              </a:defRPr>
+            </a:lvl8pPr>
+            <a:lvl9pPr marL="3886200" indent="-228600" algn="l" defTabSz="914400" rtl="0" eaLnBrk="1" latinLnBrk="0" hangingPunct="1">
+              <a:lnSpc>
+                <a:spcPct val="90000"/>
+              </a:lnSpc>
+              <a:spcBef>
+                <a:spcPts val="500"/>
+              </a:spcBef>
+              <a:buFont typeface="Arial" panose="020B0604020202020204" pitchFamily="34" charset="0"/>
+              <a:buChar char="•"/>
+              <a:defRPr sz="1800" kern="1200">
+                <a:solidFill>
+                  <a:schemeClr val="tx1"/>
+                </a:solidFill>
+                <a:latin typeface="+mn-lt"/>
+                <a:ea typeface="+mn-ea"/>
+                <a:cs typeface="+mn-cs"/>
+              </a:defRPr>
+            </a:lvl9pPr>
+          </a:lstStyle>
+          <a:p>
+            <a:endParaRPr lang="en-US" dirty="0"/>
+          </a:p>
+        </p:txBody>
+      </p:sp>
+      <p:sp>
+        <p:nvSpPr>
+          <p:cNvPr id="6" name="Content Placeholder 2">
+            <a:extLst>
+              <a:ext uri="{FF2B5EF4-FFF2-40B4-BE49-F238E27FC236}">
+                <a16:creationId xmlns:a16="http://schemas.microsoft.com/office/drawing/2014/main" id="{F608C94F-AA5D-452A-A1E7-0AD94DF6B25C}"/>
+              </a:ext>
+            </a:extLst>
+          </p:cNvPr>
+          <p:cNvSpPr txBox="1">
+            <a:spLocks/>
+          </p:cNvSpPr>
+          <p:nvPr/>
+        </p:nvSpPr>
+        <p:spPr>
+          <a:xfrm>
+            <a:off x="990601" y="1978025"/>
+            <a:ext cx="5715000" cy="4351338"/>
+          </a:xfrm>
+          <a:prstGeom prst="rect">
+            <a:avLst/>
+          </a:prstGeom>
+        </p:spPr>
+        <p:txBody>
+          <a:bodyPr vert="horz" lIns="91440" tIns="45720" rIns="91440" bIns="45720" rtlCol="0">
+            <a:normAutofit lnSpcReduction="10000"/>
+          </a:bodyPr>
+          <a:lstStyle>
+            <a:lvl1pPr marL="228600" indent="-228600" algn="l" defTabSz="914400" rtl="0" eaLnBrk="1" latinLnBrk="0" hangingPunct="1">
+              <a:lnSpc>
+                <a:spcPct val="90000"/>
+              </a:lnSpc>
+              <a:spcBef>
+                <a:spcPts val="1000"/>
+              </a:spcBef>
+              <a:buFont typeface="Arial" panose="020B0604020202020204" pitchFamily="34" charset="0"/>
+              <a:buChar char="•"/>
+              <a:defRPr sz="2800" kern="1200">
+                <a:solidFill>
+                  <a:schemeClr val="tx1"/>
+                </a:solidFill>
+                <a:latin typeface="+mn-lt"/>
+                <a:ea typeface="+mn-ea"/>
+                <a:cs typeface="+mn-cs"/>
+              </a:defRPr>
+            </a:lvl1pPr>
+            <a:lvl2pPr marL="685800" indent="-228600" algn="l" defTabSz="914400" rtl="0" eaLnBrk="1" latinLnBrk="0" hangingPunct="1">
+              <a:lnSpc>
+                <a:spcPct val="90000"/>
+              </a:lnSpc>
+              <a:spcBef>
+                <a:spcPts val="500"/>
+              </a:spcBef>
+              <a:buFont typeface="Arial" panose="020B0604020202020204" pitchFamily="34" charset="0"/>
+              <a:buChar char="•"/>
+              <a:defRPr sz="2400" kern="1200">
+                <a:solidFill>
+                  <a:schemeClr val="tx1"/>
+                </a:solidFill>
+                <a:latin typeface="+mn-lt"/>
+                <a:ea typeface="+mn-ea"/>
+                <a:cs typeface="+mn-cs"/>
+              </a:defRPr>
+            </a:lvl2pPr>
+            <a:lvl3pPr marL="1143000" indent="-228600" algn="l" defTabSz="914400" rtl="0" eaLnBrk="1" latinLnBrk="0" hangingPunct="1">
+              <a:lnSpc>
+                <a:spcPct val="90000"/>
+              </a:lnSpc>
+              <a:spcBef>
+                <a:spcPts val="500"/>
+              </a:spcBef>
+              <a:buFont typeface="Arial" panose="020B0604020202020204" pitchFamily="34" charset="0"/>
+              <a:buChar char="•"/>
+              <a:defRPr sz="2000" kern="1200">
+                <a:solidFill>
+                  <a:schemeClr val="tx1"/>
+                </a:solidFill>
+                <a:latin typeface="+mn-lt"/>
+                <a:ea typeface="+mn-ea"/>
+                <a:cs typeface="+mn-cs"/>
+              </a:defRPr>
+            </a:lvl3pPr>
+            <a:lvl4pPr marL="1600200" indent="-228600" algn="l" defTabSz="914400" rtl="0" eaLnBrk="1" latinLnBrk="0" hangingPunct="1">
+              <a:lnSpc>
+                <a:spcPct val="90000"/>
+              </a:lnSpc>
+              <a:spcBef>
+                <a:spcPts val="500"/>
+              </a:spcBef>
+              <a:buFont typeface="Arial" panose="020B0604020202020204" pitchFamily="34" charset="0"/>
+              <a:buChar char="•"/>
+              <a:defRPr sz="1800" kern="1200">
+                <a:solidFill>
+                  <a:schemeClr val="tx1"/>
+                </a:solidFill>
+                <a:latin typeface="+mn-lt"/>
+                <a:ea typeface="+mn-ea"/>
+                <a:cs typeface="+mn-cs"/>
+              </a:defRPr>
+            </a:lvl4pPr>
+            <a:lvl5pPr marL="2057400" indent="-228600" algn="l" defTabSz="914400" rtl="0" eaLnBrk="1" latinLnBrk="0" hangingPunct="1">
+              <a:lnSpc>
+                <a:spcPct val="90000"/>
+              </a:lnSpc>
+              <a:spcBef>
+                <a:spcPts val="500"/>
+              </a:spcBef>
+              <a:buFont typeface="Arial" panose="020B0604020202020204" pitchFamily="34" charset="0"/>
+              <a:buChar char="•"/>
+              <a:defRPr sz="1800" kern="1200">
+                <a:solidFill>
+                  <a:schemeClr val="tx1"/>
+                </a:solidFill>
+                <a:latin typeface="+mn-lt"/>
+                <a:ea typeface="+mn-ea"/>
+                <a:cs typeface="+mn-cs"/>
+              </a:defRPr>
+            </a:lvl5pPr>
+            <a:lvl6pPr marL="2514600" indent="-228600" algn="l" defTabSz="914400" rtl="0" eaLnBrk="1" latinLnBrk="0" hangingPunct="1">
+              <a:lnSpc>
+                <a:spcPct val="90000"/>
+              </a:lnSpc>
+              <a:spcBef>
+                <a:spcPts val="500"/>
+              </a:spcBef>
+              <a:buFont typeface="Arial" panose="020B0604020202020204" pitchFamily="34" charset="0"/>
+              <a:buChar char="•"/>
+              <a:defRPr sz="1800" kern="1200">
+                <a:solidFill>
+                  <a:schemeClr val="tx1"/>
+                </a:solidFill>
+                <a:latin typeface="+mn-lt"/>
+                <a:ea typeface="+mn-ea"/>
+                <a:cs typeface="+mn-cs"/>
+              </a:defRPr>
+            </a:lvl6pPr>
+            <a:lvl7pPr marL="2971800" indent="-228600" algn="l" defTabSz="914400" rtl="0" eaLnBrk="1" latinLnBrk="0" hangingPunct="1">
+              <a:lnSpc>
+                <a:spcPct val="90000"/>
+              </a:lnSpc>
+              <a:spcBef>
+                <a:spcPts val="500"/>
+              </a:spcBef>
+              <a:buFont typeface="Arial" panose="020B0604020202020204" pitchFamily="34" charset="0"/>
+              <a:buChar char="•"/>
+              <a:defRPr sz="1800" kern="1200">
+                <a:solidFill>
+                  <a:schemeClr val="tx1"/>
+                </a:solidFill>
+                <a:latin typeface="+mn-lt"/>
+                <a:ea typeface="+mn-ea"/>
+                <a:cs typeface="+mn-cs"/>
+              </a:defRPr>
+            </a:lvl7pPr>
+            <a:lvl8pPr marL="3429000" indent="-228600" algn="l" defTabSz="914400" rtl="0" eaLnBrk="1" latinLnBrk="0" hangingPunct="1">
+              <a:lnSpc>
+                <a:spcPct val="90000"/>
+              </a:lnSpc>
+              <a:spcBef>
+                <a:spcPts val="500"/>
+              </a:spcBef>
+              <a:buFont typeface="Arial" panose="020B0604020202020204" pitchFamily="34" charset="0"/>
+              <a:buChar char="•"/>
+              <a:defRPr sz="1800" kern="1200">
+                <a:solidFill>
+                  <a:schemeClr val="tx1"/>
+                </a:solidFill>
+                <a:latin typeface="+mn-lt"/>
+                <a:ea typeface="+mn-ea"/>
+                <a:cs typeface="+mn-cs"/>
+              </a:defRPr>
+            </a:lvl8pPr>
+            <a:lvl9pPr marL="3886200" indent="-228600" algn="l" defTabSz="914400" rtl="0" eaLnBrk="1" latinLnBrk="0" hangingPunct="1">
+              <a:lnSpc>
+                <a:spcPct val="90000"/>
+              </a:lnSpc>
+              <a:spcBef>
+                <a:spcPts val="500"/>
+              </a:spcBef>
+              <a:buFont typeface="Arial" panose="020B0604020202020204" pitchFamily="34" charset="0"/>
+              <a:buChar char="•"/>
+              <a:defRPr sz="1800" kern="1200">
+                <a:solidFill>
+                  <a:schemeClr val="tx1"/>
+                </a:solidFill>
+                <a:latin typeface="+mn-lt"/>
+                <a:ea typeface="+mn-ea"/>
+                <a:cs typeface="+mn-cs"/>
+              </a:defRPr>
+            </a:lvl9pPr>
+          </a:lstStyle>
+          <a:p>
+            <a:pPr algn="just"/>
+            <a:r>
+              <a:rPr lang="en-US" dirty="0"/>
+              <a:t>Selection Sort is an algorithm used to order an unordered list.  It does this by iterating over the list and </a:t>
+            </a:r>
+            <a:r>
+              <a:rPr lang="en-US" i="1" dirty="0"/>
+              <a:t>selecting </a:t>
+            </a:r>
+            <a:r>
+              <a:rPr lang="en-US" dirty="0"/>
+              <a:t>the smallest element and the swapping it to the start or end of the list depending on weather the final product should be in ascending or descending order.</a:t>
+            </a:r>
+          </a:p>
+          <a:p>
+            <a:r>
+              <a:rPr lang="en-US" dirty="0"/>
+              <a:t>With each pass over the list the search area gets smaller by 1 as the smallest item found in the previous pass is now in its final position.</a:t>
+            </a:r>
+          </a:p>
+          <a:p>
+            <a:endParaRPr lang="en-US" dirty="0"/>
+          </a:p>
+        </p:txBody>
+      </p:sp>
+      <p:sp>
+        <p:nvSpPr>
+          <p:cNvPr id="3" name="TextBox 2">
+            <a:extLst>
+              <a:ext uri="{FF2B5EF4-FFF2-40B4-BE49-F238E27FC236}">
+                <a16:creationId xmlns:a16="http://schemas.microsoft.com/office/drawing/2014/main" id="{2CEA0595-C137-4FA9-AFD6-B58944D65888}"/>
+              </a:ext>
+            </a:extLst>
+          </p:cNvPr>
+          <p:cNvSpPr txBox="1"/>
+          <p:nvPr/>
+        </p:nvSpPr>
+        <p:spPr>
+          <a:xfrm>
+            <a:off x="9031357" y="2039700"/>
+            <a:ext cx="2814985" cy="1631216"/>
+          </a:xfrm>
+          <a:prstGeom prst="rect">
+            <a:avLst/>
+          </a:prstGeom>
+          <a:noFill/>
+        </p:spPr>
+        <p:txBody>
+          <a:bodyPr wrap="square" rtlCol="0">
+            <a:spAutoFit/>
+          </a:bodyPr>
+          <a:lstStyle/>
+          <a:p>
+            <a:pPr algn="just"/>
+            <a:r>
+              <a:rPr lang="en-GB" sz="2000" dirty="0"/>
+              <a:t>In the first iteration of this array, the smallest element ‘0’ has been found and placed at the beginning of the array.</a:t>
+            </a:r>
+          </a:p>
+        </p:txBody>
+      </p:sp>
+      <p:cxnSp>
+        <p:nvCxnSpPr>
+          <p:cNvPr id="7" name="Straight Arrow Connector 6">
+            <a:extLst>
+              <a:ext uri="{FF2B5EF4-FFF2-40B4-BE49-F238E27FC236}">
+                <a16:creationId xmlns:a16="http://schemas.microsoft.com/office/drawing/2014/main" id="{15C03145-08D3-4822-ADD5-5E985E18778C}"/>
+              </a:ext>
+            </a:extLst>
+          </p:cNvPr>
+          <p:cNvCxnSpPr>
+            <a:cxnSpLocks/>
+          </p:cNvCxnSpPr>
+          <p:nvPr/>
+        </p:nvCxnSpPr>
+        <p:spPr>
+          <a:xfrm flipH="1" flipV="1">
+            <a:off x="8605034" y="2343312"/>
+            <a:ext cx="347107" cy="84840"/>
+          </a:xfrm>
+          <a:prstGeom prst="straightConnector1">
+            <a:avLst/>
+          </a:prstGeom>
+          <a:ln w="38100">
+            <a:solidFill>
+              <a:srgbClr val="FF0000"/>
+            </a:solidFill>
+            <a:tailEnd type="triangle"/>
+          </a:ln>
+        </p:spPr>
+        <p:style>
+          <a:lnRef idx="3">
+            <a:schemeClr val="accent5"/>
+          </a:lnRef>
+          <a:fillRef idx="0">
+            <a:schemeClr val="accent5"/>
+          </a:fillRef>
+          <a:effectRef idx="2">
+            <a:schemeClr val="accent5"/>
+          </a:effectRef>
+          <a:fontRef idx="minor">
+            <a:schemeClr val="tx1"/>
+          </a:fontRef>
+        </p:style>
+      </p:cxnSp>
+      <p:cxnSp>
+        <p:nvCxnSpPr>
+          <p:cNvPr id="10" name="Straight Arrow Connector 9">
+            <a:extLst>
+              <a:ext uri="{FF2B5EF4-FFF2-40B4-BE49-F238E27FC236}">
+                <a16:creationId xmlns:a16="http://schemas.microsoft.com/office/drawing/2014/main" id="{454589EC-97DD-4C34-8871-EBBEA0E1279B}"/>
+              </a:ext>
+            </a:extLst>
+          </p:cNvPr>
+          <p:cNvCxnSpPr>
+            <a:cxnSpLocks/>
+          </p:cNvCxnSpPr>
+          <p:nvPr/>
+        </p:nvCxnSpPr>
+        <p:spPr>
+          <a:xfrm flipH="1">
+            <a:off x="7520953" y="2428152"/>
+            <a:ext cx="1431188" cy="311085"/>
+          </a:xfrm>
+          <a:prstGeom prst="straightConnector1">
+            <a:avLst/>
+          </a:prstGeom>
+          <a:ln w="38100">
+            <a:solidFill>
+              <a:srgbClr val="FF0000"/>
+            </a:solidFill>
+            <a:tailEnd type="triangle"/>
+          </a:ln>
+        </p:spPr>
+        <p:style>
+          <a:lnRef idx="3">
+            <a:schemeClr val="accent5"/>
+          </a:lnRef>
+          <a:fillRef idx="0">
+            <a:schemeClr val="accent5"/>
+          </a:fillRef>
+          <a:effectRef idx="2">
+            <a:schemeClr val="accent5"/>
+          </a:effectRef>
+          <a:fontRef idx="minor">
+            <a:schemeClr val="tx1"/>
+          </a:fontRef>
+        </p:style>
+      </p:cxnSp>
+      <p:pic>
+        <p:nvPicPr>
+          <p:cNvPr id="2050" name="Picture 2" descr="Selection Sort">
+            <a:extLst>
+              <a:ext uri="{FF2B5EF4-FFF2-40B4-BE49-F238E27FC236}">
+                <a16:creationId xmlns:a16="http://schemas.microsoft.com/office/drawing/2014/main" id="{5F1B2DAF-3DFD-4F8B-A70A-0D7A2D74C07E}"/>
+              </a:ext>
+            </a:extLst>
+          </p:cNvPr>
+          <p:cNvPicPr>
+            <a:picLocks noChangeAspect="1" noChangeArrowheads="1"/>
+          </p:cNvPicPr>
+          <p:nvPr/>
+        </p:nvPicPr>
+        <p:blipFill>
+          <a:blip r:embed="rId3">
+            <a:extLst>
+              <a:ext uri="{28A0092B-C50C-407E-A947-70E740481C1C}">
+                <a14:useLocalDpi xmlns:a14="http://schemas.microsoft.com/office/drawing/2010/main" val="0"/>
+              </a:ext>
+            </a:extLst>
+          </a:blip>
+          <a:srcRect/>
+          <a:stretch>
+            <a:fillRect/>
+          </a:stretch>
+        </p:blipFill>
+        <p:spPr bwMode="auto">
+          <a:xfrm>
+            <a:off x="9541565" y="3776870"/>
+            <a:ext cx="2304777" cy="2749105"/>
+          </a:xfrm>
+          <a:prstGeom prst="rect">
+            <a:avLst/>
+          </a:prstGeom>
+          <a:noFill/>
+          <a:extLst>
+            <a:ext uri="{909E8E84-426E-40DD-AFC4-6F175D3DCCD1}">
+              <a14:hiddenFill xmlns:a14="http://schemas.microsoft.com/office/drawing/2010/main">
+                <a:solidFill>
+                  <a:srgbClr val="FFFFFF"/>
+                </a:solidFill>
+              </a14:hiddenFill>
+            </a:ext>
+          </a:extLst>
+        </p:spPr>
+      </p:pic>
+      <p:sp>
+        <p:nvSpPr>
+          <p:cNvPr id="17" name="TextBox 16">
+            <a:extLst>
+              <a:ext uri="{FF2B5EF4-FFF2-40B4-BE49-F238E27FC236}">
+                <a16:creationId xmlns:a16="http://schemas.microsoft.com/office/drawing/2014/main" id="{CFCD3585-9CB4-4A87-958E-EF8773F6A7BF}"/>
+              </a:ext>
+            </a:extLst>
+          </p:cNvPr>
+          <p:cNvSpPr txBox="1"/>
+          <p:nvPr/>
+        </p:nvSpPr>
+        <p:spPr>
+          <a:xfrm>
+            <a:off x="6817647" y="4099590"/>
+            <a:ext cx="2594113" cy="2246769"/>
+          </a:xfrm>
+          <a:prstGeom prst="rect">
+            <a:avLst/>
+          </a:prstGeom>
+          <a:noFill/>
+        </p:spPr>
+        <p:txBody>
+          <a:bodyPr wrap="square" rtlCol="0">
+            <a:spAutoFit/>
+          </a:bodyPr>
+          <a:lstStyle/>
+          <a:p>
+            <a:pPr algn="just"/>
+            <a:r>
+              <a:rPr lang="en-GB" sz="2000" dirty="0"/>
+              <a:t>This graphic (right) shows the process described. Where green cells are sorted / in the correct position. And red is the smallest in the search area.</a:t>
+            </a:r>
+          </a:p>
+        </p:txBody>
+      </p:sp>
     </p:spTree>
     <p:extLst>
       <p:ext uri="{BB962C8B-B14F-4D97-AF65-F5344CB8AC3E}">
@@ -4683,31 +6678,931 @@
           </a:p>
         </p:txBody>
       </p:sp>
-      <p:sp>
-        <p:nvSpPr>
-          <p:cNvPr id="3" name="Content Placeholder 2">
+      <p:pic>
+        <p:nvPicPr>
+          <p:cNvPr id="11" name="Content Placeholder 10">
             <a:extLst>
               <a:ext uri="{FF2B5EF4-FFF2-40B4-BE49-F238E27FC236}">
-                <a16:creationId xmlns:a16="http://schemas.microsoft.com/office/drawing/2014/main" id="{D1F89CE2-FB3B-423D-8428-5ED35BC2259B}"/>
+                <a16:creationId xmlns:a16="http://schemas.microsoft.com/office/drawing/2014/main" id="{F6735A20-91CE-49B1-A131-B274F8877CF8}"/>
               </a:ext>
             </a:extLst>
           </p:cNvPr>
-          <p:cNvSpPr>
-            <a:spLocks noGrp="1"/>
-          </p:cNvSpPr>
+          <p:cNvPicPr>
+            <a:picLocks noGrp="1" noChangeAspect="1"/>
+          </p:cNvPicPr>
           <p:nvPr>
             <p:ph idx="1"/>
           </p:nvPr>
+        </p:nvPicPr>
+        <p:blipFill rotWithShape="1">
+          <a:blip r:embed="rId2">
+            <a:extLst>
+              <a:ext uri="{28A0092B-C50C-407E-A947-70E740481C1C}">
+                <a14:useLocalDpi xmlns:a14="http://schemas.microsoft.com/office/drawing/2010/main" val="0"/>
+              </a:ext>
+            </a:extLst>
+          </a:blip>
+          <a:srcRect l="2911" t="3288" r="2145" b="3923"/>
+          <a:stretch/>
+        </p:blipFill>
+        <p:spPr>
+          <a:xfrm>
+            <a:off x="838197" y="4117822"/>
+            <a:ext cx="3752660" cy="2190213"/>
+          </a:xfrm>
+        </p:spPr>
+      </p:pic>
+      <p:sp>
+        <p:nvSpPr>
+          <p:cNvPr id="14" name="Content Placeholder 2">
+            <a:extLst>
+              <a:ext uri="{FF2B5EF4-FFF2-40B4-BE49-F238E27FC236}">
+                <a16:creationId xmlns:a16="http://schemas.microsoft.com/office/drawing/2014/main" id="{B1576C17-927E-4FDE-8D42-36DE1CCF1BAA}"/>
+              </a:ext>
+            </a:extLst>
+          </p:cNvPr>
+          <p:cNvSpPr txBox="1">
+            <a:spLocks/>
+          </p:cNvSpPr>
+          <p:nvPr/>
         </p:nvSpPr>
-        <p:spPr/>
+        <p:spPr>
+          <a:xfrm>
+            <a:off x="4717456" y="4117822"/>
+            <a:ext cx="3682895" cy="2525534"/>
+          </a:xfrm>
+          <a:prstGeom prst="rect">
+            <a:avLst/>
+          </a:prstGeom>
+        </p:spPr>
         <p:txBody>
-          <a:bodyPr/>
-          <a:lstStyle/>
-          <a:p>
-            <a:endParaRPr lang="en-US"/>
+          <a:bodyPr vert="horz" lIns="91440" tIns="45720" rIns="91440" bIns="45720" rtlCol="0">
+            <a:normAutofit fontScale="77500" lnSpcReduction="20000"/>
+          </a:bodyPr>
+          <a:lstStyle>
+            <a:lvl1pPr marL="228600" indent="-228600" algn="l" defTabSz="914400" rtl="0" eaLnBrk="1" latinLnBrk="0" hangingPunct="1">
+              <a:lnSpc>
+                <a:spcPct val="90000"/>
+              </a:lnSpc>
+              <a:spcBef>
+                <a:spcPts val="1000"/>
+              </a:spcBef>
+              <a:buFont typeface="Arial" panose="020B0604020202020204" pitchFamily="34" charset="0"/>
+              <a:buChar char="•"/>
+              <a:defRPr sz="2800" kern="1200">
+                <a:solidFill>
+                  <a:schemeClr val="tx1"/>
+                </a:solidFill>
+                <a:latin typeface="+mn-lt"/>
+                <a:ea typeface="+mn-ea"/>
+                <a:cs typeface="+mn-cs"/>
+              </a:defRPr>
+            </a:lvl1pPr>
+            <a:lvl2pPr marL="685800" indent="-228600" algn="l" defTabSz="914400" rtl="0" eaLnBrk="1" latinLnBrk="0" hangingPunct="1">
+              <a:lnSpc>
+                <a:spcPct val="90000"/>
+              </a:lnSpc>
+              <a:spcBef>
+                <a:spcPts val="500"/>
+              </a:spcBef>
+              <a:buFont typeface="Arial" panose="020B0604020202020204" pitchFamily="34" charset="0"/>
+              <a:buChar char="•"/>
+              <a:defRPr sz="2400" kern="1200">
+                <a:solidFill>
+                  <a:schemeClr val="tx1"/>
+                </a:solidFill>
+                <a:latin typeface="+mn-lt"/>
+                <a:ea typeface="+mn-ea"/>
+                <a:cs typeface="+mn-cs"/>
+              </a:defRPr>
+            </a:lvl2pPr>
+            <a:lvl3pPr marL="1143000" indent="-228600" algn="l" defTabSz="914400" rtl="0" eaLnBrk="1" latinLnBrk="0" hangingPunct="1">
+              <a:lnSpc>
+                <a:spcPct val="90000"/>
+              </a:lnSpc>
+              <a:spcBef>
+                <a:spcPts val="500"/>
+              </a:spcBef>
+              <a:buFont typeface="Arial" panose="020B0604020202020204" pitchFamily="34" charset="0"/>
+              <a:buChar char="•"/>
+              <a:defRPr sz="2000" kern="1200">
+                <a:solidFill>
+                  <a:schemeClr val="tx1"/>
+                </a:solidFill>
+                <a:latin typeface="+mn-lt"/>
+                <a:ea typeface="+mn-ea"/>
+                <a:cs typeface="+mn-cs"/>
+              </a:defRPr>
+            </a:lvl3pPr>
+            <a:lvl4pPr marL="1600200" indent="-228600" algn="l" defTabSz="914400" rtl="0" eaLnBrk="1" latinLnBrk="0" hangingPunct="1">
+              <a:lnSpc>
+                <a:spcPct val="90000"/>
+              </a:lnSpc>
+              <a:spcBef>
+                <a:spcPts val="500"/>
+              </a:spcBef>
+              <a:buFont typeface="Arial" panose="020B0604020202020204" pitchFamily="34" charset="0"/>
+              <a:buChar char="•"/>
+              <a:defRPr sz="1800" kern="1200">
+                <a:solidFill>
+                  <a:schemeClr val="tx1"/>
+                </a:solidFill>
+                <a:latin typeface="+mn-lt"/>
+                <a:ea typeface="+mn-ea"/>
+                <a:cs typeface="+mn-cs"/>
+              </a:defRPr>
+            </a:lvl4pPr>
+            <a:lvl5pPr marL="2057400" indent="-228600" algn="l" defTabSz="914400" rtl="0" eaLnBrk="1" latinLnBrk="0" hangingPunct="1">
+              <a:lnSpc>
+                <a:spcPct val="90000"/>
+              </a:lnSpc>
+              <a:spcBef>
+                <a:spcPts val="500"/>
+              </a:spcBef>
+              <a:buFont typeface="Arial" panose="020B0604020202020204" pitchFamily="34" charset="0"/>
+              <a:buChar char="•"/>
+              <a:defRPr sz="1800" kern="1200">
+                <a:solidFill>
+                  <a:schemeClr val="tx1"/>
+                </a:solidFill>
+                <a:latin typeface="+mn-lt"/>
+                <a:ea typeface="+mn-ea"/>
+                <a:cs typeface="+mn-cs"/>
+              </a:defRPr>
+            </a:lvl5pPr>
+            <a:lvl6pPr marL="2514600" indent="-228600" algn="l" defTabSz="914400" rtl="0" eaLnBrk="1" latinLnBrk="0" hangingPunct="1">
+              <a:lnSpc>
+                <a:spcPct val="90000"/>
+              </a:lnSpc>
+              <a:spcBef>
+                <a:spcPts val="500"/>
+              </a:spcBef>
+              <a:buFont typeface="Arial" panose="020B0604020202020204" pitchFamily="34" charset="0"/>
+              <a:buChar char="•"/>
+              <a:defRPr sz="1800" kern="1200">
+                <a:solidFill>
+                  <a:schemeClr val="tx1"/>
+                </a:solidFill>
+                <a:latin typeface="+mn-lt"/>
+                <a:ea typeface="+mn-ea"/>
+                <a:cs typeface="+mn-cs"/>
+              </a:defRPr>
+            </a:lvl6pPr>
+            <a:lvl7pPr marL="2971800" indent="-228600" algn="l" defTabSz="914400" rtl="0" eaLnBrk="1" latinLnBrk="0" hangingPunct="1">
+              <a:lnSpc>
+                <a:spcPct val="90000"/>
+              </a:lnSpc>
+              <a:spcBef>
+                <a:spcPts val="500"/>
+              </a:spcBef>
+              <a:buFont typeface="Arial" panose="020B0604020202020204" pitchFamily="34" charset="0"/>
+              <a:buChar char="•"/>
+              <a:defRPr sz="1800" kern="1200">
+                <a:solidFill>
+                  <a:schemeClr val="tx1"/>
+                </a:solidFill>
+                <a:latin typeface="+mn-lt"/>
+                <a:ea typeface="+mn-ea"/>
+                <a:cs typeface="+mn-cs"/>
+              </a:defRPr>
+            </a:lvl7pPr>
+            <a:lvl8pPr marL="3429000" indent="-228600" algn="l" defTabSz="914400" rtl="0" eaLnBrk="1" latinLnBrk="0" hangingPunct="1">
+              <a:lnSpc>
+                <a:spcPct val="90000"/>
+              </a:lnSpc>
+              <a:spcBef>
+                <a:spcPts val="500"/>
+              </a:spcBef>
+              <a:buFont typeface="Arial" panose="020B0604020202020204" pitchFamily="34" charset="0"/>
+              <a:buChar char="•"/>
+              <a:defRPr sz="1800" kern="1200">
+                <a:solidFill>
+                  <a:schemeClr val="tx1"/>
+                </a:solidFill>
+                <a:latin typeface="+mn-lt"/>
+                <a:ea typeface="+mn-ea"/>
+                <a:cs typeface="+mn-cs"/>
+              </a:defRPr>
+            </a:lvl8pPr>
+            <a:lvl9pPr marL="3886200" indent="-228600" algn="l" defTabSz="914400" rtl="0" eaLnBrk="1" latinLnBrk="0" hangingPunct="1">
+              <a:lnSpc>
+                <a:spcPct val="90000"/>
+              </a:lnSpc>
+              <a:spcBef>
+                <a:spcPts val="500"/>
+              </a:spcBef>
+              <a:buFont typeface="Arial" panose="020B0604020202020204" pitchFamily="34" charset="0"/>
+              <a:buChar char="•"/>
+              <a:defRPr sz="1800" kern="1200">
+                <a:solidFill>
+                  <a:schemeClr val="tx1"/>
+                </a:solidFill>
+                <a:latin typeface="+mn-lt"/>
+                <a:ea typeface="+mn-ea"/>
+                <a:cs typeface="+mn-cs"/>
+              </a:defRPr>
+            </a:lvl9pPr>
+          </a:lstStyle>
+          <a:p>
+            <a:pPr algn="just"/>
+            <a:r>
+              <a:rPr lang="en-US" dirty="0"/>
+              <a:t>vvvvvvvvvvvvvvvvvvvvvvvvvvvvvvvvvvvvvvvvvvvvvvvvvvvvvvvvvvvvvvvvvvvvvvvvvvvvvvvvvvvvvvvvvvvvvvvvvvvvvvvvvvvvvvvvvvvvvvvvvvvvvvvvvvvvvvvvvvvvvvvvvvvvvvvvvvvvvvvvvvvvvvvvvvvvvvvvvvvvvvvvvvvvvvvvvvvvvvvvvvvvvvvvvvvvvvvv</a:t>
+            </a:r>
+          </a:p>
+          <a:p>
+            <a:endParaRPr lang="en-US" dirty="0"/>
           </a:p>
         </p:txBody>
       </p:sp>
+      <p:sp>
+        <p:nvSpPr>
+          <p:cNvPr id="15" name="Content Placeholder 2">
+            <a:extLst>
+              <a:ext uri="{FF2B5EF4-FFF2-40B4-BE49-F238E27FC236}">
+                <a16:creationId xmlns:a16="http://schemas.microsoft.com/office/drawing/2014/main" id="{00AF163C-6BC6-4BF7-9494-F315D6F407E3}"/>
+              </a:ext>
+            </a:extLst>
+          </p:cNvPr>
+          <p:cNvSpPr txBox="1">
+            <a:spLocks/>
+          </p:cNvSpPr>
+          <p:nvPr/>
+        </p:nvSpPr>
+        <p:spPr>
+          <a:xfrm>
+            <a:off x="838196" y="1741666"/>
+            <a:ext cx="3752661" cy="2525534"/>
+          </a:xfrm>
+          <a:prstGeom prst="rect">
+            <a:avLst/>
+          </a:prstGeom>
+        </p:spPr>
+        <p:txBody>
+          <a:bodyPr vert="horz" lIns="91440" tIns="45720" rIns="91440" bIns="45720" rtlCol="0">
+            <a:normAutofit fontScale="77500" lnSpcReduction="20000"/>
+          </a:bodyPr>
+          <a:lstStyle>
+            <a:lvl1pPr marL="228600" indent="-228600" algn="l" defTabSz="914400" rtl="0" eaLnBrk="1" latinLnBrk="0" hangingPunct="1">
+              <a:lnSpc>
+                <a:spcPct val="90000"/>
+              </a:lnSpc>
+              <a:spcBef>
+                <a:spcPts val="1000"/>
+              </a:spcBef>
+              <a:buFont typeface="Arial" panose="020B0604020202020204" pitchFamily="34" charset="0"/>
+              <a:buChar char="•"/>
+              <a:defRPr sz="2800" kern="1200">
+                <a:solidFill>
+                  <a:schemeClr val="tx1"/>
+                </a:solidFill>
+                <a:latin typeface="+mn-lt"/>
+                <a:ea typeface="+mn-ea"/>
+                <a:cs typeface="+mn-cs"/>
+              </a:defRPr>
+            </a:lvl1pPr>
+            <a:lvl2pPr marL="685800" indent="-228600" algn="l" defTabSz="914400" rtl="0" eaLnBrk="1" latinLnBrk="0" hangingPunct="1">
+              <a:lnSpc>
+                <a:spcPct val="90000"/>
+              </a:lnSpc>
+              <a:spcBef>
+                <a:spcPts val="500"/>
+              </a:spcBef>
+              <a:buFont typeface="Arial" panose="020B0604020202020204" pitchFamily="34" charset="0"/>
+              <a:buChar char="•"/>
+              <a:defRPr sz="2400" kern="1200">
+                <a:solidFill>
+                  <a:schemeClr val="tx1"/>
+                </a:solidFill>
+                <a:latin typeface="+mn-lt"/>
+                <a:ea typeface="+mn-ea"/>
+                <a:cs typeface="+mn-cs"/>
+              </a:defRPr>
+            </a:lvl2pPr>
+            <a:lvl3pPr marL="1143000" indent="-228600" algn="l" defTabSz="914400" rtl="0" eaLnBrk="1" latinLnBrk="0" hangingPunct="1">
+              <a:lnSpc>
+                <a:spcPct val="90000"/>
+              </a:lnSpc>
+              <a:spcBef>
+                <a:spcPts val="500"/>
+              </a:spcBef>
+              <a:buFont typeface="Arial" panose="020B0604020202020204" pitchFamily="34" charset="0"/>
+              <a:buChar char="•"/>
+              <a:defRPr sz="2000" kern="1200">
+                <a:solidFill>
+                  <a:schemeClr val="tx1"/>
+                </a:solidFill>
+                <a:latin typeface="+mn-lt"/>
+                <a:ea typeface="+mn-ea"/>
+                <a:cs typeface="+mn-cs"/>
+              </a:defRPr>
+            </a:lvl3pPr>
+            <a:lvl4pPr marL="1600200" indent="-228600" algn="l" defTabSz="914400" rtl="0" eaLnBrk="1" latinLnBrk="0" hangingPunct="1">
+              <a:lnSpc>
+                <a:spcPct val="90000"/>
+              </a:lnSpc>
+              <a:spcBef>
+                <a:spcPts val="500"/>
+              </a:spcBef>
+              <a:buFont typeface="Arial" panose="020B0604020202020204" pitchFamily="34" charset="0"/>
+              <a:buChar char="•"/>
+              <a:defRPr sz="1800" kern="1200">
+                <a:solidFill>
+                  <a:schemeClr val="tx1"/>
+                </a:solidFill>
+                <a:latin typeface="+mn-lt"/>
+                <a:ea typeface="+mn-ea"/>
+                <a:cs typeface="+mn-cs"/>
+              </a:defRPr>
+            </a:lvl4pPr>
+            <a:lvl5pPr marL="2057400" indent="-228600" algn="l" defTabSz="914400" rtl="0" eaLnBrk="1" latinLnBrk="0" hangingPunct="1">
+              <a:lnSpc>
+                <a:spcPct val="90000"/>
+              </a:lnSpc>
+              <a:spcBef>
+                <a:spcPts val="500"/>
+              </a:spcBef>
+              <a:buFont typeface="Arial" panose="020B0604020202020204" pitchFamily="34" charset="0"/>
+              <a:buChar char="•"/>
+              <a:defRPr sz="1800" kern="1200">
+                <a:solidFill>
+                  <a:schemeClr val="tx1"/>
+                </a:solidFill>
+                <a:latin typeface="+mn-lt"/>
+                <a:ea typeface="+mn-ea"/>
+                <a:cs typeface="+mn-cs"/>
+              </a:defRPr>
+            </a:lvl5pPr>
+            <a:lvl6pPr marL="2514600" indent="-228600" algn="l" defTabSz="914400" rtl="0" eaLnBrk="1" latinLnBrk="0" hangingPunct="1">
+              <a:lnSpc>
+                <a:spcPct val="90000"/>
+              </a:lnSpc>
+              <a:spcBef>
+                <a:spcPts val="500"/>
+              </a:spcBef>
+              <a:buFont typeface="Arial" panose="020B0604020202020204" pitchFamily="34" charset="0"/>
+              <a:buChar char="•"/>
+              <a:defRPr sz="1800" kern="1200">
+                <a:solidFill>
+                  <a:schemeClr val="tx1"/>
+                </a:solidFill>
+                <a:latin typeface="+mn-lt"/>
+                <a:ea typeface="+mn-ea"/>
+                <a:cs typeface="+mn-cs"/>
+              </a:defRPr>
+            </a:lvl6pPr>
+            <a:lvl7pPr marL="2971800" indent="-228600" algn="l" defTabSz="914400" rtl="0" eaLnBrk="1" latinLnBrk="0" hangingPunct="1">
+              <a:lnSpc>
+                <a:spcPct val="90000"/>
+              </a:lnSpc>
+              <a:spcBef>
+                <a:spcPts val="500"/>
+              </a:spcBef>
+              <a:buFont typeface="Arial" panose="020B0604020202020204" pitchFamily="34" charset="0"/>
+              <a:buChar char="•"/>
+              <a:defRPr sz="1800" kern="1200">
+                <a:solidFill>
+                  <a:schemeClr val="tx1"/>
+                </a:solidFill>
+                <a:latin typeface="+mn-lt"/>
+                <a:ea typeface="+mn-ea"/>
+                <a:cs typeface="+mn-cs"/>
+              </a:defRPr>
+            </a:lvl7pPr>
+            <a:lvl8pPr marL="3429000" indent="-228600" algn="l" defTabSz="914400" rtl="0" eaLnBrk="1" latinLnBrk="0" hangingPunct="1">
+              <a:lnSpc>
+                <a:spcPct val="90000"/>
+              </a:lnSpc>
+              <a:spcBef>
+                <a:spcPts val="500"/>
+              </a:spcBef>
+              <a:buFont typeface="Arial" panose="020B0604020202020204" pitchFamily="34" charset="0"/>
+              <a:buChar char="•"/>
+              <a:defRPr sz="1800" kern="1200">
+                <a:solidFill>
+                  <a:schemeClr val="tx1"/>
+                </a:solidFill>
+                <a:latin typeface="+mn-lt"/>
+                <a:ea typeface="+mn-ea"/>
+                <a:cs typeface="+mn-cs"/>
+              </a:defRPr>
+            </a:lvl8pPr>
+            <a:lvl9pPr marL="3886200" indent="-228600" algn="l" defTabSz="914400" rtl="0" eaLnBrk="1" latinLnBrk="0" hangingPunct="1">
+              <a:lnSpc>
+                <a:spcPct val="90000"/>
+              </a:lnSpc>
+              <a:spcBef>
+                <a:spcPts val="500"/>
+              </a:spcBef>
+              <a:buFont typeface="Arial" panose="020B0604020202020204" pitchFamily="34" charset="0"/>
+              <a:buChar char="•"/>
+              <a:defRPr sz="1800" kern="1200">
+                <a:solidFill>
+                  <a:schemeClr val="tx1"/>
+                </a:solidFill>
+                <a:latin typeface="+mn-lt"/>
+                <a:ea typeface="+mn-ea"/>
+                <a:cs typeface="+mn-cs"/>
+              </a:defRPr>
+            </a:lvl9pPr>
+          </a:lstStyle>
+          <a:p>
+            <a:pPr algn="just"/>
+            <a:r>
+              <a:rPr lang="en-US" dirty="0"/>
+              <a:t>vvvvvvvvvvvvvvvvvvvvvvvvvvvvvvvvvvvvvvvvvvvvvvvvvvvvvvvvvvvvvvvvvvvvvvvvvvvvvvvvvvvvvvvvvvvvvvvvvvvvvvvvvvvvvvvvvvvvvvvvvvvvvvvvvvvvvvvvvvvvvvvvvvvvvvvvvvvvvvvvvvvvvvvvvvvvvvvvvvvvvvvvvvvvvvvvvvvvvvvvvvvvvvvvvvvvvvvv</a:t>
+            </a:r>
+          </a:p>
+          <a:p>
+            <a:endParaRPr lang="en-US" dirty="0"/>
+          </a:p>
+        </p:txBody>
+      </p:sp>
+      <p:pic>
+        <p:nvPicPr>
+          <p:cNvPr id="16" name="Picture 15">
+            <a:extLst>
+              <a:ext uri="{FF2B5EF4-FFF2-40B4-BE49-F238E27FC236}">
+                <a16:creationId xmlns:a16="http://schemas.microsoft.com/office/drawing/2014/main" id="{DA52746C-C62E-43A3-932E-CA8710F11E64}"/>
+              </a:ext>
+            </a:extLst>
+          </p:cNvPr>
+          <p:cNvPicPr>
+            <a:picLocks noChangeAspect="1"/>
+          </p:cNvPicPr>
+          <p:nvPr/>
+        </p:nvPicPr>
+        <p:blipFill>
+          <a:blip r:embed="rId3"/>
+          <a:stretch>
+            <a:fillRect/>
+          </a:stretch>
+        </p:blipFill>
+        <p:spPr>
+          <a:xfrm>
+            <a:off x="4717457" y="1764857"/>
+            <a:ext cx="3682895" cy="2194230"/>
+          </a:xfrm>
+          <a:prstGeom prst="rect">
+            <a:avLst/>
+          </a:prstGeom>
+        </p:spPr>
+      </p:pic>
+      <p:graphicFrame>
+        <p:nvGraphicFramePr>
+          <p:cNvPr id="17" name="Table 12">
+            <a:extLst>
+              <a:ext uri="{FF2B5EF4-FFF2-40B4-BE49-F238E27FC236}">
+                <a16:creationId xmlns:a16="http://schemas.microsoft.com/office/drawing/2014/main" id="{49304C93-BDE8-4C4F-8141-4E967A7C6E6D}"/>
+              </a:ext>
+            </a:extLst>
+          </p:cNvPr>
+          <p:cNvGraphicFramePr>
+            <a:graphicFrameLocks noGrp="1"/>
+          </p:cNvGraphicFramePr>
+          <p:nvPr>
+            <p:extLst>
+              <p:ext uri="{D42A27DB-BD31-4B8C-83A1-F6EECF244321}">
+                <p14:modId xmlns:p14="http://schemas.microsoft.com/office/powerpoint/2010/main" val="3538168196"/>
+              </p:ext>
+            </p:extLst>
+          </p:nvPr>
+        </p:nvGraphicFramePr>
+        <p:xfrm>
+          <a:off x="8526950" y="5108155"/>
+          <a:ext cx="3360252" cy="1478280"/>
+        </p:xfrm>
+        <a:graphic>
+          <a:graphicData uri="http://schemas.openxmlformats.org/drawingml/2006/table">
+            <a:tbl>
+              <a:tblPr firstRow="1" bandRow="1">
+                <a:tableStyleId>{073A0DAA-6AF3-43AB-8588-CEC1D06C72B9}</a:tableStyleId>
+              </a:tblPr>
+              <a:tblGrid>
+                <a:gridCol w="1680126">
+                  <a:extLst>
+                    <a:ext uri="{9D8B030D-6E8A-4147-A177-3AD203B41FA5}">
+                      <a16:colId xmlns:a16="http://schemas.microsoft.com/office/drawing/2014/main" val="3204911813"/>
+                    </a:ext>
+                  </a:extLst>
+                </a:gridCol>
+                <a:gridCol w="1680126">
+                  <a:extLst>
+                    <a:ext uri="{9D8B030D-6E8A-4147-A177-3AD203B41FA5}">
+                      <a16:colId xmlns:a16="http://schemas.microsoft.com/office/drawing/2014/main" val="2260809366"/>
+                    </a:ext>
+                  </a:extLst>
+                </a:gridCol>
+              </a:tblGrid>
+              <a:tr h="370840">
+                <a:tc>
+                  <a:txBody>
+                    <a:bodyPr/>
+                    <a:lstStyle/>
+                    <a:p>
+                      <a:r>
+                        <a:rPr lang="en-GB" dirty="0"/>
+                        <a:t>Case</a:t>
+                      </a:r>
+                    </a:p>
+                  </a:txBody>
+                  <a:tcPr/>
+                </a:tc>
+                <a:tc>
+                  <a:txBody>
+                    <a:bodyPr/>
+                    <a:lstStyle/>
+                    <a:p>
+                      <a:r>
+                        <a:rPr lang="en-GB" dirty="0"/>
+                        <a:t>Big Oh</a:t>
+                      </a:r>
+                    </a:p>
+                  </a:txBody>
+                  <a:tcPr/>
+                </a:tc>
+                <a:extLst>
+                  <a:ext uri="{0D108BD9-81ED-4DB2-BD59-A6C34878D82A}">
+                    <a16:rowId xmlns:a16="http://schemas.microsoft.com/office/drawing/2014/main" val="4187749253"/>
+                  </a:ext>
+                </a:extLst>
+              </a:tr>
+              <a:tr h="370840">
+                <a:tc>
+                  <a:txBody>
+                    <a:bodyPr/>
+                    <a:lstStyle/>
+                    <a:p>
+                      <a:r>
+                        <a:rPr lang="en-GB" dirty="0"/>
+                        <a:t>Worst</a:t>
+                      </a:r>
+                    </a:p>
+                  </a:txBody>
+                  <a:tcPr/>
+                </a:tc>
+                <a:tc>
+                  <a:txBody>
+                    <a:bodyPr/>
+                    <a:lstStyle/>
+                    <a:p>
+                      <a:r>
+                        <a:rPr lang="en-GB" dirty="0"/>
+                        <a:t>O(n^2)</a:t>
+                      </a:r>
+                    </a:p>
+                  </a:txBody>
+                  <a:tcPr/>
+                </a:tc>
+                <a:extLst>
+                  <a:ext uri="{0D108BD9-81ED-4DB2-BD59-A6C34878D82A}">
+                    <a16:rowId xmlns:a16="http://schemas.microsoft.com/office/drawing/2014/main" val="544782852"/>
+                  </a:ext>
+                </a:extLst>
+              </a:tr>
+              <a:tr h="370840">
+                <a:tc>
+                  <a:txBody>
+                    <a:bodyPr/>
+                    <a:lstStyle/>
+                    <a:p>
+                      <a:r>
+                        <a:rPr lang="en-GB" dirty="0"/>
+                        <a:t>Average</a:t>
+                      </a:r>
+                    </a:p>
+                  </a:txBody>
+                  <a:tcPr/>
+                </a:tc>
+                <a:tc>
+                  <a:txBody>
+                    <a:bodyPr/>
+                    <a:lstStyle/>
+                    <a:p>
+                      <a:r>
+                        <a:rPr lang="en-GB" dirty="0"/>
+                        <a:t>O(n^2)</a:t>
+                      </a:r>
+                    </a:p>
+                  </a:txBody>
+                  <a:tcPr/>
+                </a:tc>
+                <a:extLst>
+                  <a:ext uri="{0D108BD9-81ED-4DB2-BD59-A6C34878D82A}">
+                    <a16:rowId xmlns:a16="http://schemas.microsoft.com/office/drawing/2014/main" val="3164344996"/>
+                  </a:ext>
+                </a:extLst>
+              </a:tr>
+              <a:tr h="241038">
+                <a:tc>
+                  <a:txBody>
+                    <a:bodyPr/>
+                    <a:lstStyle/>
+                    <a:p>
+                      <a:r>
+                        <a:rPr lang="en-GB" dirty="0"/>
+                        <a:t>Best</a:t>
+                      </a:r>
+                    </a:p>
+                  </a:txBody>
+                  <a:tcPr/>
+                </a:tc>
+                <a:tc>
+                  <a:txBody>
+                    <a:bodyPr/>
+                    <a:lstStyle/>
+                    <a:p>
+                      <a:r>
+                        <a:rPr lang="en-GB" dirty="0"/>
+                        <a:t>O(n)</a:t>
+                      </a:r>
+                    </a:p>
+                  </a:txBody>
+                  <a:tcPr/>
+                </a:tc>
+                <a:extLst>
+                  <a:ext uri="{0D108BD9-81ED-4DB2-BD59-A6C34878D82A}">
+                    <a16:rowId xmlns:a16="http://schemas.microsoft.com/office/drawing/2014/main" val="194678938"/>
+                  </a:ext>
+                </a:extLst>
+              </a:tr>
+            </a:tbl>
+          </a:graphicData>
+        </a:graphic>
+      </p:graphicFrame>
+      <p:graphicFrame>
+        <p:nvGraphicFramePr>
+          <p:cNvPr id="18" name="Table 4">
+            <a:extLst>
+              <a:ext uri="{FF2B5EF4-FFF2-40B4-BE49-F238E27FC236}">
+                <a16:creationId xmlns:a16="http://schemas.microsoft.com/office/drawing/2014/main" id="{D9D3B0B5-E426-4F14-B88F-06C25C569D0B}"/>
+              </a:ext>
+            </a:extLst>
+          </p:cNvPr>
+          <p:cNvGraphicFramePr>
+            <a:graphicFrameLocks noGrp="1"/>
+          </p:cNvGraphicFramePr>
+          <p:nvPr>
+            <p:extLst>
+              <p:ext uri="{D42A27DB-BD31-4B8C-83A1-F6EECF244321}">
+                <p14:modId xmlns:p14="http://schemas.microsoft.com/office/powerpoint/2010/main" val="3988860962"/>
+              </p:ext>
+            </p:extLst>
+          </p:nvPr>
+        </p:nvGraphicFramePr>
+        <p:xfrm>
+          <a:off x="8526950" y="2671452"/>
+          <a:ext cx="3360250" cy="2329279"/>
+        </p:xfrm>
+        <a:graphic>
+          <a:graphicData uri="http://schemas.openxmlformats.org/drawingml/2006/table">
+            <a:tbl>
+              <a:tblPr firstRow="1" bandRow="1">
+                <a:tableStyleId>{073A0DAA-6AF3-43AB-8588-CEC1D06C72B9}</a:tableStyleId>
+              </a:tblPr>
+              <a:tblGrid>
+                <a:gridCol w="692902">
+                  <a:extLst>
+                    <a:ext uri="{9D8B030D-6E8A-4147-A177-3AD203B41FA5}">
+                      <a16:colId xmlns:a16="http://schemas.microsoft.com/office/drawing/2014/main" val="3959017320"/>
+                    </a:ext>
+                  </a:extLst>
+                </a:gridCol>
+                <a:gridCol w="994458">
+                  <a:extLst>
+                    <a:ext uri="{9D8B030D-6E8A-4147-A177-3AD203B41FA5}">
+                      <a16:colId xmlns:a16="http://schemas.microsoft.com/office/drawing/2014/main" val="2336461049"/>
+                    </a:ext>
+                  </a:extLst>
+                </a:gridCol>
+                <a:gridCol w="970543">
+                  <a:extLst>
+                    <a:ext uri="{9D8B030D-6E8A-4147-A177-3AD203B41FA5}">
+                      <a16:colId xmlns:a16="http://schemas.microsoft.com/office/drawing/2014/main" val="1935105656"/>
+                    </a:ext>
+                  </a:extLst>
+                </a:gridCol>
+                <a:gridCol w="702347">
+                  <a:extLst>
+                    <a:ext uri="{9D8B030D-6E8A-4147-A177-3AD203B41FA5}">
+                      <a16:colId xmlns:a16="http://schemas.microsoft.com/office/drawing/2014/main" val="387857"/>
+                    </a:ext>
+                  </a:extLst>
+                </a:gridCol>
+              </a:tblGrid>
+              <a:tr h="957679">
+                <a:tc>
+                  <a:txBody>
+                    <a:bodyPr/>
+                    <a:lstStyle/>
+                    <a:p>
+                      <a:r>
+                        <a:rPr lang="en-GB" dirty="0"/>
+                        <a:t>Case</a:t>
+                      </a:r>
+                    </a:p>
+                  </a:txBody>
+                  <a:tcPr/>
+                </a:tc>
+                <a:tc>
+                  <a:txBody>
+                    <a:bodyPr/>
+                    <a:lstStyle/>
+                    <a:p>
+                      <a:r>
+                        <a:rPr lang="en-GB" dirty="0"/>
+                        <a:t>Average Swaps</a:t>
+                      </a:r>
+                    </a:p>
+                  </a:txBody>
+                  <a:tcPr/>
+                </a:tc>
+                <a:tc>
+                  <a:txBody>
+                    <a:bodyPr/>
+                    <a:lstStyle/>
+                    <a:p>
+                      <a:r>
+                        <a:rPr lang="en-GB" dirty="0"/>
+                        <a:t>Min Swaps</a:t>
+                      </a:r>
+                    </a:p>
+                  </a:txBody>
+                  <a:tcPr/>
+                </a:tc>
+                <a:tc>
+                  <a:txBody>
+                    <a:bodyPr/>
+                    <a:lstStyle/>
+                    <a:p>
+                      <a:r>
+                        <a:rPr lang="en-GB" dirty="0"/>
+                        <a:t>Max Swaps</a:t>
+                      </a:r>
+                    </a:p>
+                  </a:txBody>
+                  <a:tcPr/>
+                </a:tc>
+                <a:extLst>
+                  <a:ext uri="{0D108BD9-81ED-4DB2-BD59-A6C34878D82A}">
+                    <a16:rowId xmlns:a16="http://schemas.microsoft.com/office/drawing/2014/main" val="126815450"/>
+                  </a:ext>
+                </a:extLst>
+              </a:tr>
+              <a:tr h="318466">
+                <a:tc>
+                  <a:txBody>
+                    <a:bodyPr/>
+                    <a:lstStyle/>
+                    <a:p>
+                      <a:r>
+                        <a:rPr lang="en-GB" sz="1200" dirty="0"/>
+                        <a:t>Reverse Order</a:t>
+                      </a:r>
+                    </a:p>
+                  </a:txBody>
+                  <a:tcPr/>
+                </a:tc>
+                <a:tc>
+                  <a:txBody>
+                    <a:bodyPr/>
+                    <a:lstStyle/>
+                    <a:p>
+                      <a:endParaRPr lang="en-GB" sz="1200" dirty="0"/>
+                    </a:p>
+                  </a:txBody>
+                  <a:tcPr/>
+                </a:tc>
+                <a:tc>
+                  <a:txBody>
+                    <a:bodyPr/>
+                    <a:lstStyle/>
+                    <a:p>
+                      <a:endParaRPr lang="en-GB" sz="1200"/>
+                    </a:p>
+                  </a:txBody>
+                  <a:tcPr/>
+                </a:tc>
+                <a:tc>
+                  <a:txBody>
+                    <a:bodyPr/>
+                    <a:lstStyle/>
+                    <a:p>
+                      <a:endParaRPr lang="en-GB" sz="1200"/>
+                    </a:p>
+                  </a:txBody>
+                  <a:tcPr/>
+                </a:tc>
+                <a:extLst>
+                  <a:ext uri="{0D108BD9-81ED-4DB2-BD59-A6C34878D82A}">
+                    <a16:rowId xmlns:a16="http://schemas.microsoft.com/office/drawing/2014/main" val="4082730715"/>
+                  </a:ext>
+                </a:extLst>
+              </a:tr>
+              <a:tr h="318466">
+                <a:tc>
+                  <a:txBody>
+                    <a:bodyPr/>
+                    <a:lstStyle/>
+                    <a:p>
+                      <a:r>
+                        <a:rPr lang="en-GB" sz="1200" dirty="0"/>
+                        <a:t>Random</a:t>
+                      </a:r>
+                    </a:p>
+                  </a:txBody>
+                  <a:tcPr/>
+                </a:tc>
+                <a:tc>
+                  <a:txBody>
+                    <a:bodyPr/>
+                    <a:lstStyle/>
+                    <a:p>
+                      <a:endParaRPr lang="en-GB" sz="1200" dirty="0"/>
+                    </a:p>
+                  </a:txBody>
+                  <a:tcPr/>
+                </a:tc>
+                <a:tc>
+                  <a:txBody>
+                    <a:bodyPr/>
+                    <a:lstStyle/>
+                    <a:p>
+                      <a:endParaRPr lang="en-GB" sz="1200"/>
+                    </a:p>
+                  </a:txBody>
+                  <a:tcPr/>
+                </a:tc>
+                <a:tc>
+                  <a:txBody>
+                    <a:bodyPr/>
+                    <a:lstStyle/>
+                    <a:p>
+                      <a:endParaRPr lang="en-GB" sz="1200"/>
+                    </a:p>
+                  </a:txBody>
+                  <a:tcPr/>
+                </a:tc>
+                <a:extLst>
+                  <a:ext uri="{0D108BD9-81ED-4DB2-BD59-A6C34878D82A}">
+                    <a16:rowId xmlns:a16="http://schemas.microsoft.com/office/drawing/2014/main" val="3793809036"/>
+                  </a:ext>
+                </a:extLst>
+              </a:tr>
+              <a:tr h="318466">
+                <a:tc>
+                  <a:txBody>
+                    <a:bodyPr/>
+                    <a:lstStyle/>
+                    <a:p>
+                      <a:r>
+                        <a:rPr lang="en-GB" sz="1200" dirty="0"/>
+                        <a:t>Ordered</a:t>
+                      </a:r>
+                    </a:p>
+                  </a:txBody>
+                  <a:tcPr/>
+                </a:tc>
+                <a:tc>
+                  <a:txBody>
+                    <a:bodyPr/>
+                    <a:lstStyle/>
+                    <a:p>
+                      <a:endParaRPr lang="en-GB" sz="1200"/>
+                    </a:p>
+                  </a:txBody>
+                  <a:tcPr/>
+                </a:tc>
+                <a:tc>
+                  <a:txBody>
+                    <a:bodyPr/>
+                    <a:lstStyle/>
+                    <a:p>
+                      <a:endParaRPr lang="en-GB" sz="1200" dirty="0"/>
+                    </a:p>
+                  </a:txBody>
+                  <a:tcPr/>
+                </a:tc>
+                <a:tc>
+                  <a:txBody>
+                    <a:bodyPr/>
+                    <a:lstStyle/>
+                    <a:p>
+                      <a:endParaRPr lang="en-GB" sz="1200" dirty="0"/>
+                    </a:p>
+                  </a:txBody>
+                  <a:tcPr/>
+                </a:tc>
+                <a:extLst>
+                  <a:ext uri="{0D108BD9-81ED-4DB2-BD59-A6C34878D82A}">
+                    <a16:rowId xmlns:a16="http://schemas.microsoft.com/office/drawing/2014/main" val="3688509900"/>
+                  </a:ext>
+                </a:extLst>
+              </a:tr>
+            </a:tbl>
+          </a:graphicData>
+        </a:graphic>
+      </p:graphicFrame>
     </p:spTree>
     <p:extLst>
       <p:ext uri="{BB962C8B-B14F-4D97-AF65-F5344CB8AC3E}">
@@ -4771,12 +7666,280 @@
           </a:p>
         </p:txBody>
       </p:sp>
+      <p:sp>
+        <p:nvSpPr>
+          <p:cNvPr id="4" name="Content Placeholder 2">
+            <a:extLst>
+              <a:ext uri="{FF2B5EF4-FFF2-40B4-BE49-F238E27FC236}">
+                <a16:creationId xmlns:a16="http://schemas.microsoft.com/office/drawing/2014/main" id="{2DF62588-D266-45ED-BB53-B9B5B8DD40AE}"/>
+              </a:ext>
+            </a:extLst>
+          </p:cNvPr>
+          <p:cNvSpPr txBox="1">
+            <a:spLocks/>
+          </p:cNvSpPr>
+          <p:nvPr/>
+        </p:nvSpPr>
+        <p:spPr>
+          <a:xfrm>
+            <a:off x="990601" y="1978025"/>
+            <a:ext cx="5330686" cy="4351338"/>
+          </a:xfrm>
+          <a:prstGeom prst="rect">
+            <a:avLst/>
+          </a:prstGeom>
+        </p:spPr>
+        <p:txBody>
+          <a:bodyPr vert="horz" lIns="91440" tIns="45720" rIns="91440" bIns="45720" rtlCol="0">
+            <a:normAutofit fontScale="77500" lnSpcReduction="20000"/>
+          </a:bodyPr>
+          <a:lstStyle>
+            <a:lvl1pPr marL="228600" indent="-228600" algn="l" defTabSz="914400" rtl="0" eaLnBrk="1" latinLnBrk="0" hangingPunct="1">
+              <a:lnSpc>
+                <a:spcPct val="90000"/>
+              </a:lnSpc>
+              <a:spcBef>
+                <a:spcPts val="1000"/>
+              </a:spcBef>
+              <a:buFont typeface="Arial" panose="020B0604020202020204" pitchFamily="34" charset="0"/>
+              <a:buChar char="•"/>
+              <a:defRPr sz="2800" kern="1200">
+                <a:solidFill>
+                  <a:schemeClr val="tx1"/>
+                </a:solidFill>
+                <a:latin typeface="+mn-lt"/>
+                <a:ea typeface="+mn-ea"/>
+                <a:cs typeface="+mn-cs"/>
+              </a:defRPr>
+            </a:lvl1pPr>
+            <a:lvl2pPr marL="685800" indent="-228600" algn="l" defTabSz="914400" rtl="0" eaLnBrk="1" latinLnBrk="0" hangingPunct="1">
+              <a:lnSpc>
+                <a:spcPct val="90000"/>
+              </a:lnSpc>
+              <a:spcBef>
+                <a:spcPts val="500"/>
+              </a:spcBef>
+              <a:buFont typeface="Arial" panose="020B0604020202020204" pitchFamily="34" charset="0"/>
+              <a:buChar char="•"/>
+              <a:defRPr sz="2400" kern="1200">
+                <a:solidFill>
+                  <a:schemeClr val="tx1"/>
+                </a:solidFill>
+                <a:latin typeface="+mn-lt"/>
+                <a:ea typeface="+mn-ea"/>
+                <a:cs typeface="+mn-cs"/>
+              </a:defRPr>
+            </a:lvl2pPr>
+            <a:lvl3pPr marL="1143000" indent="-228600" algn="l" defTabSz="914400" rtl="0" eaLnBrk="1" latinLnBrk="0" hangingPunct="1">
+              <a:lnSpc>
+                <a:spcPct val="90000"/>
+              </a:lnSpc>
+              <a:spcBef>
+                <a:spcPts val="500"/>
+              </a:spcBef>
+              <a:buFont typeface="Arial" panose="020B0604020202020204" pitchFamily="34" charset="0"/>
+              <a:buChar char="•"/>
+              <a:defRPr sz="2000" kern="1200">
+                <a:solidFill>
+                  <a:schemeClr val="tx1"/>
+                </a:solidFill>
+                <a:latin typeface="+mn-lt"/>
+                <a:ea typeface="+mn-ea"/>
+                <a:cs typeface="+mn-cs"/>
+              </a:defRPr>
+            </a:lvl3pPr>
+            <a:lvl4pPr marL="1600200" indent="-228600" algn="l" defTabSz="914400" rtl="0" eaLnBrk="1" latinLnBrk="0" hangingPunct="1">
+              <a:lnSpc>
+                <a:spcPct val="90000"/>
+              </a:lnSpc>
+              <a:spcBef>
+                <a:spcPts val="500"/>
+              </a:spcBef>
+              <a:buFont typeface="Arial" panose="020B0604020202020204" pitchFamily="34" charset="0"/>
+              <a:buChar char="•"/>
+              <a:defRPr sz="1800" kern="1200">
+                <a:solidFill>
+                  <a:schemeClr val="tx1"/>
+                </a:solidFill>
+                <a:latin typeface="+mn-lt"/>
+                <a:ea typeface="+mn-ea"/>
+                <a:cs typeface="+mn-cs"/>
+              </a:defRPr>
+            </a:lvl4pPr>
+            <a:lvl5pPr marL="2057400" indent="-228600" algn="l" defTabSz="914400" rtl="0" eaLnBrk="1" latinLnBrk="0" hangingPunct="1">
+              <a:lnSpc>
+                <a:spcPct val="90000"/>
+              </a:lnSpc>
+              <a:spcBef>
+                <a:spcPts val="500"/>
+              </a:spcBef>
+              <a:buFont typeface="Arial" panose="020B0604020202020204" pitchFamily="34" charset="0"/>
+              <a:buChar char="•"/>
+              <a:defRPr sz="1800" kern="1200">
+                <a:solidFill>
+                  <a:schemeClr val="tx1"/>
+                </a:solidFill>
+                <a:latin typeface="+mn-lt"/>
+                <a:ea typeface="+mn-ea"/>
+                <a:cs typeface="+mn-cs"/>
+              </a:defRPr>
+            </a:lvl5pPr>
+            <a:lvl6pPr marL="2514600" indent="-228600" algn="l" defTabSz="914400" rtl="0" eaLnBrk="1" latinLnBrk="0" hangingPunct="1">
+              <a:lnSpc>
+                <a:spcPct val="90000"/>
+              </a:lnSpc>
+              <a:spcBef>
+                <a:spcPts val="500"/>
+              </a:spcBef>
+              <a:buFont typeface="Arial" panose="020B0604020202020204" pitchFamily="34" charset="0"/>
+              <a:buChar char="•"/>
+              <a:defRPr sz="1800" kern="1200">
+                <a:solidFill>
+                  <a:schemeClr val="tx1"/>
+                </a:solidFill>
+                <a:latin typeface="+mn-lt"/>
+                <a:ea typeface="+mn-ea"/>
+                <a:cs typeface="+mn-cs"/>
+              </a:defRPr>
+            </a:lvl6pPr>
+            <a:lvl7pPr marL="2971800" indent="-228600" algn="l" defTabSz="914400" rtl="0" eaLnBrk="1" latinLnBrk="0" hangingPunct="1">
+              <a:lnSpc>
+                <a:spcPct val="90000"/>
+              </a:lnSpc>
+              <a:spcBef>
+                <a:spcPts val="500"/>
+              </a:spcBef>
+              <a:buFont typeface="Arial" panose="020B0604020202020204" pitchFamily="34" charset="0"/>
+              <a:buChar char="•"/>
+              <a:defRPr sz="1800" kern="1200">
+                <a:solidFill>
+                  <a:schemeClr val="tx1"/>
+                </a:solidFill>
+                <a:latin typeface="+mn-lt"/>
+                <a:ea typeface="+mn-ea"/>
+                <a:cs typeface="+mn-cs"/>
+              </a:defRPr>
+            </a:lvl7pPr>
+            <a:lvl8pPr marL="3429000" indent="-228600" algn="l" defTabSz="914400" rtl="0" eaLnBrk="1" latinLnBrk="0" hangingPunct="1">
+              <a:lnSpc>
+                <a:spcPct val="90000"/>
+              </a:lnSpc>
+              <a:spcBef>
+                <a:spcPts val="500"/>
+              </a:spcBef>
+              <a:buFont typeface="Arial" panose="020B0604020202020204" pitchFamily="34" charset="0"/>
+              <a:buChar char="•"/>
+              <a:defRPr sz="1800" kern="1200">
+                <a:solidFill>
+                  <a:schemeClr val="tx1"/>
+                </a:solidFill>
+                <a:latin typeface="+mn-lt"/>
+                <a:ea typeface="+mn-ea"/>
+                <a:cs typeface="+mn-cs"/>
+              </a:defRPr>
+            </a:lvl8pPr>
+            <a:lvl9pPr marL="3886200" indent="-228600" algn="l" defTabSz="914400" rtl="0" eaLnBrk="1" latinLnBrk="0" hangingPunct="1">
+              <a:lnSpc>
+                <a:spcPct val="90000"/>
+              </a:lnSpc>
+              <a:spcBef>
+                <a:spcPts val="500"/>
+              </a:spcBef>
+              <a:buFont typeface="Arial" panose="020B0604020202020204" pitchFamily="34" charset="0"/>
+              <a:buChar char="•"/>
+              <a:defRPr sz="1800" kern="1200">
+                <a:solidFill>
+                  <a:schemeClr val="tx1"/>
+                </a:solidFill>
+                <a:latin typeface="+mn-lt"/>
+                <a:ea typeface="+mn-ea"/>
+                <a:cs typeface="+mn-cs"/>
+              </a:defRPr>
+            </a:lvl9pPr>
+          </a:lstStyle>
+          <a:p>
+            <a:pPr algn="just"/>
+            <a:r>
+              <a:rPr lang="en-US" dirty="0"/>
+              <a:t>Shell Sort is a more complex operation than Bubble and Selection, however it is more efficient.  </a:t>
+            </a:r>
+          </a:p>
+          <a:p>
+            <a:pPr algn="just"/>
+            <a:r>
+              <a:rPr lang="en-US" dirty="0"/>
+              <a:t>There are variations but a common method is to take the length of the array divided by 2. This is used as an interval.</a:t>
+            </a:r>
+          </a:p>
+          <a:p>
+            <a:pPr algn="just"/>
+            <a:r>
+              <a:rPr lang="en-US" dirty="0"/>
+              <a:t>This interval is used to index elements in the array, so that pairs can be made which are </a:t>
+            </a:r>
+            <a:r>
+              <a:rPr lang="en-US" i="1" dirty="0"/>
+              <a:t> interval</a:t>
+            </a:r>
+            <a:r>
+              <a:rPr lang="en-US" dirty="0"/>
+              <a:t> part in the array; then these are compared and ordered according to the weather the list is to be ascending or descending. </a:t>
+            </a:r>
+          </a:p>
+          <a:p>
+            <a:pPr algn="just"/>
+            <a:r>
+              <a:rPr lang="en-US" dirty="0"/>
+              <a:t>The interval is halved with each iteration so that the sort area is smaller with each pass.</a:t>
+            </a:r>
+          </a:p>
+          <a:p>
+            <a:endParaRPr lang="en-US" dirty="0"/>
+          </a:p>
+        </p:txBody>
+      </p:sp>
+      <p:sp>
+        <p:nvSpPr>
+          <p:cNvPr id="6" name="TextBox 5">
+            <a:extLst>
+              <a:ext uri="{FF2B5EF4-FFF2-40B4-BE49-F238E27FC236}">
+                <a16:creationId xmlns:a16="http://schemas.microsoft.com/office/drawing/2014/main" id="{0F0944CF-30B5-4D32-866B-2414BAE64E5C}"/>
+              </a:ext>
+            </a:extLst>
+          </p:cNvPr>
+          <p:cNvSpPr txBox="1"/>
+          <p:nvPr/>
+        </p:nvSpPr>
+        <p:spPr>
+          <a:xfrm>
+            <a:off x="8839527" y="1898513"/>
+            <a:ext cx="2888647" cy="1938992"/>
+          </a:xfrm>
+          <a:prstGeom prst="rect">
+            <a:avLst/>
+          </a:prstGeom>
+          <a:noFill/>
+        </p:spPr>
+        <p:txBody>
+          <a:bodyPr wrap="square" rtlCol="0">
+            <a:spAutoFit/>
+          </a:bodyPr>
+          <a:lstStyle/>
+          <a:p>
+            <a:pPr algn="just"/>
+            <a:r>
+              <a:rPr lang="en-GB" sz="2000" dirty="0"/>
+              <a:t>In this example the initial length is 6 so the first interval is 3; hence why element 1 and element 1 + interval are compared and in this case swapped.</a:t>
+            </a:r>
+          </a:p>
+        </p:txBody>
+      </p:sp>
       <p:pic>
         <p:nvPicPr>
-          <p:cNvPr id="5" name="Content Placeholder 4" descr="A close up of a keyboard&#10;&#10;Description automatically generated">
+          <p:cNvPr id="9" name="Content Placeholder 8" descr="A close up of a keyboard&#10;&#10;Description automatically generated">
             <a:extLst>
               <a:ext uri="{FF2B5EF4-FFF2-40B4-BE49-F238E27FC236}">
-                <a16:creationId xmlns:a16="http://schemas.microsoft.com/office/drawing/2014/main" id="{2D199688-E94C-4FBA-96FC-675C28468CE0}"/>
+                <a16:creationId xmlns:a16="http://schemas.microsoft.com/office/drawing/2014/main" id="{B6BEB5EF-37B3-4A62-A7A8-EC2211BF843C}"/>
               </a:ext>
             </a:extLst>
           </p:cNvPr>
@@ -4787,7 +7950,7 @@
             <p:ph idx="1"/>
           </p:nvPr>
         </p:nvPicPr>
-        <p:blipFill rotWithShape="1">
+        <p:blipFill>
           <a:blip r:embed="rId2">
             <a:extLst>
               <a:ext uri="{28A0092B-C50C-407E-A947-70E740481C1C}">
@@ -4795,16 +7958,280 @@
               </a:ext>
             </a:extLst>
           </a:blip>
-          <a:srcRect b="56286"/>
-          <a:stretch/>
+          <a:stretch>
+            <a:fillRect/>
+          </a:stretch>
         </p:blipFill>
         <p:spPr>
           <a:xfrm>
-            <a:off x="9202584" y="365126"/>
-            <a:ext cx="2151216" cy="2303124"/>
+            <a:off x="6467587" y="1991278"/>
+            <a:ext cx="2146126" cy="1957871"/>
           </a:xfrm>
         </p:spPr>
       </p:pic>
+      <p:cxnSp>
+        <p:nvCxnSpPr>
+          <p:cNvPr id="10" name="Straight Arrow Connector 9">
+            <a:extLst>
+              <a:ext uri="{FF2B5EF4-FFF2-40B4-BE49-F238E27FC236}">
+                <a16:creationId xmlns:a16="http://schemas.microsoft.com/office/drawing/2014/main" id="{276482D4-AC50-4C49-9A3B-02CD9CAA9AFA}"/>
+              </a:ext>
+            </a:extLst>
+          </p:cNvPr>
+          <p:cNvCxnSpPr>
+            <a:cxnSpLocks/>
+          </p:cNvCxnSpPr>
+          <p:nvPr/>
+        </p:nvCxnSpPr>
+        <p:spPr>
+          <a:xfrm>
+            <a:off x="7659757" y="1597924"/>
+            <a:ext cx="0" cy="433387"/>
+          </a:xfrm>
+          <a:prstGeom prst="straightConnector1">
+            <a:avLst/>
+          </a:prstGeom>
+          <a:ln w="38100">
+            <a:solidFill>
+              <a:srgbClr val="FF0000"/>
+            </a:solidFill>
+            <a:tailEnd type="triangle"/>
+          </a:ln>
+        </p:spPr>
+        <p:style>
+          <a:lnRef idx="3">
+            <a:schemeClr val="accent5"/>
+          </a:lnRef>
+          <a:fillRef idx="0">
+            <a:schemeClr val="accent5"/>
+          </a:fillRef>
+          <a:effectRef idx="2">
+            <a:schemeClr val="accent5"/>
+          </a:effectRef>
+          <a:fontRef idx="minor">
+            <a:schemeClr val="tx1"/>
+          </a:fontRef>
+        </p:style>
+      </p:cxnSp>
+      <p:cxnSp>
+        <p:nvCxnSpPr>
+          <p:cNvPr id="13" name="Straight Arrow Connector 12">
+            <a:extLst>
+              <a:ext uri="{FF2B5EF4-FFF2-40B4-BE49-F238E27FC236}">
+                <a16:creationId xmlns:a16="http://schemas.microsoft.com/office/drawing/2014/main" id="{6B627FB5-C75D-4CA5-8BA6-09A96D75CF7A}"/>
+              </a:ext>
+            </a:extLst>
+          </p:cNvPr>
+          <p:cNvCxnSpPr>
+            <a:cxnSpLocks/>
+          </p:cNvCxnSpPr>
+          <p:nvPr/>
+        </p:nvCxnSpPr>
+        <p:spPr>
+          <a:xfrm flipV="1">
+            <a:off x="6851376" y="2706826"/>
+            <a:ext cx="0" cy="420688"/>
+          </a:xfrm>
+          <a:prstGeom prst="straightConnector1">
+            <a:avLst/>
+          </a:prstGeom>
+          <a:ln w="38100">
+            <a:solidFill>
+              <a:srgbClr val="FF0000"/>
+            </a:solidFill>
+            <a:tailEnd type="triangle"/>
+          </a:ln>
+        </p:spPr>
+        <p:style>
+          <a:lnRef idx="3">
+            <a:schemeClr val="accent5"/>
+          </a:lnRef>
+          <a:fillRef idx="0">
+            <a:schemeClr val="accent5"/>
+          </a:fillRef>
+          <a:effectRef idx="2">
+            <a:schemeClr val="accent5"/>
+          </a:effectRef>
+          <a:fontRef idx="minor">
+            <a:schemeClr val="tx1"/>
+          </a:fontRef>
+        </p:style>
+      </p:cxnSp>
+      <p:cxnSp>
+        <p:nvCxnSpPr>
+          <p:cNvPr id="20" name="Straight Arrow Connector 19">
+            <a:extLst>
+              <a:ext uri="{FF2B5EF4-FFF2-40B4-BE49-F238E27FC236}">
+                <a16:creationId xmlns:a16="http://schemas.microsoft.com/office/drawing/2014/main" id="{2F077D20-CE81-40C7-8181-1CA5B007CDE7}"/>
+              </a:ext>
+            </a:extLst>
+          </p:cNvPr>
+          <p:cNvCxnSpPr>
+            <a:cxnSpLocks/>
+          </p:cNvCxnSpPr>
+          <p:nvPr/>
+        </p:nvCxnSpPr>
+        <p:spPr>
+          <a:xfrm>
+            <a:off x="6877880" y="1597924"/>
+            <a:ext cx="0" cy="433387"/>
+          </a:xfrm>
+          <a:prstGeom prst="straightConnector1">
+            <a:avLst/>
+          </a:prstGeom>
+          <a:ln w="38100">
+            <a:solidFill>
+              <a:schemeClr val="accent3">
+                <a:lumMod val="75000"/>
+              </a:schemeClr>
+            </a:solidFill>
+            <a:tailEnd type="triangle"/>
+          </a:ln>
+        </p:spPr>
+        <p:style>
+          <a:lnRef idx="3">
+            <a:schemeClr val="accent5"/>
+          </a:lnRef>
+          <a:fillRef idx="0">
+            <a:schemeClr val="accent5"/>
+          </a:fillRef>
+          <a:effectRef idx="2">
+            <a:schemeClr val="accent5"/>
+          </a:effectRef>
+          <a:fontRef idx="minor">
+            <a:schemeClr val="tx1"/>
+          </a:fontRef>
+        </p:style>
+      </p:cxnSp>
+      <p:cxnSp>
+        <p:nvCxnSpPr>
+          <p:cNvPr id="22" name="Straight Arrow Connector 21">
+            <a:extLst>
+              <a:ext uri="{FF2B5EF4-FFF2-40B4-BE49-F238E27FC236}">
+                <a16:creationId xmlns:a16="http://schemas.microsoft.com/office/drawing/2014/main" id="{747CBF0A-C8FA-4A88-9606-A9CA1AB97DFC}"/>
+              </a:ext>
+            </a:extLst>
+          </p:cNvPr>
+          <p:cNvCxnSpPr>
+            <a:cxnSpLocks/>
+          </p:cNvCxnSpPr>
+          <p:nvPr/>
+        </p:nvCxnSpPr>
+        <p:spPr>
+          <a:xfrm flipV="1">
+            <a:off x="7653132" y="2701890"/>
+            <a:ext cx="0" cy="420688"/>
+          </a:xfrm>
+          <a:prstGeom prst="straightConnector1">
+            <a:avLst/>
+          </a:prstGeom>
+          <a:ln w="38100">
+            <a:solidFill>
+              <a:schemeClr val="accent3">
+                <a:lumMod val="75000"/>
+              </a:schemeClr>
+            </a:solidFill>
+            <a:tailEnd type="triangle"/>
+          </a:ln>
+        </p:spPr>
+        <p:style>
+          <a:lnRef idx="3">
+            <a:schemeClr val="accent5"/>
+          </a:lnRef>
+          <a:fillRef idx="0">
+            <a:schemeClr val="accent5"/>
+          </a:fillRef>
+          <a:effectRef idx="2">
+            <a:schemeClr val="accent5"/>
+          </a:effectRef>
+          <a:fontRef idx="minor">
+            <a:schemeClr val="tx1"/>
+          </a:fontRef>
+        </p:style>
+      </p:cxnSp>
+      <p:pic>
+        <p:nvPicPr>
+          <p:cNvPr id="1026" name="Picture 2" descr="Image result for shell sort">
+            <a:extLst>
+              <a:ext uri="{FF2B5EF4-FFF2-40B4-BE49-F238E27FC236}">
+                <a16:creationId xmlns:a16="http://schemas.microsoft.com/office/drawing/2014/main" id="{48A57614-B25C-4B31-A660-2E91F4227515}"/>
+              </a:ext>
+            </a:extLst>
+          </p:cNvPr>
+          <p:cNvPicPr>
+            <a:picLocks noChangeAspect="1" noChangeArrowheads="1"/>
+          </p:cNvPicPr>
+          <p:nvPr/>
+        </p:nvPicPr>
+        <p:blipFill>
+          <a:blip r:embed="rId3">
+            <a:extLst>
+              <a:ext uri="{28A0092B-C50C-407E-A947-70E740481C1C}">
+                <a14:useLocalDpi xmlns:a14="http://schemas.microsoft.com/office/drawing/2010/main" val="0"/>
+              </a:ext>
+            </a:extLst>
+          </a:blip>
+          <a:srcRect/>
+          <a:stretch>
+            <a:fillRect/>
+          </a:stretch>
+        </p:blipFill>
+        <p:spPr bwMode="auto">
+          <a:xfrm>
+            <a:off x="9903408" y="4153693"/>
+            <a:ext cx="1824766" cy="1938991"/>
+          </a:xfrm>
+          <a:prstGeom prst="rect">
+            <a:avLst/>
+          </a:prstGeom>
+          <a:noFill/>
+          <a:extLst>
+            <a:ext uri="{909E8E84-426E-40DD-AFC4-6F175D3DCCD1}">
+              <a14:hiddenFill xmlns:a14="http://schemas.microsoft.com/office/drawing/2010/main">
+                <a:solidFill>
+                  <a:srgbClr val="FFFFFF"/>
+                </a:solidFill>
+              </a14:hiddenFill>
+            </a:ext>
+          </a:extLst>
+        </p:spPr>
+      </p:pic>
+      <p:sp>
+        <p:nvSpPr>
+          <p:cNvPr id="24" name="TextBox 23">
+            <a:extLst>
+              <a:ext uri="{FF2B5EF4-FFF2-40B4-BE49-F238E27FC236}">
+                <a16:creationId xmlns:a16="http://schemas.microsoft.com/office/drawing/2014/main" id="{CE4B7B38-2A30-4F48-A7C0-CE0B5C9AD725}"/>
+              </a:ext>
+            </a:extLst>
+          </p:cNvPr>
+          <p:cNvSpPr txBox="1"/>
+          <p:nvPr/>
+        </p:nvSpPr>
+        <p:spPr>
+          <a:xfrm>
+            <a:off x="6321286" y="3990312"/>
+            <a:ext cx="3458817" cy="2246769"/>
+          </a:xfrm>
+          <a:prstGeom prst="rect">
+            <a:avLst/>
+          </a:prstGeom>
+          <a:noFill/>
+        </p:spPr>
+        <p:txBody>
+          <a:bodyPr wrap="square" rtlCol="0">
+            <a:spAutoFit/>
+          </a:bodyPr>
+          <a:lstStyle/>
+          <a:p>
+            <a:pPr algn="just"/>
+            <a:r>
+              <a:rPr lang="en-GB" sz="2000" dirty="0"/>
+              <a:t>This graphic (right) shows how the first pass of an unordered list would be compared. Here, pink blue and yellow would be swapped to put the list in ascending order. The next pass would have an interval of 2.</a:t>
+            </a:r>
+          </a:p>
+        </p:txBody>
+      </p:sp>
     </p:spTree>
     <p:extLst>
       <p:ext uri="{BB962C8B-B14F-4D97-AF65-F5344CB8AC3E}">
@@ -4865,31 +8292,932 @@
           </a:p>
         </p:txBody>
       </p:sp>
-      <p:sp>
-        <p:nvSpPr>
-          <p:cNvPr id="3" name="Content Placeholder 2">
+      <p:pic>
+        <p:nvPicPr>
+          <p:cNvPr id="7" name="Picture 6">
             <a:extLst>
               <a:ext uri="{FF2B5EF4-FFF2-40B4-BE49-F238E27FC236}">
-                <a16:creationId xmlns:a16="http://schemas.microsoft.com/office/drawing/2014/main" id="{D1F89CE2-FB3B-423D-8428-5ED35BC2259B}"/>
+                <a16:creationId xmlns:a16="http://schemas.microsoft.com/office/drawing/2014/main" id="{FE3E677F-EFF8-45EA-AF11-07764821615F}"/>
               </a:ext>
             </a:extLst>
           </p:cNvPr>
-          <p:cNvSpPr>
-            <a:spLocks noGrp="1"/>
+          <p:cNvPicPr>
+            <a:picLocks noChangeAspect="1"/>
+          </p:cNvPicPr>
+          <p:nvPr/>
+        </p:nvPicPr>
+        <p:blipFill rotWithShape="1">
+          <a:blip r:embed="rId2">
+            <a:extLst>
+              <a:ext uri="{28A0092B-C50C-407E-A947-70E740481C1C}">
+                <a14:useLocalDpi xmlns:a14="http://schemas.microsoft.com/office/drawing/2010/main" val="0"/>
+              </a:ext>
+            </a:extLst>
+          </a:blip>
+          <a:srcRect l="2560" t="3353" r="1129" b="3213"/>
+          <a:stretch/>
+        </p:blipFill>
+        <p:spPr>
+          <a:xfrm>
+            <a:off x="838201" y="1951184"/>
+            <a:ext cx="3895987" cy="2270845"/>
+          </a:xfrm>
+          <a:prstGeom prst="rect">
+            <a:avLst/>
+          </a:prstGeom>
+        </p:spPr>
+      </p:pic>
+      <p:sp>
+        <p:nvSpPr>
+          <p:cNvPr id="8" name="Content Placeholder 2">
+            <a:extLst>
+              <a:ext uri="{FF2B5EF4-FFF2-40B4-BE49-F238E27FC236}">
+                <a16:creationId xmlns:a16="http://schemas.microsoft.com/office/drawing/2014/main" id="{3BED4DAE-B580-48D3-98C8-6F3D03B4A195}"/>
+              </a:ext>
+            </a:extLst>
+          </p:cNvPr>
+          <p:cNvSpPr txBox="1">
+            <a:spLocks/>
           </p:cNvSpPr>
-          <p:nvPr>
-            <p:ph idx="1"/>
-          </p:nvPr>
+          <p:nvPr/>
         </p:nvSpPr>
-        <p:spPr/>
+        <p:spPr>
+          <a:xfrm>
+            <a:off x="922790" y="4302379"/>
+            <a:ext cx="6312016" cy="2377259"/>
+          </a:xfrm>
+          <a:prstGeom prst="rect">
+            <a:avLst/>
+          </a:prstGeom>
+        </p:spPr>
         <p:txBody>
-          <a:bodyPr/>
-          <a:lstStyle/>
-          <a:p>
-            <a:endParaRPr lang="en-US"/>
+          <a:bodyPr vert="horz" lIns="91440" tIns="45720" rIns="91440" bIns="45720" rtlCol="0">
+            <a:normAutofit lnSpcReduction="10000"/>
+          </a:bodyPr>
+          <a:lstStyle>
+            <a:lvl1pPr marL="228600" indent="-228600" algn="l" defTabSz="914400" rtl="0" eaLnBrk="1" latinLnBrk="0" hangingPunct="1">
+              <a:lnSpc>
+                <a:spcPct val="90000"/>
+              </a:lnSpc>
+              <a:spcBef>
+                <a:spcPts val="1000"/>
+              </a:spcBef>
+              <a:buFont typeface="Arial" panose="020B0604020202020204" pitchFamily="34" charset="0"/>
+              <a:buChar char="•"/>
+              <a:defRPr sz="2800" kern="1200">
+                <a:solidFill>
+                  <a:schemeClr val="tx1"/>
+                </a:solidFill>
+                <a:latin typeface="+mn-lt"/>
+                <a:ea typeface="+mn-ea"/>
+                <a:cs typeface="+mn-cs"/>
+              </a:defRPr>
+            </a:lvl1pPr>
+            <a:lvl2pPr marL="685800" indent="-228600" algn="l" defTabSz="914400" rtl="0" eaLnBrk="1" latinLnBrk="0" hangingPunct="1">
+              <a:lnSpc>
+                <a:spcPct val="90000"/>
+              </a:lnSpc>
+              <a:spcBef>
+                <a:spcPts val="500"/>
+              </a:spcBef>
+              <a:buFont typeface="Arial" panose="020B0604020202020204" pitchFamily="34" charset="0"/>
+              <a:buChar char="•"/>
+              <a:defRPr sz="2400" kern="1200">
+                <a:solidFill>
+                  <a:schemeClr val="tx1"/>
+                </a:solidFill>
+                <a:latin typeface="+mn-lt"/>
+                <a:ea typeface="+mn-ea"/>
+                <a:cs typeface="+mn-cs"/>
+              </a:defRPr>
+            </a:lvl2pPr>
+            <a:lvl3pPr marL="1143000" indent="-228600" algn="l" defTabSz="914400" rtl="0" eaLnBrk="1" latinLnBrk="0" hangingPunct="1">
+              <a:lnSpc>
+                <a:spcPct val="90000"/>
+              </a:lnSpc>
+              <a:spcBef>
+                <a:spcPts val="500"/>
+              </a:spcBef>
+              <a:buFont typeface="Arial" panose="020B0604020202020204" pitchFamily="34" charset="0"/>
+              <a:buChar char="•"/>
+              <a:defRPr sz="2000" kern="1200">
+                <a:solidFill>
+                  <a:schemeClr val="tx1"/>
+                </a:solidFill>
+                <a:latin typeface="+mn-lt"/>
+                <a:ea typeface="+mn-ea"/>
+                <a:cs typeface="+mn-cs"/>
+              </a:defRPr>
+            </a:lvl3pPr>
+            <a:lvl4pPr marL="1600200" indent="-228600" algn="l" defTabSz="914400" rtl="0" eaLnBrk="1" latinLnBrk="0" hangingPunct="1">
+              <a:lnSpc>
+                <a:spcPct val="90000"/>
+              </a:lnSpc>
+              <a:spcBef>
+                <a:spcPts val="500"/>
+              </a:spcBef>
+              <a:buFont typeface="Arial" panose="020B0604020202020204" pitchFamily="34" charset="0"/>
+              <a:buChar char="•"/>
+              <a:defRPr sz="1800" kern="1200">
+                <a:solidFill>
+                  <a:schemeClr val="tx1"/>
+                </a:solidFill>
+                <a:latin typeface="+mn-lt"/>
+                <a:ea typeface="+mn-ea"/>
+                <a:cs typeface="+mn-cs"/>
+              </a:defRPr>
+            </a:lvl4pPr>
+            <a:lvl5pPr marL="2057400" indent="-228600" algn="l" defTabSz="914400" rtl="0" eaLnBrk="1" latinLnBrk="0" hangingPunct="1">
+              <a:lnSpc>
+                <a:spcPct val="90000"/>
+              </a:lnSpc>
+              <a:spcBef>
+                <a:spcPts val="500"/>
+              </a:spcBef>
+              <a:buFont typeface="Arial" panose="020B0604020202020204" pitchFamily="34" charset="0"/>
+              <a:buChar char="•"/>
+              <a:defRPr sz="1800" kern="1200">
+                <a:solidFill>
+                  <a:schemeClr val="tx1"/>
+                </a:solidFill>
+                <a:latin typeface="+mn-lt"/>
+                <a:ea typeface="+mn-ea"/>
+                <a:cs typeface="+mn-cs"/>
+              </a:defRPr>
+            </a:lvl5pPr>
+            <a:lvl6pPr marL="2514600" indent="-228600" algn="l" defTabSz="914400" rtl="0" eaLnBrk="1" latinLnBrk="0" hangingPunct="1">
+              <a:lnSpc>
+                <a:spcPct val="90000"/>
+              </a:lnSpc>
+              <a:spcBef>
+                <a:spcPts val="500"/>
+              </a:spcBef>
+              <a:buFont typeface="Arial" panose="020B0604020202020204" pitchFamily="34" charset="0"/>
+              <a:buChar char="•"/>
+              <a:defRPr sz="1800" kern="1200">
+                <a:solidFill>
+                  <a:schemeClr val="tx1"/>
+                </a:solidFill>
+                <a:latin typeface="+mn-lt"/>
+                <a:ea typeface="+mn-ea"/>
+                <a:cs typeface="+mn-cs"/>
+              </a:defRPr>
+            </a:lvl6pPr>
+            <a:lvl7pPr marL="2971800" indent="-228600" algn="l" defTabSz="914400" rtl="0" eaLnBrk="1" latinLnBrk="0" hangingPunct="1">
+              <a:lnSpc>
+                <a:spcPct val="90000"/>
+              </a:lnSpc>
+              <a:spcBef>
+                <a:spcPts val="500"/>
+              </a:spcBef>
+              <a:buFont typeface="Arial" panose="020B0604020202020204" pitchFamily="34" charset="0"/>
+              <a:buChar char="•"/>
+              <a:defRPr sz="1800" kern="1200">
+                <a:solidFill>
+                  <a:schemeClr val="tx1"/>
+                </a:solidFill>
+                <a:latin typeface="+mn-lt"/>
+                <a:ea typeface="+mn-ea"/>
+                <a:cs typeface="+mn-cs"/>
+              </a:defRPr>
+            </a:lvl7pPr>
+            <a:lvl8pPr marL="3429000" indent="-228600" algn="l" defTabSz="914400" rtl="0" eaLnBrk="1" latinLnBrk="0" hangingPunct="1">
+              <a:lnSpc>
+                <a:spcPct val="90000"/>
+              </a:lnSpc>
+              <a:spcBef>
+                <a:spcPts val="500"/>
+              </a:spcBef>
+              <a:buFont typeface="Arial" panose="020B0604020202020204" pitchFamily="34" charset="0"/>
+              <a:buChar char="•"/>
+              <a:defRPr sz="1800" kern="1200">
+                <a:solidFill>
+                  <a:schemeClr val="tx1"/>
+                </a:solidFill>
+                <a:latin typeface="+mn-lt"/>
+                <a:ea typeface="+mn-ea"/>
+                <a:cs typeface="+mn-cs"/>
+              </a:defRPr>
+            </a:lvl8pPr>
+            <a:lvl9pPr marL="3886200" indent="-228600" algn="l" defTabSz="914400" rtl="0" eaLnBrk="1" latinLnBrk="0" hangingPunct="1">
+              <a:lnSpc>
+                <a:spcPct val="90000"/>
+              </a:lnSpc>
+              <a:spcBef>
+                <a:spcPts val="500"/>
+              </a:spcBef>
+              <a:buFont typeface="Arial" panose="020B0604020202020204" pitchFamily="34" charset="0"/>
+              <a:buChar char="•"/>
+              <a:defRPr sz="1800" kern="1200">
+                <a:solidFill>
+                  <a:schemeClr val="tx1"/>
+                </a:solidFill>
+                <a:latin typeface="+mn-lt"/>
+                <a:ea typeface="+mn-ea"/>
+                <a:cs typeface="+mn-cs"/>
+              </a:defRPr>
+            </a:lvl9pPr>
+          </a:lstStyle>
+          <a:p>
+            <a:pPr algn="just"/>
+            <a:r>
+              <a:rPr lang="en-US" dirty="0"/>
+              <a:t>vvvvvvvvvvvvvvvvvvvvvvvvvvvvvvvvvvvvvvvvvvvvvvvvvvvvvvvvvvvvvvvvvvvvvvvvvvvvvvvvvvvvvvvvvvvvvvvvvvvvvvvvvvvvvvvvvvvvvvvvvvvvvvvvvvvvvvvvvvvvvvvvvvvvvvvvvvvvvvvvvvvvvvvvvvvvvvvvvvvvvvvvvvvvvvvvvvvvvvvvvvvvvvvvvvvvvvvv</a:t>
+            </a:r>
+          </a:p>
+          <a:p>
+            <a:endParaRPr lang="en-US" dirty="0"/>
           </a:p>
         </p:txBody>
       </p:sp>
+      <p:sp>
+        <p:nvSpPr>
+          <p:cNvPr id="9" name="Content Placeholder 2">
+            <a:extLst>
+              <a:ext uri="{FF2B5EF4-FFF2-40B4-BE49-F238E27FC236}">
+                <a16:creationId xmlns:a16="http://schemas.microsoft.com/office/drawing/2014/main" id="{A8D9348D-E0EA-472C-AD20-9772494F1E5F}"/>
+              </a:ext>
+            </a:extLst>
+          </p:cNvPr>
+          <p:cNvSpPr txBox="1">
+            <a:spLocks/>
+          </p:cNvSpPr>
+          <p:nvPr/>
+        </p:nvSpPr>
+        <p:spPr>
+          <a:xfrm>
+            <a:off x="5041783" y="1807904"/>
+            <a:ext cx="6312016" cy="2377259"/>
+          </a:xfrm>
+          <a:prstGeom prst="rect">
+            <a:avLst/>
+          </a:prstGeom>
+        </p:spPr>
+        <p:txBody>
+          <a:bodyPr vert="horz" lIns="91440" tIns="45720" rIns="91440" bIns="45720" rtlCol="0">
+            <a:normAutofit lnSpcReduction="10000"/>
+          </a:bodyPr>
+          <a:lstStyle>
+            <a:lvl1pPr marL="228600" indent="-228600" algn="l" defTabSz="914400" rtl="0" eaLnBrk="1" latinLnBrk="0" hangingPunct="1">
+              <a:lnSpc>
+                <a:spcPct val="90000"/>
+              </a:lnSpc>
+              <a:spcBef>
+                <a:spcPts val="1000"/>
+              </a:spcBef>
+              <a:buFont typeface="Arial" panose="020B0604020202020204" pitchFamily="34" charset="0"/>
+              <a:buChar char="•"/>
+              <a:defRPr sz="2800" kern="1200">
+                <a:solidFill>
+                  <a:schemeClr val="tx1"/>
+                </a:solidFill>
+                <a:latin typeface="+mn-lt"/>
+                <a:ea typeface="+mn-ea"/>
+                <a:cs typeface="+mn-cs"/>
+              </a:defRPr>
+            </a:lvl1pPr>
+            <a:lvl2pPr marL="685800" indent="-228600" algn="l" defTabSz="914400" rtl="0" eaLnBrk="1" latinLnBrk="0" hangingPunct="1">
+              <a:lnSpc>
+                <a:spcPct val="90000"/>
+              </a:lnSpc>
+              <a:spcBef>
+                <a:spcPts val="500"/>
+              </a:spcBef>
+              <a:buFont typeface="Arial" panose="020B0604020202020204" pitchFamily="34" charset="0"/>
+              <a:buChar char="•"/>
+              <a:defRPr sz="2400" kern="1200">
+                <a:solidFill>
+                  <a:schemeClr val="tx1"/>
+                </a:solidFill>
+                <a:latin typeface="+mn-lt"/>
+                <a:ea typeface="+mn-ea"/>
+                <a:cs typeface="+mn-cs"/>
+              </a:defRPr>
+            </a:lvl2pPr>
+            <a:lvl3pPr marL="1143000" indent="-228600" algn="l" defTabSz="914400" rtl="0" eaLnBrk="1" latinLnBrk="0" hangingPunct="1">
+              <a:lnSpc>
+                <a:spcPct val="90000"/>
+              </a:lnSpc>
+              <a:spcBef>
+                <a:spcPts val="500"/>
+              </a:spcBef>
+              <a:buFont typeface="Arial" panose="020B0604020202020204" pitchFamily="34" charset="0"/>
+              <a:buChar char="•"/>
+              <a:defRPr sz="2000" kern="1200">
+                <a:solidFill>
+                  <a:schemeClr val="tx1"/>
+                </a:solidFill>
+                <a:latin typeface="+mn-lt"/>
+                <a:ea typeface="+mn-ea"/>
+                <a:cs typeface="+mn-cs"/>
+              </a:defRPr>
+            </a:lvl3pPr>
+            <a:lvl4pPr marL="1600200" indent="-228600" algn="l" defTabSz="914400" rtl="0" eaLnBrk="1" latinLnBrk="0" hangingPunct="1">
+              <a:lnSpc>
+                <a:spcPct val="90000"/>
+              </a:lnSpc>
+              <a:spcBef>
+                <a:spcPts val="500"/>
+              </a:spcBef>
+              <a:buFont typeface="Arial" panose="020B0604020202020204" pitchFamily="34" charset="0"/>
+              <a:buChar char="•"/>
+              <a:defRPr sz="1800" kern="1200">
+                <a:solidFill>
+                  <a:schemeClr val="tx1"/>
+                </a:solidFill>
+                <a:latin typeface="+mn-lt"/>
+                <a:ea typeface="+mn-ea"/>
+                <a:cs typeface="+mn-cs"/>
+              </a:defRPr>
+            </a:lvl4pPr>
+            <a:lvl5pPr marL="2057400" indent="-228600" algn="l" defTabSz="914400" rtl="0" eaLnBrk="1" latinLnBrk="0" hangingPunct="1">
+              <a:lnSpc>
+                <a:spcPct val="90000"/>
+              </a:lnSpc>
+              <a:spcBef>
+                <a:spcPts val="500"/>
+              </a:spcBef>
+              <a:buFont typeface="Arial" panose="020B0604020202020204" pitchFamily="34" charset="0"/>
+              <a:buChar char="•"/>
+              <a:defRPr sz="1800" kern="1200">
+                <a:solidFill>
+                  <a:schemeClr val="tx1"/>
+                </a:solidFill>
+                <a:latin typeface="+mn-lt"/>
+                <a:ea typeface="+mn-ea"/>
+                <a:cs typeface="+mn-cs"/>
+              </a:defRPr>
+            </a:lvl5pPr>
+            <a:lvl6pPr marL="2514600" indent="-228600" algn="l" defTabSz="914400" rtl="0" eaLnBrk="1" latinLnBrk="0" hangingPunct="1">
+              <a:lnSpc>
+                <a:spcPct val="90000"/>
+              </a:lnSpc>
+              <a:spcBef>
+                <a:spcPts val="500"/>
+              </a:spcBef>
+              <a:buFont typeface="Arial" panose="020B0604020202020204" pitchFamily="34" charset="0"/>
+              <a:buChar char="•"/>
+              <a:defRPr sz="1800" kern="1200">
+                <a:solidFill>
+                  <a:schemeClr val="tx1"/>
+                </a:solidFill>
+                <a:latin typeface="+mn-lt"/>
+                <a:ea typeface="+mn-ea"/>
+                <a:cs typeface="+mn-cs"/>
+              </a:defRPr>
+            </a:lvl6pPr>
+            <a:lvl7pPr marL="2971800" indent="-228600" algn="l" defTabSz="914400" rtl="0" eaLnBrk="1" latinLnBrk="0" hangingPunct="1">
+              <a:lnSpc>
+                <a:spcPct val="90000"/>
+              </a:lnSpc>
+              <a:spcBef>
+                <a:spcPts val="500"/>
+              </a:spcBef>
+              <a:buFont typeface="Arial" panose="020B0604020202020204" pitchFamily="34" charset="0"/>
+              <a:buChar char="•"/>
+              <a:defRPr sz="1800" kern="1200">
+                <a:solidFill>
+                  <a:schemeClr val="tx1"/>
+                </a:solidFill>
+                <a:latin typeface="+mn-lt"/>
+                <a:ea typeface="+mn-ea"/>
+                <a:cs typeface="+mn-cs"/>
+              </a:defRPr>
+            </a:lvl7pPr>
+            <a:lvl8pPr marL="3429000" indent="-228600" algn="l" defTabSz="914400" rtl="0" eaLnBrk="1" latinLnBrk="0" hangingPunct="1">
+              <a:lnSpc>
+                <a:spcPct val="90000"/>
+              </a:lnSpc>
+              <a:spcBef>
+                <a:spcPts val="500"/>
+              </a:spcBef>
+              <a:buFont typeface="Arial" panose="020B0604020202020204" pitchFamily="34" charset="0"/>
+              <a:buChar char="•"/>
+              <a:defRPr sz="1800" kern="1200">
+                <a:solidFill>
+                  <a:schemeClr val="tx1"/>
+                </a:solidFill>
+                <a:latin typeface="+mn-lt"/>
+                <a:ea typeface="+mn-ea"/>
+                <a:cs typeface="+mn-cs"/>
+              </a:defRPr>
+            </a:lvl8pPr>
+            <a:lvl9pPr marL="3886200" indent="-228600" algn="l" defTabSz="914400" rtl="0" eaLnBrk="1" latinLnBrk="0" hangingPunct="1">
+              <a:lnSpc>
+                <a:spcPct val="90000"/>
+              </a:lnSpc>
+              <a:spcBef>
+                <a:spcPts val="500"/>
+              </a:spcBef>
+              <a:buFont typeface="Arial" panose="020B0604020202020204" pitchFamily="34" charset="0"/>
+              <a:buChar char="•"/>
+              <a:defRPr sz="1800" kern="1200">
+                <a:solidFill>
+                  <a:schemeClr val="tx1"/>
+                </a:solidFill>
+                <a:latin typeface="+mn-lt"/>
+                <a:ea typeface="+mn-ea"/>
+                <a:cs typeface="+mn-cs"/>
+              </a:defRPr>
+            </a:lvl9pPr>
+          </a:lstStyle>
+          <a:p>
+            <a:pPr algn="just"/>
+            <a:r>
+              <a:rPr lang="en-US" dirty="0"/>
+              <a:t>vvvvvvvvvvvvvvvvvvvvvvvvvvvvvvvvvvvvvvvvvvvvvvvvvvvvvvvvvvvvvvvvvvvvvvvvvvvvvvvvvvvvvvvvvvvvvvvvvvvvvvvvvvvvvvvvvvvvvvvvvvvvvvvvvvvvvvvvvvvvvvvvvvvvvvvvvvvvvvvvvvvvvvvvvvvvvvvvvvvvvvvvvvvvvvvvvvvvvvvvvvvvvvvvvvvvvvvv</a:t>
+            </a:r>
+          </a:p>
+          <a:p>
+            <a:endParaRPr lang="en-US" dirty="0"/>
+          </a:p>
+        </p:txBody>
+      </p:sp>
+      <p:pic>
+        <p:nvPicPr>
+          <p:cNvPr id="12" name="Picture 11">
+            <a:extLst>
+              <a:ext uri="{FF2B5EF4-FFF2-40B4-BE49-F238E27FC236}">
+                <a16:creationId xmlns:a16="http://schemas.microsoft.com/office/drawing/2014/main" id="{B3B50037-2928-4F5B-BFA7-EE7FCDD0B666}"/>
+              </a:ext>
+            </a:extLst>
+          </p:cNvPr>
+          <p:cNvPicPr>
+            <a:picLocks noChangeAspect="1"/>
+          </p:cNvPicPr>
+          <p:nvPr/>
+        </p:nvPicPr>
+        <p:blipFill>
+          <a:blip r:embed="rId3"/>
+          <a:stretch>
+            <a:fillRect/>
+          </a:stretch>
+        </p:blipFill>
+        <p:spPr>
+          <a:xfrm>
+            <a:off x="5041783" y="3806825"/>
+            <a:ext cx="4543425" cy="2686050"/>
+          </a:xfrm>
+          <a:prstGeom prst="rect">
+            <a:avLst/>
+          </a:prstGeom>
+        </p:spPr>
+      </p:pic>
+      <p:graphicFrame>
+        <p:nvGraphicFramePr>
+          <p:cNvPr id="13" name="Table 12">
+            <a:extLst>
+              <a:ext uri="{FF2B5EF4-FFF2-40B4-BE49-F238E27FC236}">
+                <a16:creationId xmlns:a16="http://schemas.microsoft.com/office/drawing/2014/main" id="{D09D6322-305D-4F5C-BB33-396894D437CC}"/>
+              </a:ext>
+            </a:extLst>
+          </p:cNvPr>
+          <p:cNvGraphicFramePr>
+            <a:graphicFrameLocks noGrp="1"/>
+          </p:cNvGraphicFramePr>
+          <p:nvPr>
+            <p:extLst>
+              <p:ext uri="{D42A27DB-BD31-4B8C-83A1-F6EECF244321}">
+                <p14:modId xmlns:p14="http://schemas.microsoft.com/office/powerpoint/2010/main" val="835790700"/>
+              </p:ext>
+            </p:extLst>
+          </p:nvPr>
+        </p:nvGraphicFramePr>
+        <p:xfrm>
+          <a:off x="8301144" y="4244607"/>
+          <a:ext cx="3360252" cy="1478280"/>
+        </p:xfrm>
+        <a:graphic>
+          <a:graphicData uri="http://schemas.openxmlformats.org/drawingml/2006/table">
+            <a:tbl>
+              <a:tblPr firstRow="1" bandRow="1">
+                <a:tableStyleId>{073A0DAA-6AF3-43AB-8588-CEC1D06C72B9}</a:tableStyleId>
+              </a:tblPr>
+              <a:tblGrid>
+                <a:gridCol w="1680126">
+                  <a:extLst>
+                    <a:ext uri="{9D8B030D-6E8A-4147-A177-3AD203B41FA5}">
+                      <a16:colId xmlns:a16="http://schemas.microsoft.com/office/drawing/2014/main" val="3204911813"/>
+                    </a:ext>
+                  </a:extLst>
+                </a:gridCol>
+                <a:gridCol w="1680126">
+                  <a:extLst>
+                    <a:ext uri="{9D8B030D-6E8A-4147-A177-3AD203B41FA5}">
+                      <a16:colId xmlns:a16="http://schemas.microsoft.com/office/drawing/2014/main" val="2260809366"/>
+                    </a:ext>
+                  </a:extLst>
+                </a:gridCol>
+              </a:tblGrid>
+              <a:tr h="370840">
+                <a:tc>
+                  <a:txBody>
+                    <a:bodyPr/>
+                    <a:lstStyle/>
+                    <a:p>
+                      <a:r>
+                        <a:rPr lang="en-GB" dirty="0"/>
+                        <a:t>Case</a:t>
+                      </a:r>
+                    </a:p>
+                  </a:txBody>
+                  <a:tcPr/>
+                </a:tc>
+                <a:tc>
+                  <a:txBody>
+                    <a:bodyPr/>
+                    <a:lstStyle/>
+                    <a:p>
+                      <a:r>
+                        <a:rPr lang="en-GB" dirty="0"/>
+                        <a:t>Big Oh</a:t>
+                      </a:r>
+                    </a:p>
+                  </a:txBody>
+                  <a:tcPr/>
+                </a:tc>
+                <a:extLst>
+                  <a:ext uri="{0D108BD9-81ED-4DB2-BD59-A6C34878D82A}">
+                    <a16:rowId xmlns:a16="http://schemas.microsoft.com/office/drawing/2014/main" val="4187749253"/>
+                  </a:ext>
+                </a:extLst>
+              </a:tr>
+              <a:tr h="370840">
+                <a:tc>
+                  <a:txBody>
+                    <a:bodyPr/>
+                    <a:lstStyle/>
+                    <a:p>
+                      <a:r>
+                        <a:rPr lang="en-GB" dirty="0"/>
+                        <a:t>Worst</a:t>
+                      </a:r>
+                    </a:p>
+                  </a:txBody>
+                  <a:tcPr/>
+                </a:tc>
+                <a:tc>
+                  <a:txBody>
+                    <a:bodyPr/>
+                    <a:lstStyle/>
+                    <a:p>
+                      <a:r>
+                        <a:rPr lang="en-GB" dirty="0"/>
+                        <a:t>O(n^2)</a:t>
+                      </a:r>
+                    </a:p>
+                  </a:txBody>
+                  <a:tcPr/>
+                </a:tc>
+                <a:extLst>
+                  <a:ext uri="{0D108BD9-81ED-4DB2-BD59-A6C34878D82A}">
+                    <a16:rowId xmlns:a16="http://schemas.microsoft.com/office/drawing/2014/main" val="544782852"/>
+                  </a:ext>
+                </a:extLst>
+              </a:tr>
+              <a:tr h="370840">
+                <a:tc>
+                  <a:txBody>
+                    <a:bodyPr/>
+                    <a:lstStyle/>
+                    <a:p>
+                      <a:r>
+                        <a:rPr lang="en-GB" dirty="0"/>
+                        <a:t>Average</a:t>
+                      </a:r>
+                    </a:p>
+                  </a:txBody>
+                  <a:tcPr/>
+                </a:tc>
+                <a:tc>
+                  <a:txBody>
+                    <a:bodyPr/>
+                    <a:lstStyle/>
+                    <a:p>
+                      <a:r>
+                        <a:rPr lang="en-GB" dirty="0"/>
+                        <a:t>O(n^2)</a:t>
+                      </a:r>
+                    </a:p>
+                  </a:txBody>
+                  <a:tcPr/>
+                </a:tc>
+                <a:extLst>
+                  <a:ext uri="{0D108BD9-81ED-4DB2-BD59-A6C34878D82A}">
+                    <a16:rowId xmlns:a16="http://schemas.microsoft.com/office/drawing/2014/main" val="3164344996"/>
+                  </a:ext>
+                </a:extLst>
+              </a:tr>
+              <a:tr h="241038">
+                <a:tc>
+                  <a:txBody>
+                    <a:bodyPr/>
+                    <a:lstStyle/>
+                    <a:p>
+                      <a:r>
+                        <a:rPr lang="en-GB" dirty="0"/>
+                        <a:t>Best</a:t>
+                      </a:r>
+                    </a:p>
+                  </a:txBody>
+                  <a:tcPr/>
+                </a:tc>
+                <a:tc>
+                  <a:txBody>
+                    <a:bodyPr/>
+                    <a:lstStyle/>
+                    <a:p>
+                      <a:r>
+                        <a:rPr lang="en-GB" dirty="0"/>
+                        <a:t>O(n)</a:t>
+                      </a:r>
+                    </a:p>
+                  </a:txBody>
+                  <a:tcPr/>
+                </a:tc>
+                <a:extLst>
+                  <a:ext uri="{0D108BD9-81ED-4DB2-BD59-A6C34878D82A}">
+                    <a16:rowId xmlns:a16="http://schemas.microsoft.com/office/drawing/2014/main" val="194678938"/>
+                  </a:ext>
+                </a:extLst>
+              </a:tr>
+            </a:tbl>
+          </a:graphicData>
+        </a:graphic>
+      </p:graphicFrame>
+      <p:graphicFrame>
+        <p:nvGraphicFramePr>
+          <p:cNvPr id="14" name="Table 4">
+            <a:extLst>
+              <a:ext uri="{FF2B5EF4-FFF2-40B4-BE49-F238E27FC236}">
+                <a16:creationId xmlns:a16="http://schemas.microsoft.com/office/drawing/2014/main" id="{7F665CA8-8CB3-4C22-A62E-99F272E29D39}"/>
+              </a:ext>
+            </a:extLst>
+          </p:cNvPr>
+          <p:cNvGraphicFramePr>
+            <a:graphicFrameLocks noGrp="1"/>
+          </p:cNvGraphicFramePr>
+          <p:nvPr>
+            <p:extLst>
+              <p:ext uri="{D42A27DB-BD31-4B8C-83A1-F6EECF244321}">
+                <p14:modId xmlns:p14="http://schemas.microsoft.com/office/powerpoint/2010/main" val="299965260"/>
+              </p:ext>
+            </p:extLst>
+          </p:nvPr>
+        </p:nvGraphicFramePr>
+        <p:xfrm>
+          <a:off x="8301144" y="1807904"/>
+          <a:ext cx="3360250" cy="2329279"/>
+        </p:xfrm>
+        <a:graphic>
+          <a:graphicData uri="http://schemas.openxmlformats.org/drawingml/2006/table">
+            <a:tbl>
+              <a:tblPr firstRow="1" bandRow="1">
+                <a:tableStyleId>{073A0DAA-6AF3-43AB-8588-CEC1D06C72B9}</a:tableStyleId>
+              </a:tblPr>
+              <a:tblGrid>
+                <a:gridCol w="692902">
+                  <a:extLst>
+                    <a:ext uri="{9D8B030D-6E8A-4147-A177-3AD203B41FA5}">
+                      <a16:colId xmlns:a16="http://schemas.microsoft.com/office/drawing/2014/main" val="3959017320"/>
+                    </a:ext>
+                  </a:extLst>
+                </a:gridCol>
+                <a:gridCol w="994458">
+                  <a:extLst>
+                    <a:ext uri="{9D8B030D-6E8A-4147-A177-3AD203B41FA5}">
+                      <a16:colId xmlns:a16="http://schemas.microsoft.com/office/drawing/2014/main" val="2336461049"/>
+                    </a:ext>
+                  </a:extLst>
+                </a:gridCol>
+                <a:gridCol w="970543">
+                  <a:extLst>
+                    <a:ext uri="{9D8B030D-6E8A-4147-A177-3AD203B41FA5}">
+                      <a16:colId xmlns:a16="http://schemas.microsoft.com/office/drawing/2014/main" val="1935105656"/>
+                    </a:ext>
+                  </a:extLst>
+                </a:gridCol>
+                <a:gridCol w="702347">
+                  <a:extLst>
+                    <a:ext uri="{9D8B030D-6E8A-4147-A177-3AD203B41FA5}">
+                      <a16:colId xmlns:a16="http://schemas.microsoft.com/office/drawing/2014/main" val="387857"/>
+                    </a:ext>
+                  </a:extLst>
+                </a:gridCol>
+              </a:tblGrid>
+              <a:tr h="957679">
+                <a:tc>
+                  <a:txBody>
+                    <a:bodyPr/>
+                    <a:lstStyle/>
+                    <a:p>
+                      <a:r>
+                        <a:rPr lang="en-GB" dirty="0"/>
+                        <a:t>Case</a:t>
+                      </a:r>
+                    </a:p>
+                  </a:txBody>
+                  <a:tcPr/>
+                </a:tc>
+                <a:tc>
+                  <a:txBody>
+                    <a:bodyPr/>
+                    <a:lstStyle/>
+                    <a:p>
+                      <a:r>
+                        <a:rPr lang="en-GB" dirty="0"/>
+                        <a:t>Average Swaps</a:t>
+                      </a:r>
+                    </a:p>
+                  </a:txBody>
+                  <a:tcPr/>
+                </a:tc>
+                <a:tc>
+                  <a:txBody>
+                    <a:bodyPr/>
+                    <a:lstStyle/>
+                    <a:p>
+                      <a:r>
+                        <a:rPr lang="en-GB" dirty="0"/>
+                        <a:t>Min Swaps</a:t>
+                      </a:r>
+                    </a:p>
+                  </a:txBody>
+                  <a:tcPr/>
+                </a:tc>
+                <a:tc>
+                  <a:txBody>
+                    <a:bodyPr/>
+                    <a:lstStyle/>
+                    <a:p>
+                      <a:r>
+                        <a:rPr lang="en-GB" dirty="0"/>
+                        <a:t>Max Swaps</a:t>
+                      </a:r>
+                    </a:p>
+                  </a:txBody>
+                  <a:tcPr/>
+                </a:tc>
+                <a:extLst>
+                  <a:ext uri="{0D108BD9-81ED-4DB2-BD59-A6C34878D82A}">
+                    <a16:rowId xmlns:a16="http://schemas.microsoft.com/office/drawing/2014/main" val="126815450"/>
+                  </a:ext>
+                </a:extLst>
+              </a:tr>
+              <a:tr h="318466">
+                <a:tc>
+                  <a:txBody>
+                    <a:bodyPr/>
+                    <a:lstStyle/>
+                    <a:p>
+                      <a:r>
+                        <a:rPr lang="en-GB" sz="1200" dirty="0"/>
+                        <a:t>Reverse Order</a:t>
+                      </a:r>
+                    </a:p>
+                  </a:txBody>
+                  <a:tcPr/>
+                </a:tc>
+                <a:tc>
+                  <a:txBody>
+                    <a:bodyPr/>
+                    <a:lstStyle/>
+                    <a:p>
+                      <a:endParaRPr lang="en-GB" sz="1200" dirty="0"/>
+                    </a:p>
+                  </a:txBody>
+                  <a:tcPr/>
+                </a:tc>
+                <a:tc>
+                  <a:txBody>
+                    <a:bodyPr/>
+                    <a:lstStyle/>
+                    <a:p>
+                      <a:endParaRPr lang="en-GB" sz="1200"/>
+                    </a:p>
+                  </a:txBody>
+                  <a:tcPr/>
+                </a:tc>
+                <a:tc>
+                  <a:txBody>
+                    <a:bodyPr/>
+                    <a:lstStyle/>
+                    <a:p>
+                      <a:endParaRPr lang="en-GB" sz="1200"/>
+                    </a:p>
+                  </a:txBody>
+                  <a:tcPr/>
+                </a:tc>
+                <a:extLst>
+                  <a:ext uri="{0D108BD9-81ED-4DB2-BD59-A6C34878D82A}">
+                    <a16:rowId xmlns:a16="http://schemas.microsoft.com/office/drawing/2014/main" val="4082730715"/>
+                  </a:ext>
+                </a:extLst>
+              </a:tr>
+              <a:tr h="318466">
+                <a:tc>
+                  <a:txBody>
+                    <a:bodyPr/>
+                    <a:lstStyle/>
+                    <a:p>
+                      <a:r>
+                        <a:rPr lang="en-GB" sz="1200" dirty="0"/>
+                        <a:t>Random</a:t>
+                      </a:r>
+                    </a:p>
+                  </a:txBody>
+                  <a:tcPr/>
+                </a:tc>
+                <a:tc>
+                  <a:txBody>
+                    <a:bodyPr/>
+                    <a:lstStyle/>
+                    <a:p>
+                      <a:endParaRPr lang="en-GB" sz="1200" dirty="0"/>
+                    </a:p>
+                  </a:txBody>
+                  <a:tcPr/>
+                </a:tc>
+                <a:tc>
+                  <a:txBody>
+                    <a:bodyPr/>
+                    <a:lstStyle/>
+                    <a:p>
+                      <a:endParaRPr lang="en-GB" sz="1200"/>
+                    </a:p>
+                  </a:txBody>
+                  <a:tcPr/>
+                </a:tc>
+                <a:tc>
+                  <a:txBody>
+                    <a:bodyPr/>
+                    <a:lstStyle/>
+                    <a:p>
+                      <a:endParaRPr lang="en-GB" sz="1200"/>
+                    </a:p>
+                  </a:txBody>
+                  <a:tcPr/>
+                </a:tc>
+                <a:extLst>
+                  <a:ext uri="{0D108BD9-81ED-4DB2-BD59-A6C34878D82A}">
+                    <a16:rowId xmlns:a16="http://schemas.microsoft.com/office/drawing/2014/main" val="3793809036"/>
+                  </a:ext>
+                </a:extLst>
+              </a:tr>
+              <a:tr h="318466">
+                <a:tc>
+                  <a:txBody>
+                    <a:bodyPr/>
+                    <a:lstStyle/>
+                    <a:p>
+                      <a:r>
+                        <a:rPr lang="en-GB" sz="1200" dirty="0"/>
+                        <a:t>Ordered</a:t>
+                      </a:r>
+                    </a:p>
+                  </a:txBody>
+                  <a:tcPr/>
+                </a:tc>
+                <a:tc>
+                  <a:txBody>
+                    <a:bodyPr/>
+                    <a:lstStyle/>
+                    <a:p>
+                      <a:endParaRPr lang="en-GB" sz="1200"/>
+                    </a:p>
+                  </a:txBody>
+                  <a:tcPr/>
+                </a:tc>
+                <a:tc>
+                  <a:txBody>
+                    <a:bodyPr/>
+                    <a:lstStyle/>
+                    <a:p>
+                      <a:endParaRPr lang="en-GB" sz="1200" dirty="0"/>
+                    </a:p>
+                  </a:txBody>
+                  <a:tcPr/>
+                </a:tc>
+                <a:tc>
+                  <a:txBody>
+                    <a:bodyPr/>
+                    <a:lstStyle/>
+                    <a:p>
+                      <a:endParaRPr lang="en-GB" sz="1200" dirty="0"/>
+                    </a:p>
+                  </a:txBody>
+                  <a:tcPr/>
+                </a:tc>
+                <a:extLst>
+                  <a:ext uri="{0D108BD9-81ED-4DB2-BD59-A6C34878D82A}">
+                    <a16:rowId xmlns:a16="http://schemas.microsoft.com/office/drawing/2014/main" val="3688509900"/>
+                  </a:ext>
+                </a:extLst>
+              </a:tr>
+            </a:tbl>
+          </a:graphicData>
+        </a:graphic>
+      </p:graphicFrame>
     </p:spTree>
     <p:extLst>
       <p:ext uri="{BB962C8B-B14F-4D97-AF65-F5344CB8AC3E}">
@@ -4956,31 +9284,40 @@
           </a:p>
         </p:txBody>
       </p:sp>
-      <p:sp>
-        <p:nvSpPr>
-          <p:cNvPr id="3" name="Content Placeholder 2">
+      <p:pic>
+        <p:nvPicPr>
+          <p:cNvPr id="5" name="Content Placeholder 4">
             <a:extLst>
               <a:ext uri="{FF2B5EF4-FFF2-40B4-BE49-F238E27FC236}">
-                <a16:creationId xmlns:a16="http://schemas.microsoft.com/office/drawing/2014/main" id="{D1F89CE2-FB3B-423D-8428-5ED35BC2259B}"/>
+                <a16:creationId xmlns:a16="http://schemas.microsoft.com/office/drawing/2014/main" id="{56C43770-43B9-4A64-A621-92692DF29B7B}"/>
               </a:ext>
             </a:extLst>
           </p:cNvPr>
-          <p:cNvSpPr>
-            <a:spLocks noGrp="1"/>
-          </p:cNvSpPr>
+          <p:cNvPicPr>
+            <a:picLocks noGrp="1" noChangeAspect="1"/>
+          </p:cNvPicPr>
           <p:nvPr>
             <p:ph idx="1"/>
           </p:nvPr>
-        </p:nvSpPr>
-        <p:spPr/>
-        <p:txBody>
-          <a:bodyPr/>
-          <a:lstStyle/>
-          <a:p>
-            <a:endParaRPr lang="en-US"/>
-          </a:p>
-        </p:txBody>
-      </p:sp>
+        </p:nvPicPr>
+        <p:blipFill rotWithShape="1">
+          <a:blip r:embed="rId2">
+            <a:extLst>
+              <a:ext uri="{28A0092B-C50C-407E-A947-70E740481C1C}">
+                <a14:useLocalDpi xmlns:a14="http://schemas.microsoft.com/office/drawing/2010/main" val="0"/>
+              </a:ext>
+            </a:extLst>
+          </a:blip>
+          <a:srcRect l="1892" t="3361" r="1863" b="3973"/>
+          <a:stretch/>
+        </p:blipFill>
+        <p:spPr>
+          <a:xfrm>
+            <a:off x="6815356" y="1690688"/>
+            <a:ext cx="4538444" cy="2701256"/>
+          </a:xfrm>
+        </p:spPr>
+      </p:pic>
     </p:spTree>
     <p:extLst>
       <p:ext uri="{BB962C8B-B14F-4D97-AF65-F5344CB8AC3E}">
@@ -5041,31 +9378,40 @@
           </a:p>
         </p:txBody>
       </p:sp>
-      <p:sp>
-        <p:nvSpPr>
-          <p:cNvPr id="3" name="Content Placeholder 2">
+      <p:pic>
+        <p:nvPicPr>
+          <p:cNvPr id="5" name="Content Placeholder 4">
             <a:extLst>
               <a:ext uri="{FF2B5EF4-FFF2-40B4-BE49-F238E27FC236}">
-                <a16:creationId xmlns:a16="http://schemas.microsoft.com/office/drawing/2014/main" id="{D1F89CE2-FB3B-423D-8428-5ED35BC2259B}"/>
+                <a16:creationId xmlns:a16="http://schemas.microsoft.com/office/drawing/2014/main" id="{E651996C-A5A9-462E-AE81-F67D75527CA7}"/>
               </a:ext>
             </a:extLst>
           </p:cNvPr>
-          <p:cNvSpPr>
-            <a:spLocks noGrp="1"/>
-          </p:cNvSpPr>
+          <p:cNvPicPr>
+            <a:picLocks noGrp="1" noChangeAspect="1"/>
+          </p:cNvPicPr>
           <p:nvPr>
             <p:ph idx="1"/>
           </p:nvPr>
-        </p:nvSpPr>
-        <p:spPr/>
-        <p:txBody>
-          <a:bodyPr/>
-          <a:lstStyle/>
-          <a:p>
-            <a:endParaRPr lang="en-US"/>
-          </a:p>
-        </p:txBody>
-      </p:sp>
+        </p:nvPicPr>
+        <p:blipFill rotWithShape="1">
+          <a:blip r:embed="rId2">
+            <a:extLst>
+              <a:ext uri="{28A0092B-C50C-407E-A947-70E740481C1C}">
+                <a14:useLocalDpi xmlns:a14="http://schemas.microsoft.com/office/drawing/2010/main" val="0"/>
+              </a:ext>
+            </a:extLst>
+          </a:blip>
+          <a:srcRect l="2004" t="1950" r="2155" b="3077"/>
+          <a:stretch/>
+        </p:blipFill>
+        <p:spPr>
+          <a:xfrm>
+            <a:off x="6806967" y="1690688"/>
+            <a:ext cx="4546833" cy="2650921"/>
+          </a:xfrm>
+        </p:spPr>
+      </p:pic>
     </p:spTree>
     <p:extLst>
       <p:ext uri="{BB962C8B-B14F-4D97-AF65-F5344CB8AC3E}">

--- a/CW1/B00759381_CW1.pptx
+++ b/CW1/B00759381_CW1.pptx
@@ -5642,14 +5642,14 @@
           <p:nvPr>
             <p:extLst>
               <p:ext uri="{D42A27DB-BD31-4B8C-83A1-F6EECF244321}">
-                <p14:modId xmlns:p14="http://schemas.microsoft.com/office/powerpoint/2010/main" val="2905537704"/>
+                <p14:modId xmlns:p14="http://schemas.microsoft.com/office/powerpoint/2010/main" val="4048039806"/>
               </p:ext>
             </p:extLst>
           </p:nvPr>
         </p:nvGraphicFramePr>
         <p:xfrm>
-          <a:off x="8160199" y="2843627"/>
-          <a:ext cx="3806514" cy="2051811"/>
+          <a:off x="8153836" y="3275098"/>
+          <a:ext cx="3806514" cy="1612292"/>
         </p:xfrm>
         <a:graphic>
           <a:graphicData uri="http://schemas.openxmlformats.org/drawingml/2006/table">
@@ -5687,14 +5687,14 @@
                   </a:extLst>
                 </a:gridCol>
               </a:tblGrid>
-              <a:tr h="957679">
+              <a:tr h="468628">
                 <a:tc>
                   <a:txBody>
                     <a:bodyPr/>
                     <a:lstStyle/>
                     <a:p>
                       <a:r>
-                        <a:rPr lang="en-GB" dirty="0"/>
+                        <a:rPr lang="en-GB" sz="1400" dirty="0"/>
                         <a:t>Case</a:t>
                       </a:r>
                     </a:p>
@@ -5707,7 +5707,7 @@
                     <a:lstStyle/>
                     <a:p>
                       <a:r>
-                        <a:rPr lang="en-GB" dirty="0"/>
+                        <a:rPr lang="en-GB" sz="1400" dirty="0"/>
                         <a:t>Average Swaps</a:t>
                       </a:r>
                     </a:p>
@@ -5720,7 +5720,7 @@
                     <a:lstStyle/>
                     <a:p>
                       <a:r>
-                        <a:rPr lang="en-GB" dirty="0"/>
+                        <a:rPr lang="en-GB" sz="1400" dirty="0"/>
                         <a:t>Min Swaps</a:t>
                       </a:r>
                     </a:p>
@@ -5733,7 +5733,7 @@
                     <a:lstStyle/>
                     <a:p>
                       <a:r>
-                        <a:rPr lang="en-GB" dirty="0"/>
+                        <a:rPr lang="en-GB" sz="1400" dirty="0"/>
                         <a:t>Max Swaps</a:t>
                       </a:r>
                     </a:p>
@@ -5765,7 +5765,10 @@
                     <a:bodyPr/>
                     <a:lstStyle/>
                     <a:p>
-                      <a:endParaRPr lang="en-GB" sz="1200" dirty="0"/>
+                      <a:r>
+                        <a:rPr lang="en-GB" sz="1200" dirty="0"/>
+                        <a:t>0</a:t>
+                      </a:r>
                     </a:p>
                   </a:txBody>
                   <a:tcPr/>
@@ -5775,7 +5778,10 @@
                     <a:bodyPr/>
                     <a:lstStyle/>
                     <a:p>
-                      <a:endParaRPr lang="en-GB" sz="1200"/>
+                      <a:r>
+                        <a:rPr lang="en-GB" sz="1200" dirty="0"/>
+                        <a:t>0</a:t>
+                      </a:r>
                     </a:p>
                   </a:txBody>
                   <a:tcPr/>
@@ -5785,7 +5791,10 @@
                     <a:bodyPr/>
                     <a:lstStyle/>
                     <a:p>
-                      <a:endParaRPr lang="en-GB" sz="1200"/>
+                      <a:r>
+                        <a:rPr lang="en-GB" sz="1200" dirty="0"/>
+                        <a:t>0</a:t>
+                      </a:r>
                     </a:p>
                   </a:txBody>
                   <a:tcPr/>
@@ -5900,6 +5909,217 @@
           </a:graphicData>
         </a:graphic>
       </p:graphicFrame>
+      <p:sp>
+        <p:nvSpPr>
+          <p:cNvPr id="10" name="Content Placeholder 2">
+            <a:extLst>
+              <a:ext uri="{FF2B5EF4-FFF2-40B4-BE49-F238E27FC236}">
+                <a16:creationId xmlns:a16="http://schemas.microsoft.com/office/drawing/2014/main" id="{2EB42157-2D33-4245-BCE9-CFFD9CBAC191}"/>
+              </a:ext>
+            </a:extLst>
+          </p:cNvPr>
+          <p:cNvSpPr txBox="1">
+            <a:spLocks/>
+          </p:cNvSpPr>
+          <p:nvPr/>
+        </p:nvSpPr>
+        <p:spPr>
+          <a:xfrm>
+            <a:off x="8189842" y="1182804"/>
+            <a:ext cx="3776871" cy="2030180"/>
+          </a:xfrm>
+          <a:prstGeom prst="rect">
+            <a:avLst/>
+          </a:prstGeom>
+        </p:spPr>
+        <p:txBody>
+          <a:bodyPr vert="horz" lIns="91440" tIns="45720" rIns="91440" bIns="45720" rtlCol="0">
+            <a:normAutofit fontScale="92500" lnSpcReduction="20000"/>
+          </a:bodyPr>
+          <a:lstStyle>
+            <a:lvl1pPr marL="228600" indent="-228600" algn="l" defTabSz="914400" rtl="0" eaLnBrk="1" latinLnBrk="0" hangingPunct="1">
+              <a:lnSpc>
+                <a:spcPct val="90000"/>
+              </a:lnSpc>
+              <a:spcBef>
+                <a:spcPts val="1000"/>
+              </a:spcBef>
+              <a:buFont typeface="Arial" panose="020B0604020202020204" pitchFamily="34" charset="0"/>
+              <a:buChar char="•"/>
+              <a:defRPr sz="2800" kern="1200">
+                <a:solidFill>
+                  <a:schemeClr val="tx1"/>
+                </a:solidFill>
+                <a:latin typeface="+mn-lt"/>
+                <a:ea typeface="+mn-ea"/>
+                <a:cs typeface="+mn-cs"/>
+              </a:defRPr>
+            </a:lvl1pPr>
+            <a:lvl2pPr marL="685800" indent="-228600" algn="l" defTabSz="914400" rtl="0" eaLnBrk="1" latinLnBrk="0" hangingPunct="1">
+              <a:lnSpc>
+                <a:spcPct val="90000"/>
+              </a:lnSpc>
+              <a:spcBef>
+                <a:spcPts val="500"/>
+              </a:spcBef>
+              <a:buFont typeface="Arial" panose="020B0604020202020204" pitchFamily="34" charset="0"/>
+              <a:buChar char="•"/>
+              <a:defRPr sz="2400" kern="1200">
+                <a:solidFill>
+                  <a:schemeClr val="tx1"/>
+                </a:solidFill>
+                <a:latin typeface="+mn-lt"/>
+                <a:ea typeface="+mn-ea"/>
+                <a:cs typeface="+mn-cs"/>
+              </a:defRPr>
+            </a:lvl2pPr>
+            <a:lvl3pPr marL="1143000" indent="-228600" algn="l" defTabSz="914400" rtl="0" eaLnBrk="1" latinLnBrk="0" hangingPunct="1">
+              <a:lnSpc>
+                <a:spcPct val="90000"/>
+              </a:lnSpc>
+              <a:spcBef>
+                <a:spcPts val="500"/>
+              </a:spcBef>
+              <a:buFont typeface="Arial" panose="020B0604020202020204" pitchFamily="34" charset="0"/>
+              <a:buChar char="•"/>
+              <a:defRPr sz="2000" kern="1200">
+                <a:solidFill>
+                  <a:schemeClr val="tx1"/>
+                </a:solidFill>
+                <a:latin typeface="+mn-lt"/>
+                <a:ea typeface="+mn-ea"/>
+                <a:cs typeface="+mn-cs"/>
+              </a:defRPr>
+            </a:lvl3pPr>
+            <a:lvl4pPr marL="1600200" indent="-228600" algn="l" defTabSz="914400" rtl="0" eaLnBrk="1" latinLnBrk="0" hangingPunct="1">
+              <a:lnSpc>
+                <a:spcPct val="90000"/>
+              </a:lnSpc>
+              <a:spcBef>
+                <a:spcPts val="500"/>
+              </a:spcBef>
+              <a:buFont typeface="Arial" panose="020B0604020202020204" pitchFamily="34" charset="0"/>
+              <a:buChar char="•"/>
+              <a:defRPr sz="1800" kern="1200">
+                <a:solidFill>
+                  <a:schemeClr val="tx1"/>
+                </a:solidFill>
+                <a:latin typeface="+mn-lt"/>
+                <a:ea typeface="+mn-ea"/>
+                <a:cs typeface="+mn-cs"/>
+              </a:defRPr>
+            </a:lvl4pPr>
+            <a:lvl5pPr marL="2057400" indent="-228600" algn="l" defTabSz="914400" rtl="0" eaLnBrk="1" latinLnBrk="0" hangingPunct="1">
+              <a:lnSpc>
+                <a:spcPct val="90000"/>
+              </a:lnSpc>
+              <a:spcBef>
+                <a:spcPts val="500"/>
+              </a:spcBef>
+              <a:buFont typeface="Arial" panose="020B0604020202020204" pitchFamily="34" charset="0"/>
+              <a:buChar char="•"/>
+              <a:defRPr sz="1800" kern="1200">
+                <a:solidFill>
+                  <a:schemeClr val="tx1"/>
+                </a:solidFill>
+                <a:latin typeface="+mn-lt"/>
+                <a:ea typeface="+mn-ea"/>
+                <a:cs typeface="+mn-cs"/>
+              </a:defRPr>
+            </a:lvl5pPr>
+            <a:lvl6pPr marL="2514600" indent="-228600" algn="l" defTabSz="914400" rtl="0" eaLnBrk="1" latinLnBrk="0" hangingPunct="1">
+              <a:lnSpc>
+                <a:spcPct val="90000"/>
+              </a:lnSpc>
+              <a:spcBef>
+                <a:spcPts val="500"/>
+              </a:spcBef>
+              <a:buFont typeface="Arial" panose="020B0604020202020204" pitchFamily="34" charset="0"/>
+              <a:buChar char="•"/>
+              <a:defRPr sz="1800" kern="1200">
+                <a:solidFill>
+                  <a:schemeClr val="tx1"/>
+                </a:solidFill>
+                <a:latin typeface="+mn-lt"/>
+                <a:ea typeface="+mn-ea"/>
+                <a:cs typeface="+mn-cs"/>
+              </a:defRPr>
+            </a:lvl6pPr>
+            <a:lvl7pPr marL="2971800" indent="-228600" algn="l" defTabSz="914400" rtl="0" eaLnBrk="1" latinLnBrk="0" hangingPunct="1">
+              <a:lnSpc>
+                <a:spcPct val="90000"/>
+              </a:lnSpc>
+              <a:spcBef>
+                <a:spcPts val="500"/>
+              </a:spcBef>
+              <a:buFont typeface="Arial" panose="020B0604020202020204" pitchFamily="34" charset="0"/>
+              <a:buChar char="•"/>
+              <a:defRPr sz="1800" kern="1200">
+                <a:solidFill>
+                  <a:schemeClr val="tx1"/>
+                </a:solidFill>
+                <a:latin typeface="+mn-lt"/>
+                <a:ea typeface="+mn-ea"/>
+                <a:cs typeface="+mn-cs"/>
+              </a:defRPr>
+            </a:lvl7pPr>
+            <a:lvl8pPr marL="3429000" indent="-228600" algn="l" defTabSz="914400" rtl="0" eaLnBrk="1" latinLnBrk="0" hangingPunct="1">
+              <a:lnSpc>
+                <a:spcPct val="90000"/>
+              </a:lnSpc>
+              <a:spcBef>
+                <a:spcPts val="500"/>
+              </a:spcBef>
+              <a:buFont typeface="Arial" panose="020B0604020202020204" pitchFamily="34" charset="0"/>
+              <a:buChar char="•"/>
+              <a:defRPr sz="1800" kern="1200">
+                <a:solidFill>
+                  <a:schemeClr val="tx1"/>
+                </a:solidFill>
+                <a:latin typeface="+mn-lt"/>
+                <a:ea typeface="+mn-ea"/>
+                <a:cs typeface="+mn-cs"/>
+              </a:defRPr>
+            </a:lvl8pPr>
+            <a:lvl9pPr marL="3886200" indent="-228600" algn="l" defTabSz="914400" rtl="0" eaLnBrk="1" latinLnBrk="0" hangingPunct="1">
+              <a:lnSpc>
+                <a:spcPct val="90000"/>
+              </a:lnSpc>
+              <a:spcBef>
+                <a:spcPts val="500"/>
+              </a:spcBef>
+              <a:buFont typeface="Arial" panose="020B0604020202020204" pitchFamily="34" charset="0"/>
+              <a:buChar char="•"/>
+              <a:defRPr sz="1800" kern="1200">
+                <a:solidFill>
+                  <a:schemeClr val="tx1"/>
+                </a:solidFill>
+                <a:latin typeface="+mn-lt"/>
+                <a:ea typeface="+mn-ea"/>
+                <a:cs typeface="+mn-cs"/>
+              </a:defRPr>
+            </a:lvl9pPr>
+          </a:lstStyle>
+          <a:p>
+            <a:r>
+              <a:rPr lang="en-US" sz="1400" dirty="0"/>
+              <a:t>The table below shows how the algorithm performs in worst, average and best-case scenarios.</a:t>
+            </a:r>
+          </a:p>
+          <a:p>
+            <a:r>
+              <a:rPr lang="en-US" sz="1400" dirty="0"/>
+              <a:t>To do this I manually entered an array in of length 10, with values 1-10 in descending order, then in random order and finally in ascending order.</a:t>
+            </a:r>
+          </a:p>
+          <a:p>
+            <a:r>
+              <a:rPr lang="en-US" sz="1400" dirty="0"/>
+              <a:t>Ascending and descending order will return the same number of swaps regardless of how many times the algorithm is run. However different random order arrays will require different numbers of swaps, so I ran this 100 times to get an average…</a:t>
+            </a:r>
+          </a:p>
+        </p:txBody>
+      </p:sp>
     </p:spTree>
     <p:extLst>
       <p:ext uri="{BB962C8B-B14F-4D97-AF65-F5344CB8AC3E}">
@@ -6737,7 +6957,7 @@
         </p:spPr>
         <p:txBody>
           <a:bodyPr vert="horz" lIns="91440" tIns="45720" rIns="91440" bIns="45720" rtlCol="0">
-            <a:normAutofit fontScale="77500" lnSpcReduction="20000"/>
+            <a:normAutofit fontScale="55000" lnSpcReduction="20000"/>
           </a:bodyPr>
           <a:lstStyle>
             <a:lvl1pPr marL="228600" indent="-228600" algn="l" defTabSz="914400" rtl="0" eaLnBrk="1" latinLnBrk="0" hangingPunct="1">
@@ -6907,8 +7127,33 @@
             <a:pPr algn="just"/>
             <a:r>
               <a:rPr lang="en-US" dirty="0"/>
-              <a:t>vvvvvvvvvvvvvvvvvvvvvvvvvvvvvvvvvvvvvvvvvvvvvvvvvvvvvvvvvvvvvvvvvvvvvvvvvvvvvvvvvvvvvvvvvvvvvvvvvvvvvvvvvvvvvvvvvvvvvvvvvvvvvvvvvvvvvvvvvvvvvvvvvvvvvvvvvvvvvvvvvvvvvvvvvvvvvvvvvvvvvvvvvvvvvvvvvvvvvvvvvvvvvvvvvvvvvvvv</a:t>
-            </a:r>
+              <a:t>The graph above shows average completion time for the algorithm on an arrays of length 25-5000 in intervals of 25. </a:t>
+            </a:r>
+          </a:p>
+          <a:p>
+            <a:pPr algn="just"/>
+            <a:r>
+              <a:rPr lang="en-US" dirty="0"/>
+              <a:t>The highest point on the graph seems to be an anomaly but for reference, it is near 0.0016 seconds. Possibly caused by other process being run at the same time.</a:t>
+            </a:r>
+          </a:p>
+          <a:p>
+            <a:pPr algn="just"/>
+            <a:r>
+              <a:rPr lang="en-US" dirty="0"/>
+              <a:t>This matric also shows a curved result line indicating exponential growth, like the results of the comparisons test.</a:t>
+            </a:r>
+          </a:p>
+          <a:p>
+            <a:pPr algn="just"/>
+            <a:r>
+              <a:rPr lang="en-US" dirty="0"/>
+              <a:t>Each time was obtained from an average over 10 iterations of the test.  </a:t>
+            </a:r>
+          </a:p>
+          <a:p>
+            <a:pPr algn="just"/>
+            <a:endParaRPr lang="en-US" dirty="0"/>
           </a:p>
           <a:p>
             <a:endParaRPr lang="en-US" dirty="0"/>
@@ -6932,7 +7177,7 @@
         <p:spPr>
           <a:xfrm>
             <a:off x="838196" y="1741666"/>
-            <a:ext cx="3752661" cy="2525534"/>
+            <a:ext cx="3752661" cy="2376156"/>
           </a:xfrm>
           <a:prstGeom prst="rect">
             <a:avLst/>
@@ -6940,7 +7185,7 @@
         </p:spPr>
         <p:txBody>
           <a:bodyPr vert="horz" lIns="91440" tIns="45720" rIns="91440" bIns="45720" rtlCol="0">
-            <a:normAutofit fontScale="77500" lnSpcReduction="20000"/>
+            <a:normAutofit fontScale="55000" lnSpcReduction="20000"/>
           </a:bodyPr>
           <a:lstStyle>
             <a:lvl1pPr marL="228600" indent="-228600" algn="l" defTabSz="914400" rtl="0" eaLnBrk="1" latinLnBrk="0" hangingPunct="1">
@@ -7110,8 +7355,26 @@
             <a:pPr algn="just"/>
             <a:r>
               <a:rPr lang="en-US" dirty="0"/>
-              <a:t>vvvvvvvvvvvvvvvvvvvvvvvvvvvvvvvvvvvvvvvvvvvvvvvvvvvvvvvvvvvvvvvvvvvvvvvvvvvvvvvvvvvvvvvvvvvvvvvvvvvvvvvvvvvvvvvvvvvvvvvvvvvvvvvvvvvvvvvvvvvvvvvvvvvvvvvvvvvvvvvvvvvvvvvvvvvvvvvvvvvvvvvvvvvvvvvvvvvvvvvvvvvvvvvvvvvvvvvv</a:t>
-            </a:r>
+              <a:t>The graph below demonstrates the number of comparisons required to sort an unordered array, against array length (up to 5000 in intervals of 25).</a:t>
+            </a:r>
+          </a:p>
+          <a:p>
+            <a:pPr algn="just"/>
+            <a:r>
+              <a:rPr lang="en-US" dirty="0"/>
+              <a:t> This graph shows that the number of comparisons is rising exponentially with the array length.  This is why selection Sort is said to be O(n^2) regardless of the order the array is in. </a:t>
+            </a:r>
+          </a:p>
+          <a:p>
+            <a:pPr algn="just"/>
+            <a:r>
+              <a:rPr lang="en-US" dirty="0"/>
+              <a:t>Selection sort lends itself to being written in a recursive form. This was not implemented however in this case.</a:t>
+            </a:r>
+          </a:p>
+          <a:p>
+            <a:pPr algn="just"/>
+            <a:endParaRPr lang="en-US" dirty="0"/>
           </a:p>
           <a:p>
             <a:endParaRPr lang="en-US" dirty="0"/>
@@ -7163,7 +7426,7 @@
           <p:nvPr>
             <p:extLst>
               <p:ext uri="{D42A27DB-BD31-4B8C-83A1-F6EECF244321}">
-                <p14:modId xmlns:p14="http://schemas.microsoft.com/office/powerpoint/2010/main" val="3538168196"/>
+                <p14:modId xmlns:p14="http://schemas.microsoft.com/office/powerpoint/2010/main" val="1007648948"/>
               </p:ext>
             </p:extLst>
           </p:nvPr>
@@ -7314,7 +7577,7 @@
                     <a:p>
                       <a:r>
                         <a:rPr lang="en-GB" dirty="0"/>
-                        <a:t>O(n)</a:t>
+                        <a:t>O(n^2)</a:t>
                       </a:r>
                     </a:p>
                   </a:txBody>
@@ -7345,14 +7608,14 @@
           <p:nvPr>
             <p:extLst>
               <p:ext uri="{D42A27DB-BD31-4B8C-83A1-F6EECF244321}">
-                <p14:modId xmlns:p14="http://schemas.microsoft.com/office/powerpoint/2010/main" val="3988860962"/>
+                <p14:modId xmlns:p14="http://schemas.microsoft.com/office/powerpoint/2010/main" val="2663540532"/>
               </p:ext>
             </p:extLst>
           </p:nvPr>
         </p:nvGraphicFramePr>
         <p:xfrm>
-          <a:off x="8526950" y="2671452"/>
-          <a:ext cx="3360250" cy="2329279"/>
+          <a:off x="8526950" y="3649450"/>
+          <a:ext cx="3360251" cy="1332664"/>
         </p:xfrm>
         <a:graphic>
           <a:graphicData uri="http://schemas.openxmlformats.org/drawingml/2006/table">
@@ -7361,36 +7624,22 @@
                 <a:tableStyleId>{073A0DAA-6AF3-43AB-8588-CEC1D06C72B9}</a:tableStyleId>
               </a:tblPr>
               <a:tblGrid>
-                <a:gridCol w="692902">
+                <a:gridCol w="1682452">
                   <a:extLst>
                     <a:ext uri="{9D8B030D-6E8A-4147-A177-3AD203B41FA5}">
                       <a16:colId xmlns:a16="http://schemas.microsoft.com/office/drawing/2014/main" val="3959017320"/>
                     </a:ext>
                   </a:extLst>
                 </a:gridCol>
-                <a:gridCol w="994458">
+                <a:gridCol w="1677799">
                   <a:extLst>
                     <a:ext uri="{9D8B030D-6E8A-4147-A177-3AD203B41FA5}">
                       <a16:colId xmlns:a16="http://schemas.microsoft.com/office/drawing/2014/main" val="2336461049"/>
                     </a:ext>
                   </a:extLst>
                 </a:gridCol>
-                <a:gridCol w="970543">
-                  <a:extLst>
-                    <a:ext uri="{9D8B030D-6E8A-4147-A177-3AD203B41FA5}">
-                      <a16:colId xmlns:a16="http://schemas.microsoft.com/office/drawing/2014/main" val="1935105656"/>
-                    </a:ext>
-                  </a:extLst>
-                </a:gridCol>
-                <a:gridCol w="702347">
-                  <a:extLst>
-                    <a:ext uri="{9D8B030D-6E8A-4147-A177-3AD203B41FA5}">
-                      <a16:colId xmlns:a16="http://schemas.microsoft.com/office/drawing/2014/main" val="387857"/>
-                    </a:ext>
-                  </a:extLst>
-                </a:gridCol>
               </a:tblGrid>
-              <a:tr h="957679">
+              <a:tr h="377266">
                 <a:tc>
                   <a:txBody>
                     <a:bodyPr/>
@@ -7412,32 +7661,6 @@
                       <a:r>
                         <a:rPr lang="en-GB" dirty="0"/>
                         <a:t>Average Swaps</a:t>
-                      </a:r>
-                    </a:p>
-                  </a:txBody>
-                  <a:tcPr/>
-                </a:tc>
-                <a:tc>
-                  <a:txBody>
-                    <a:bodyPr/>
-                    <a:lstStyle/>
-                    <a:p>
-                      <a:r>
-                        <a:rPr lang="en-GB" dirty="0"/>
-                        <a:t>Min Swaps</a:t>
-                      </a:r>
-                    </a:p>
-                  </a:txBody>
-                  <a:tcPr/>
-                </a:tc>
-                <a:tc>
-                  <a:txBody>
-                    <a:bodyPr/>
-                    <a:lstStyle/>
-                    <a:p>
-                      <a:r>
-                        <a:rPr lang="en-GB" dirty="0"/>
-                        <a:t>Max Swaps</a:t>
                       </a:r>
                     </a:p>
                   </a:txBody>
@@ -7473,26 +7696,6 @@
                   </a:txBody>
                   <a:tcPr/>
                 </a:tc>
-                <a:tc>
-                  <a:txBody>
-                    <a:bodyPr/>
-                    <a:lstStyle/>
-                    <a:p>
-                      <a:endParaRPr lang="en-GB" sz="1200"/>
-                    </a:p>
-                  </a:txBody>
-                  <a:tcPr/>
-                </a:tc>
-                <a:tc>
-                  <a:txBody>
-                    <a:bodyPr/>
-                    <a:lstStyle/>
-                    <a:p>
-                      <a:endParaRPr lang="en-GB" sz="1200"/>
-                    </a:p>
-                  </a:txBody>
-                  <a:tcPr/>
-                </a:tc>
                 <a:extLst>
                   <a:ext uri="{0D108BD9-81ED-4DB2-BD59-A6C34878D82A}">
                     <a16:rowId xmlns:a16="http://schemas.microsoft.com/office/drawing/2014/main" val="4082730715"/>
@@ -7523,26 +7726,6 @@
                   </a:txBody>
                   <a:tcPr/>
                 </a:tc>
-                <a:tc>
-                  <a:txBody>
-                    <a:bodyPr/>
-                    <a:lstStyle/>
-                    <a:p>
-                      <a:endParaRPr lang="en-GB" sz="1200"/>
-                    </a:p>
-                  </a:txBody>
-                  <a:tcPr/>
-                </a:tc>
-                <a:tc>
-                  <a:txBody>
-                    <a:bodyPr/>
-                    <a:lstStyle/>
-                    <a:p>
-                      <a:endParaRPr lang="en-GB" sz="1200"/>
-                    </a:p>
-                  </a:txBody>
-                  <a:tcPr/>
-                </a:tc>
                 <a:extLst>
                   <a:ext uri="{0D108BD9-81ED-4DB2-BD59-A6C34878D82A}">
                     <a16:rowId xmlns:a16="http://schemas.microsoft.com/office/drawing/2014/main" val="3793809036"/>
@@ -7568,26 +7751,6 @@
                     <a:bodyPr/>
                     <a:lstStyle/>
                     <a:p>
-                      <a:endParaRPr lang="en-GB" sz="1200"/>
-                    </a:p>
-                  </a:txBody>
-                  <a:tcPr/>
-                </a:tc>
-                <a:tc>
-                  <a:txBody>
-                    <a:bodyPr/>
-                    <a:lstStyle/>
-                    <a:p>
-                      <a:endParaRPr lang="en-GB" sz="1200" dirty="0"/>
-                    </a:p>
-                  </a:txBody>
-                  <a:tcPr/>
-                </a:tc>
-                <a:tc>
-                  <a:txBody>
-                    <a:bodyPr/>
-                    <a:lstStyle/>
-                    <a:p>
                       <a:endParaRPr lang="en-GB" sz="1200" dirty="0"/>
                     </a:p>
                   </a:txBody>
@@ -7603,6 +7766,221 @@
           </a:graphicData>
         </a:graphic>
       </p:graphicFrame>
+      <p:sp>
+        <p:nvSpPr>
+          <p:cNvPr id="9" name="Content Placeholder 2">
+            <a:extLst>
+              <a:ext uri="{FF2B5EF4-FFF2-40B4-BE49-F238E27FC236}">
+                <a16:creationId xmlns:a16="http://schemas.microsoft.com/office/drawing/2014/main" id="{EA1DBA39-1FD2-4A8D-9C56-0E90D82AB934}"/>
+              </a:ext>
+            </a:extLst>
+          </p:cNvPr>
+          <p:cNvSpPr txBox="1">
+            <a:spLocks/>
+          </p:cNvSpPr>
+          <p:nvPr/>
+        </p:nvSpPr>
+        <p:spPr>
+          <a:xfrm>
+            <a:off x="8526950" y="1741666"/>
+            <a:ext cx="3360251" cy="1781743"/>
+          </a:xfrm>
+          <a:prstGeom prst="rect">
+            <a:avLst/>
+          </a:prstGeom>
+        </p:spPr>
+        <p:txBody>
+          <a:bodyPr vert="horz" lIns="91440" tIns="45720" rIns="91440" bIns="45720" rtlCol="0">
+            <a:normAutofit fontScale="55000" lnSpcReduction="20000"/>
+          </a:bodyPr>
+          <a:lstStyle>
+            <a:lvl1pPr marL="228600" indent="-228600" algn="l" defTabSz="914400" rtl="0" eaLnBrk="1" latinLnBrk="0" hangingPunct="1">
+              <a:lnSpc>
+                <a:spcPct val="90000"/>
+              </a:lnSpc>
+              <a:spcBef>
+                <a:spcPts val="1000"/>
+              </a:spcBef>
+              <a:buFont typeface="Arial" panose="020B0604020202020204" pitchFamily="34" charset="0"/>
+              <a:buChar char="•"/>
+              <a:defRPr sz="2800" kern="1200">
+                <a:solidFill>
+                  <a:schemeClr val="tx1"/>
+                </a:solidFill>
+                <a:latin typeface="+mn-lt"/>
+                <a:ea typeface="+mn-ea"/>
+                <a:cs typeface="+mn-cs"/>
+              </a:defRPr>
+            </a:lvl1pPr>
+            <a:lvl2pPr marL="685800" indent="-228600" algn="l" defTabSz="914400" rtl="0" eaLnBrk="1" latinLnBrk="0" hangingPunct="1">
+              <a:lnSpc>
+                <a:spcPct val="90000"/>
+              </a:lnSpc>
+              <a:spcBef>
+                <a:spcPts val="500"/>
+              </a:spcBef>
+              <a:buFont typeface="Arial" panose="020B0604020202020204" pitchFamily="34" charset="0"/>
+              <a:buChar char="•"/>
+              <a:defRPr sz="2400" kern="1200">
+                <a:solidFill>
+                  <a:schemeClr val="tx1"/>
+                </a:solidFill>
+                <a:latin typeface="+mn-lt"/>
+                <a:ea typeface="+mn-ea"/>
+                <a:cs typeface="+mn-cs"/>
+              </a:defRPr>
+            </a:lvl2pPr>
+            <a:lvl3pPr marL="1143000" indent="-228600" algn="l" defTabSz="914400" rtl="0" eaLnBrk="1" latinLnBrk="0" hangingPunct="1">
+              <a:lnSpc>
+                <a:spcPct val="90000"/>
+              </a:lnSpc>
+              <a:spcBef>
+                <a:spcPts val="500"/>
+              </a:spcBef>
+              <a:buFont typeface="Arial" panose="020B0604020202020204" pitchFamily="34" charset="0"/>
+              <a:buChar char="•"/>
+              <a:defRPr sz="2000" kern="1200">
+                <a:solidFill>
+                  <a:schemeClr val="tx1"/>
+                </a:solidFill>
+                <a:latin typeface="+mn-lt"/>
+                <a:ea typeface="+mn-ea"/>
+                <a:cs typeface="+mn-cs"/>
+              </a:defRPr>
+            </a:lvl3pPr>
+            <a:lvl4pPr marL="1600200" indent="-228600" algn="l" defTabSz="914400" rtl="0" eaLnBrk="1" latinLnBrk="0" hangingPunct="1">
+              <a:lnSpc>
+                <a:spcPct val="90000"/>
+              </a:lnSpc>
+              <a:spcBef>
+                <a:spcPts val="500"/>
+              </a:spcBef>
+              <a:buFont typeface="Arial" panose="020B0604020202020204" pitchFamily="34" charset="0"/>
+              <a:buChar char="•"/>
+              <a:defRPr sz="1800" kern="1200">
+                <a:solidFill>
+                  <a:schemeClr val="tx1"/>
+                </a:solidFill>
+                <a:latin typeface="+mn-lt"/>
+                <a:ea typeface="+mn-ea"/>
+                <a:cs typeface="+mn-cs"/>
+              </a:defRPr>
+            </a:lvl4pPr>
+            <a:lvl5pPr marL="2057400" indent="-228600" algn="l" defTabSz="914400" rtl="0" eaLnBrk="1" latinLnBrk="0" hangingPunct="1">
+              <a:lnSpc>
+                <a:spcPct val="90000"/>
+              </a:lnSpc>
+              <a:spcBef>
+                <a:spcPts val="500"/>
+              </a:spcBef>
+              <a:buFont typeface="Arial" panose="020B0604020202020204" pitchFamily="34" charset="0"/>
+              <a:buChar char="•"/>
+              <a:defRPr sz="1800" kern="1200">
+                <a:solidFill>
+                  <a:schemeClr val="tx1"/>
+                </a:solidFill>
+                <a:latin typeface="+mn-lt"/>
+                <a:ea typeface="+mn-ea"/>
+                <a:cs typeface="+mn-cs"/>
+              </a:defRPr>
+            </a:lvl5pPr>
+            <a:lvl6pPr marL="2514600" indent="-228600" algn="l" defTabSz="914400" rtl="0" eaLnBrk="1" latinLnBrk="0" hangingPunct="1">
+              <a:lnSpc>
+                <a:spcPct val="90000"/>
+              </a:lnSpc>
+              <a:spcBef>
+                <a:spcPts val="500"/>
+              </a:spcBef>
+              <a:buFont typeface="Arial" panose="020B0604020202020204" pitchFamily="34" charset="0"/>
+              <a:buChar char="•"/>
+              <a:defRPr sz="1800" kern="1200">
+                <a:solidFill>
+                  <a:schemeClr val="tx1"/>
+                </a:solidFill>
+                <a:latin typeface="+mn-lt"/>
+                <a:ea typeface="+mn-ea"/>
+                <a:cs typeface="+mn-cs"/>
+              </a:defRPr>
+            </a:lvl6pPr>
+            <a:lvl7pPr marL="2971800" indent="-228600" algn="l" defTabSz="914400" rtl="0" eaLnBrk="1" latinLnBrk="0" hangingPunct="1">
+              <a:lnSpc>
+                <a:spcPct val="90000"/>
+              </a:lnSpc>
+              <a:spcBef>
+                <a:spcPts val="500"/>
+              </a:spcBef>
+              <a:buFont typeface="Arial" panose="020B0604020202020204" pitchFamily="34" charset="0"/>
+              <a:buChar char="•"/>
+              <a:defRPr sz="1800" kern="1200">
+                <a:solidFill>
+                  <a:schemeClr val="tx1"/>
+                </a:solidFill>
+                <a:latin typeface="+mn-lt"/>
+                <a:ea typeface="+mn-ea"/>
+                <a:cs typeface="+mn-cs"/>
+              </a:defRPr>
+            </a:lvl7pPr>
+            <a:lvl8pPr marL="3429000" indent="-228600" algn="l" defTabSz="914400" rtl="0" eaLnBrk="1" latinLnBrk="0" hangingPunct="1">
+              <a:lnSpc>
+                <a:spcPct val="90000"/>
+              </a:lnSpc>
+              <a:spcBef>
+                <a:spcPts val="500"/>
+              </a:spcBef>
+              <a:buFont typeface="Arial" panose="020B0604020202020204" pitchFamily="34" charset="0"/>
+              <a:buChar char="•"/>
+              <a:defRPr sz="1800" kern="1200">
+                <a:solidFill>
+                  <a:schemeClr val="tx1"/>
+                </a:solidFill>
+                <a:latin typeface="+mn-lt"/>
+                <a:ea typeface="+mn-ea"/>
+                <a:cs typeface="+mn-cs"/>
+              </a:defRPr>
+            </a:lvl8pPr>
+            <a:lvl9pPr marL="3886200" indent="-228600" algn="l" defTabSz="914400" rtl="0" eaLnBrk="1" latinLnBrk="0" hangingPunct="1">
+              <a:lnSpc>
+                <a:spcPct val="90000"/>
+              </a:lnSpc>
+              <a:spcBef>
+                <a:spcPts val="500"/>
+              </a:spcBef>
+              <a:buFont typeface="Arial" panose="020B0604020202020204" pitchFamily="34" charset="0"/>
+              <a:buChar char="•"/>
+              <a:defRPr sz="1800" kern="1200">
+                <a:solidFill>
+                  <a:schemeClr val="tx1"/>
+                </a:solidFill>
+                <a:latin typeface="+mn-lt"/>
+                <a:ea typeface="+mn-ea"/>
+                <a:cs typeface="+mn-cs"/>
+              </a:defRPr>
+            </a:lvl9pPr>
+          </a:lstStyle>
+          <a:p>
+            <a:pPr algn="just"/>
+            <a:endParaRPr lang="en-US" dirty="0"/>
+          </a:p>
+          <a:p>
+            <a:pPr algn="just"/>
+            <a:r>
+              <a:rPr lang="en-US" dirty="0"/>
+              <a:t>The table below shows the average number of swaps a selection sort takes to order an unordered list. </a:t>
+            </a:r>
+          </a:p>
+          <a:p>
+            <a:pPr algn="just"/>
+            <a:r>
+              <a:rPr lang="en-US" dirty="0"/>
+              <a:t>Reverse order and Ordered return the same results constantly, however random order was repeated 100 times to obtain an average.</a:t>
+            </a:r>
+          </a:p>
+          <a:p>
+            <a:pPr algn="just"/>
+            <a:endParaRPr lang="en-US" dirty="0"/>
+          </a:p>
+        </p:txBody>
+      </p:sp>
     </p:spTree>
     <p:extLst>
       <p:ext uri="{BB962C8B-B14F-4D97-AF65-F5344CB8AC3E}">
@@ -8319,8 +8697,8 @@
         </p:blipFill>
         <p:spPr>
           <a:xfrm>
-            <a:off x="838201" y="1951184"/>
-            <a:ext cx="3895987" cy="2270845"/>
+            <a:off x="838202" y="1951185"/>
+            <a:ext cx="3582796" cy="2088296"/>
           </a:xfrm>
           <a:prstGeom prst="rect">
             <a:avLst/>
@@ -8343,8 +8721,8 @@
         </p:nvSpPr>
         <p:spPr>
           <a:xfrm>
-            <a:off x="922790" y="4302379"/>
-            <a:ext cx="6312016" cy="2377259"/>
+            <a:off x="922790" y="4302380"/>
+            <a:ext cx="3582796" cy="2118132"/>
           </a:xfrm>
           <a:prstGeom prst="rect">
             <a:avLst/>
@@ -8352,7 +8730,7 @@
         </p:spPr>
         <p:txBody>
           <a:bodyPr vert="horz" lIns="91440" tIns="45720" rIns="91440" bIns="45720" rtlCol="0">
-            <a:normAutofit lnSpcReduction="10000"/>
+            <a:normAutofit fontScale="77500" lnSpcReduction="20000"/>
           </a:bodyPr>
           <a:lstStyle>
             <a:lvl1pPr marL="228600" indent="-228600" algn="l" defTabSz="914400" rtl="0" eaLnBrk="1" latinLnBrk="0" hangingPunct="1">
@@ -8522,8 +8900,19 @@
             <a:pPr algn="just"/>
             <a:r>
               <a:rPr lang="en-US" dirty="0"/>
-              <a:t>vvvvvvvvvvvvvvvvvvvvvvvvvvvvvvvvvvvvvvvvvvvvvvvvvvvvvvvvvvvvvvvvvvvvvvvvvvvvvvvvvvvvvvvvvvvvvvvvvvvvvvvvvvvvvvvvvvvvvvvvvvvvvvvvvvvvvvvvvvvvvvvvvvvvvvvvvvvvvvvvvvvvvvvvvvvvvvvvvvvvvvvvvvvvvvvvvvvvvvvvvvvvvvvvvvvvvvvv</a:t>
-            </a:r>
+              <a:t>This line graph (right) shows the time required to complete a shell sort of a randomly ordered array. </a:t>
+            </a:r>
+          </a:p>
+          <a:p>
+            <a:pPr algn="just"/>
+            <a:r>
+              <a:rPr lang="en-US" dirty="0"/>
+              <a:t>The end value on this graph at array length of 5000, the completion time is 0.00003 seconds. </a:t>
+            </a:r>
+          </a:p>
+          <a:p>
+            <a:pPr algn="just"/>
+            <a:endParaRPr lang="en-US" dirty="0"/>
           </a:p>
           <a:p>
             <a:endParaRPr lang="en-US" dirty="0"/>
@@ -8546,8 +8935,8 @@
         </p:nvSpPr>
         <p:spPr>
           <a:xfrm>
-            <a:off x="5041783" y="1807904"/>
-            <a:ext cx="6312016" cy="2377259"/>
+            <a:off x="4614996" y="1867348"/>
+            <a:ext cx="3582795" cy="2269835"/>
           </a:xfrm>
           <a:prstGeom prst="rect">
             <a:avLst/>
@@ -8555,7 +8944,7 @@
         </p:spPr>
         <p:txBody>
           <a:bodyPr vert="horz" lIns="91440" tIns="45720" rIns="91440" bIns="45720" rtlCol="0">
-            <a:normAutofit lnSpcReduction="10000"/>
+            <a:normAutofit fontScale="92500" lnSpcReduction="20000"/>
           </a:bodyPr>
           <a:lstStyle>
             <a:lvl1pPr marL="228600" indent="-228600" algn="l" defTabSz="914400" rtl="0" eaLnBrk="1" latinLnBrk="0" hangingPunct="1">
@@ -8725,7 +9114,7 @@
             <a:pPr algn="just"/>
             <a:r>
               <a:rPr lang="en-US" dirty="0"/>
-              <a:t>vvvvvvvvvvvvvvvvvvvvvvvvvvvvvvvvvvvvvvvvvvvvvvvvvvvvvvvvvvvvvvvvvvvvvvvvvvvvvvvvvvvvvvvvvvvvvvvvvvvvvvvvvvvvvvvvvvvvvvvvvvvvvvvvvvvvvvvvvvvvvvvvvvvvvvvvvvvvvvvvvvvvvvvvvvvvvvvvvvvvvvvvvvvvvvvvvvvvvvvvvvvvvvvvvvvvvvvv</a:t>
+              <a:t>The line graph, left,  shows the shows number of comparisons required to order an unordered array with a shell sort algorithm. </a:t>
             </a:r>
           </a:p>
           <a:p>
@@ -8755,8 +9144,8 @@
         </p:blipFill>
         <p:spPr>
           <a:xfrm>
-            <a:off x="5041783" y="3806825"/>
-            <a:ext cx="4543425" cy="2686050"/>
+            <a:off x="4614994" y="4185163"/>
+            <a:ext cx="3582797" cy="2118132"/>
           </a:xfrm>
           <a:prstGeom prst="rect">
             <a:avLst/>
@@ -8778,13 +9167,13 @@
           <p:nvPr>
             <p:extLst>
               <p:ext uri="{D42A27DB-BD31-4B8C-83A1-F6EECF244321}">
-                <p14:modId xmlns:p14="http://schemas.microsoft.com/office/powerpoint/2010/main" val="835790700"/>
+                <p14:modId xmlns:p14="http://schemas.microsoft.com/office/powerpoint/2010/main" val="2729347623"/>
               </p:ext>
             </p:extLst>
           </p:nvPr>
         </p:nvGraphicFramePr>
         <p:xfrm>
-          <a:off x="8301144" y="4244607"/>
+          <a:off x="8301144" y="4825015"/>
           <a:ext cx="3360252" cy="1478280"/>
         </p:xfrm>
         <a:graphic>
@@ -8960,13 +9349,13 @@
           <p:nvPr>
             <p:extLst>
               <p:ext uri="{D42A27DB-BD31-4B8C-83A1-F6EECF244321}">
-                <p14:modId xmlns:p14="http://schemas.microsoft.com/office/powerpoint/2010/main" val="299965260"/>
+                <p14:modId xmlns:p14="http://schemas.microsoft.com/office/powerpoint/2010/main" val="4262381565"/>
               </p:ext>
             </p:extLst>
           </p:nvPr>
         </p:nvGraphicFramePr>
         <p:xfrm>
-          <a:off x="8301144" y="1807904"/>
+          <a:off x="8301144" y="2420300"/>
           <a:ext cx="3360250" cy="2329279"/>
         </p:xfrm>
         <a:graphic>

--- a/CW1/B00759381_CW1.pptx
+++ b/CW1/B00759381_CW1.pptx
@@ -16,7 +16,6 @@
     <p:sldId id="264" r:id="rId10"/>
     <p:sldId id="265" r:id="rId11"/>
     <p:sldId id="266" r:id="rId12"/>
-    <p:sldId id="267" r:id="rId13"/>
   </p:sldIdLst>
   <p:sldSz cx="12192000" cy="6858000"/>
   <p:notesSz cx="6858000" cy="9144000"/>
@@ -699,7 +698,7 @@
           <a:p>
             <a:fld id="{C764DE79-268F-4C1A-8933-263129D2AF90}" type="datetimeFigureOut">
               <a:rPr lang="en-US" dirty="0"/>
-              <a:t>11/4/2019</a:t>
+              <a:t>11/5/2019</a:t>
             </a:fld>
             <a:endParaRPr lang="en-US" dirty="0"/>
           </a:p>
@@ -867,7 +866,7 @@
           <a:p>
             <a:fld id="{C764DE79-268F-4C1A-8933-263129D2AF90}" type="datetimeFigureOut">
               <a:rPr lang="en-US" dirty="0"/>
-              <a:t>11/4/2019</a:t>
+              <a:t>11/5/2019</a:t>
             </a:fld>
             <a:endParaRPr lang="en-US" dirty="0"/>
           </a:p>
@@ -1045,7 +1044,7 @@
           <a:p>
             <a:fld id="{C764DE79-268F-4C1A-8933-263129D2AF90}" type="datetimeFigureOut">
               <a:rPr lang="en-US" dirty="0"/>
-              <a:t>11/4/2019</a:t>
+              <a:t>11/5/2019</a:t>
             </a:fld>
             <a:endParaRPr lang="en-US" dirty="0"/>
           </a:p>
@@ -1213,7 +1212,7 @@
           <a:p>
             <a:fld id="{C764DE79-268F-4C1A-8933-263129D2AF90}" type="datetimeFigureOut">
               <a:rPr lang="en-US" dirty="0"/>
-              <a:t>11/4/2019</a:t>
+              <a:t>11/5/2019</a:t>
             </a:fld>
             <a:endParaRPr lang="en-US" dirty="0"/>
           </a:p>
@@ -1458,7 +1457,7 @@
           <a:p>
             <a:fld id="{C764DE79-268F-4C1A-8933-263129D2AF90}" type="datetimeFigureOut">
               <a:rPr lang="en-US" dirty="0"/>
-              <a:t>11/4/2019</a:t>
+              <a:t>11/5/2019</a:t>
             </a:fld>
             <a:endParaRPr lang="en-US" dirty="0"/>
           </a:p>
@@ -1687,7 +1686,7 @@
           <a:p>
             <a:fld id="{C764DE79-268F-4C1A-8933-263129D2AF90}" type="datetimeFigureOut">
               <a:rPr lang="en-US" dirty="0"/>
-              <a:t>11/4/2019</a:t>
+              <a:t>11/5/2019</a:t>
             </a:fld>
             <a:endParaRPr lang="en-US" dirty="0"/>
           </a:p>
@@ -2051,7 +2050,7 @@
           <a:p>
             <a:fld id="{C764DE79-268F-4C1A-8933-263129D2AF90}" type="datetimeFigureOut">
               <a:rPr lang="en-US" dirty="0"/>
-              <a:t>11/4/2019</a:t>
+              <a:t>11/5/2019</a:t>
             </a:fld>
             <a:endParaRPr lang="en-US" dirty="0"/>
           </a:p>
@@ -2168,7 +2167,7 @@
           <a:p>
             <a:fld id="{C764DE79-268F-4C1A-8933-263129D2AF90}" type="datetimeFigureOut">
               <a:rPr lang="en-US" dirty="0"/>
-              <a:t>11/4/2019</a:t>
+              <a:t>11/5/2019</a:t>
             </a:fld>
             <a:endParaRPr lang="en-US" dirty="0"/>
           </a:p>
@@ -2263,7 +2262,7 @@
           <a:p>
             <a:fld id="{C764DE79-268F-4C1A-8933-263129D2AF90}" type="datetimeFigureOut">
               <a:rPr lang="en-US" dirty="0"/>
-              <a:t>11/4/2019</a:t>
+              <a:t>11/5/2019</a:t>
             </a:fld>
             <a:endParaRPr lang="en-US" dirty="0"/>
           </a:p>
@@ -2538,7 +2537,7 @@
           <a:p>
             <a:fld id="{C764DE79-268F-4C1A-8933-263129D2AF90}" type="datetimeFigureOut">
               <a:rPr lang="en-US" dirty="0"/>
-              <a:t>11/4/2019</a:t>
+              <a:t>11/5/2019</a:t>
             </a:fld>
             <a:endParaRPr lang="en-US" dirty="0"/>
           </a:p>
@@ -2790,7 +2789,7 @@
           <a:p>
             <a:fld id="{C764DE79-268F-4C1A-8933-263129D2AF90}" type="datetimeFigureOut">
               <a:rPr lang="en-US" dirty="0"/>
-              <a:t>11/4/2019</a:t>
+              <a:t>11/5/2019</a:t>
             </a:fld>
             <a:endParaRPr lang="en-US" dirty="0"/>
           </a:p>
@@ -3001,7 +3000,7 @@
           <a:p>
             <a:fld id="{C764DE79-268F-4C1A-8933-263129D2AF90}" type="datetimeFigureOut">
               <a:rPr lang="en-US" dirty="0"/>
-              <a:t>11/4/2019</a:t>
+              <a:t>11/5/2019</a:t>
             </a:fld>
             <a:endParaRPr lang="en-US" dirty="0"/>
           </a:p>
@@ -3557,6 +3556,243 @@
           </a:p>
         </p:txBody>
       </p:sp>
+      <p:sp>
+        <p:nvSpPr>
+          <p:cNvPr id="5" name="Content Placeholder 5">
+            <a:extLst>
+              <a:ext uri="{FF2B5EF4-FFF2-40B4-BE49-F238E27FC236}">
+                <a16:creationId xmlns:a16="http://schemas.microsoft.com/office/drawing/2014/main" id="{A94EBC07-F4EC-4347-8E37-7D15705519D5}"/>
+              </a:ext>
+            </a:extLst>
+          </p:cNvPr>
+          <p:cNvSpPr txBox="1">
+            <a:spLocks/>
+          </p:cNvSpPr>
+          <p:nvPr/>
+        </p:nvSpPr>
+        <p:spPr>
+          <a:xfrm>
+            <a:off x="838200" y="1825625"/>
+            <a:ext cx="10515600" cy="4351338"/>
+          </a:xfrm>
+          <a:prstGeom prst="rect">
+            <a:avLst/>
+          </a:prstGeom>
+          <a:ln>
+            <a:noFill/>
+          </a:ln>
+        </p:spPr>
+        <p:txBody>
+          <a:bodyPr vert="horz" lIns="91440" tIns="45720" rIns="91440" bIns="45720" rtlCol="0">
+            <a:normAutofit fontScale="92500"/>
+          </a:bodyPr>
+          <a:lstStyle>
+            <a:lvl1pPr marL="228600" indent="-228600" algn="l" defTabSz="914400" rtl="0" eaLnBrk="1" latinLnBrk="0" hangingPunct="1">
+              <a:lnSpc>
+                <a:spcPct val="90000"/>
+              </a:lnSpc>
+              <a:spcBef>
+                <a:spcPts val="1000"/>
+              </a:spcBef>
+              <a:buFont typeface="Arial" panose="020B0604020202020204" pitchFamily="34" charset="0"/>
+              <a:buChar char="•"/>
+              <a:defRPr sz="2800" kern="1200">
+                <a:solidFill>
+                  <a:schemeClr val="tx1"/>
+                </a:solidFill>
+                <a:latin typeface="+mn-lt"/>
+                <a:ea typeface="+mn-ea"/>
+                <a:cs typeface="+mn-cs"/>
+              </a:defRPr>
+            </a:lvl1pPr>
+            <a:lvl2pPr marL="685800" indent="-228600" algn="l" defTabSz="914400" rtl="0" eaLnBrk="1" latinLnBrk="0" hangingPunct="1">
+              <a:lnSpc>
+                <a:spcPct val="90000"/>
+              </a:lnSpc>
+              <a:spcBef>
+                <a:spcPts val="500"/>
+              </a:spcBef>
+              <a:buFont typeface="Arial" panose="020B0604020202020204" pitchFamily="34" charset="0"/>
+              <a:buChar char="•"/>
+              <a:defRPr sz="2400" kern="1200">
+                <a:solidFill>
+                  <a:schemeClr val="tx1"/>
+                </a:solidFill>
+                <a:latin typeface="+mn-lt"/>
+                <a:ea typeface="+mn-ea"/>
+                <a:cs typeface="+mn-cs"/>
+              </a:defRPr>
+            </a:lvl2pPr>
+            <a:lvl3pPr marL="1143000" indent="-228600" algn="l" defTabSz="914400" rtl="0" eaLnBrk="1" latinLnBrk="0" hangingPunct="1">
+              <a:lnSpc>
+                <a:spcPct val="90000"/>
+              </a:lnSpc>
+              <a:spcBef>
+                <a:spcPts val="500"/>
+              </a:spcBef>
+              <a:buFont typeface="Arial" panose="020B0604020202020204" pitchFamily="34" charset="0"/>
+              <a:buChar char="•"/>
+              <a:defRPr sz="2000" kern="1200">
+                <a:solidFill>
+                  <a:schemeClr val="tx1"/>
+                </a:solidFill>
+                <a:latin typeface="+mn-lt"/>
+                <a:ea typeface="+mn-ea"/>
+                <a:cs typeface="+mn-cs"/>
+              </a:defRPr>
+            </a:lvl3pPr>
+            <a:lvl4pPr marL="1600200" indent="-228600" algn="l" defTabSz="914400" rtl="0" eaLnBrk="1" latinLnBrk="0" hangingPunct="1">
+              <a:lnSpc>
+                <a:spcPct val="90000"/>
+              </a:lnSpc>
+              <a:spcBef>
+                <a:spcPts val="500"/>
+              </a:spcBef>
+              <a:buFont typeface="Arial" panose="020B0604020202020204" pitchFamily="34" charset="0"/>
+              <a:buChar char="•"/>
+              <a:defRPr sz="1800" kern="1200">
+                <a:solidFill>
+                  <a:schemeClr val="tx1"/>
+                </a:solidFill>
+                <a:latin typeface="+mn-lt"/>
+                <a:ea typeface="+mn-ea"/>
+                <a:cs typeface="+mn-cs"/>
+              </a:defRPr>
+            </a:lvl4pPr>
+            <a:lvl5pPr marL="2057400" indent="-228600" algn="l" defTabSz="914400" rtl="0" eaLnBrk="1" latinLnBrk="0" hangingPunct="1">
+              <a:lnSpc>
+                <a:spcPct val="90000"/>
+              </a:lnSpc>
+              <a:spcBef>
+                <a:spcPts val="500"/>
+              </a:spcBef>
+              <a:buFont typeface="Arial" panose="020B0604020202020204" pitchFamily="34" charset="0"/>
+              <a:buChar char="•"/>
+              <a:defRPr sz="1800" kern="1200">
+                <a:solidFill>
+                  <a:schemeClr val="tx1"/>
+                </a:solidFill>
+                <a:latin typeface="+mn-lt"/>
+                <a:ea typeface="+mn-ea"/>
+                <a:cs typeface="+mn-cs"/>
+              </a:defRPr>
+            </a:lvl5pPr>
+            <a:lvl6pPr marL="2514600" indent="-228600" algn="l" defTabSz="914400" rtl="0" eaLnBrk="1" latinLnBrk="0" hangingPunct="1">
+              <a:lnSpc>
+                <a:spcPct val="90000"/>
+              </a:lnSpc>
+              <a:spcBef>
+                <a:spcPts val="500"/>
+              </a:spcBef>
+              <a:buFont typeface="Arial" panose="020B0604020202020204" pitchFamily="34" charset="0"/>
+              <a:buChar char="•"/>
+              <a:defRPr sz="1800" kern="1200">
+                <a:solidFill>
+                  <a:schemeClr val="tx1"/>
+                </a:solidFill>
+                <a:latin typeface="+mn-lt"/>
+                <a:ea typeface="+mn-ea"/>
+                <a:cs typeface="+mn-cs"/>
+              </a:defRPr>
+            </a:lvl6pPr>
+            <a:lvl7pPr marL="2971800" indent="-228600" algn="l" defTabSz="914400" rtl="0" eaLnBrk="1" latinLnBrk="0" hangingPunct="1">
+              <a:lnSpc>
+                <a:spcPct val="90000"/>
+              </a:lnSpc>
+              <a:spcBef>
+                <a:spcPts val="500"/>
+              </a:spcBef>
+              <a:buFont typeface="Arial" panose="020B0604020202020204" pitchFamily="34" charset="0"/>
+              <a:buChar char="•"/>
+              <a:defRPr sz="1800" kern="1200">
+                <a:solidFill>
+                  <a:schemeClr val="tx1"/>
+                </a:solidFill>
+                <a:latin typeface="+mn-lt"/>
+                <a:ea typeface="+mn-ea"/>
+                <a:cs typeface="+mn-cs"/>
+              </a:defRPr>
+            </a:lvl7pPr>
+            <a:lvl8pPr marL="3429000" indent="-228600" algn="l" defTabSz="914400" rtl="0" eaLnBrk="1" latinLnBrk="0" hangingPunct="1">
+              <a:lnSpc>
+                <a:spcPct val="90000"/>
+              </a:lnSpc>
+              <a:spcBef>
+                <a:spcPts val="500"/>
+              </a:spcBef>
+              <a:buFont typeface="Arial" panose="020B0604020202020204" pitchFamily="34" charset="0"/>
+              <a:buChar char="•"/>
+              <a:defRPr sz="1800" kern="1200">
+                <a:solidFill>
+                  <a:schemeClr val="tx1"/>
+                </a:solidFill>
+                <a:latin typeface="+mn-lt"/>
+                <a:ea typeface="+mn-ea"/>
+                <a:cs typeface="+mn-cs"/>
+              </a:defRPr>
+            </a:lvl8pPr>
+            <a:lvl9pPr marL="3886200" indent="-228600" algn="l" defTabSz="914400" rtl="0" eaLnBrk="1" latinLnBrk="0" hangingPunct="1">
+              <a:lnSpc>
+                <a:spcPct val="90000"/>
+              </a:lnSpc>
+              <a:spcBef>
+                <a:spcPts val="500"/>
+              </a:spcBef>
+              <a:buFont typeface="Arial" panose="020B0604020202020204" pitchFamily="34" charset="0"/>
+              <a:buChar char="•"/>
+              <a:defRPr sz="1800" kern="1200">
+                <a:solidFill>
+                  <a:schemeClr val="tx1"/>
+                </a:solidFill>
+                <a:latin typeface="+mn-lt"/>
+                <a:ea typeface="+mn-ea"/>
+                <a:cs typeface="+mn-cs"/>
+              </a:defRPr>
+            </a:lvl9pPr>
+          </a:lstStyle>
+          <a:p>
+            <a:pPr algn="just"/>
+            <a:r>
+              <a:rPr lang="en-GB" dirty="0"/>
+              <a:t>Through the performance tests run in this experiment, I believe it is clear that the most efficient algorithm tested is the Shell Sort. It achieves the fastest average times to sort an unordered array of integers and while also doing the least amount of computation to get to that point. </a:t>
+            </a:r>
+          </a:p>
+          <a:p>
+            <a:pPr algn="just"/>
+            <a:r>
+              <a:rPr lang="en-GB" dirty="0"/>
+              <a:t>When applying these algorithms to a real world problem they should all be considered as they each have an advantage, i.e. although bubble sort was the slowest overall, it only needs on pass over the dataset to validate if the array is already in order.</a:t>
+            </a:r>
+          </a:p>
+          <a:p>
+            <a:pPr algn="just"/>
+            <a:r>
+              <a:rPr lang="en-GB" dirty="0"/>
+              <a:t>A potential 4</a:t>
+            </a:r>
+            <a:r>
+              <a:rPr lang="en-GB" baseline="30000" dirty="0"/>
+              <a:t>th</a:t>
+            </a:r>
+            <a:r>
+              <a:rPr lang="en-GB" dirty="0"/>
+              <a:t> performance metric that could yield different result could be an investigation of which algorithm uses the most system memory during its operation. </a:t>
+            </a:r>
+          </a:p>
+          <a:p>
+            <a:pPr algn="just"/>
+            <a:endParaRPr lang="en-GB" dirty="0"/>
+          </a:p>
+          <a:p>
+            <a:pPr algn="just"/>
+            <a:endParaRPr lang="en-GB" dirty="0"/>
+          </a:p>
+          <a:p>
+            <a:pPr algn="just"/>
+            <a:endParaRPr lang="en-GB" dirty="0"/>
+          </a:p>
+        </p:txBody>
+      </p:sp>
     </p:spTree>
     <p:extLst>
       <p:ext uri="{BB962C8B-B14F-4D97-AF65-F5344CB8AC3E}">
@@ -3638,25 +3874,61 @@
         </p:nvSpPr>
         <p:spPr/>
         <p:txBody>
-          <a:bodyPr/>
+          <a:bodyPr>
+            <a:normAutofit fontScale="70000" lnSpcReduction="20000"/>
+          </a:bodyPr>
           <a:lstStyle/>
           <a:p>
             <a:r>
-              <a:rPr lang="en-GB" dirty="0">
-                <a:hlinkClick r:id="rId2"/>
-              </a:rPr>
-              <a:t>https://www.tutorialspoint.com/data_structures_algorithms/shell_sort_algorithm.htm</a:t>
-            </a:r>
-            <a:endParaRPr lang="en-GB" dirty="0"/>
-          </a:p>
-          <a:p>
-            <a:r>
-              <a:rPr lang="en-GB" dirty="0">
-                <a:hlinkClick r:id="rId3"/>
-              </a:rPr>
-              <a:t>https://www.tutorialspoint.com/data_structures_algorithms/selection_sort_algorithm.htm</a:t>
-            </a:r>
-            <a:endParaRPr lang="en-GB" dirty="0"/>
+              <a:rPr lang="en-GB" dirty="0"/>
+              <a:t>Data Structure and Algorithms – Shell Sort, </a:t>
+            </a:r>
+            <a:r>
+              <a:rPr lang="en-GB" dirty="0" err="1"/>
+              <a:t>TutorialsPoint</a:t>
+            </a:r>
+            <a:r>
+              <a:rPr lang="en-GB" dirty="0"/>
+              <a:t>, viewed 03/11/2019. Available at:  https://www.tutorialspoint.com/data_structures_algorithms/shell_sort_algorithm.htm</a:t>
+            </a:r>
+          </a:p>
+          <a:p>
+            <a:r>
+              <a:rPr lang="en-GB" dirty="0"/>
+              <a:t>Data Structure and Algorithms Selection Sort, </a:t>
+            </a:r>
+            <a:r>
+              <a:rPr lang="en-GB" dirty="0" err="1"/>
+              <a:t>TutorialsPoint</a:t>
+            </a:r>
+            <a:r>
+              <a:rPr lang="en-GB" dirty="0"/>
+              <a:t>, viewed 03/11/2019. Available at: https://www.tutorialspoint.com/data_structures_algorithms/selection_sort_algorithm.htm</a:t>
+            </a:r>
+          </a:p>
+          <a:p>
+            <a:r>
+              <a:rPr lang="en-GB" dirty="0"/>
+              <a:t>Solomon Bothwell, 2017, Sorting Algorithms and Big-O Analysis, Medium.com, viewed 02/11/2019. Available at: https://medium.com/@ssbothwell/sorting-algorithms-and-big-o-analysis-332ce7b8e3a1</a:t>
+            </a:r>
+          </a:p>
+          <a:p>
+            <a:r>
+              <a:rPr lang="en-GB" dirty="0"/>
+              <a:t>Time Complexities of all Sorting Algorithms, geeksforgeeks.com, viewed on 02/11/2019. Available at: https://www.geeksforgeeks.org/time-complexities-of-all-sorting-algorithms/</a:t>
+            </a:r>
+          </a:p>
+          <a:p>
+            <a:r>
+              <a:rPr lang="en-GB" dirty="0"/>
+              <a:t>The Efficiency of Algorithms, viewed on 01/11/2019. Available at: https://learning.ulster.ac.uk/bbcswebdav/pid-4961834-dt-content-rid-16733496_1/courses/73748_1920/Session%20B%20Part%20II%20Extended.pdf</a:t>
+            </a:r>
+          </a:p>
+          <a:p>
+            <a:r>
+              <a:rPr lang="en-GB" dirty="0"/>
+              <a:t>COM498 Algorithms &amp; Data Structures, viewed on 01/11/2019. Available at: https://learning.ulster.ac.uk/bbcswebdav/pid-4955107-dt-content-rid-16618696_1/courses/73748_1920/Session%20C%20Part%20I%281%29.pdf</a:t>
+            </a:r>
           </a:p>
           <a:p>
             <a:endParaRPr lang="en-US" dirty="0"/>
@@ -3667,422 +3939,6 @@
     <p:extLst>
       <p:ext uri="{BB962C8B-B14F-4D97-AF65-F5344CB8AC3E}">
         <p14:creationId xmlns:p14="http://schemas.microsoft.com/office/powerpoint/2010/main" val="794546701"/>
-      </p:ext>
-    </p:extLst>
-  </p:cSld>
-  <p:clrMapOvr>
-    <a:masterClrMapping/>
-  </p:clrMapOvr>
-</p:sld>
-</file>
-
-<file path=ppt/slides/slide12.xml><?xml version="1.0" encoding="utf-8"?>
-<p:sld xmlns:a="http://schemas.openxmlformats.org/drawingml/2006/main" xmlns:r="http://schemas.openxmlformats.org/officeDocument/2006/relationships" xmlns:p="http://schemas.openxmlformats.org/presentationml/2006/main">
-  <p:cSld>
-    <p:spTree>
-      <p:nvGrpSpPr>
-        <p:cNvPr id="1" name=""/>
-        <p:cNvGrpSpPr/>
-        <p:nvPr/>
-      </p:nvGrpSpPr>
-      <p:grpSpPr>
-        <a:xfrm>
-          <a:off x="0" y="0"/>
-          <a:ext cx="0" cy="0"/>
-          <a:chOff x="0" y="0"/>
-          <a:chExt cx="0" cy="0"/>
-        </a:xfrm>
-      </p:grpSpPr>
-      <p:sp>
-        <p:nvSpPr>
-          <p:cNvPr id="2" name="Title 1">
-            <a:extLst>
-              <a:ext uri="{FF2B5EF4-FFF2-40B4-BE49-F238E27FC236}">
-                <a16:creationId xmlns:a16="http://schemas.microsoft.com/office/drawing/2014/main" id="{1D7333C5-BD0A-4C50-96F5-872879BBB726}"/>
-              </a:ext>
-            </a:extLst>
-          </p:cNvPr>
-          <p:cNvSpPr>
-            <a:spLocks noGrp="1"/>
-          </p:cNvSpPr>
-          <p:nvPr>
-            <p:ph type="title"/>
-          </p:nvPr>
-        </p:nvSpPr>
-        <p:spPr/>
-        <p:txBody>
-          <a:bodyPr/>
-          <a:lstStyle/>
-          <a:p>
-            <a:r>
-              <a:rPr lang="en-GB" dirty="0"/>
-              <a:t>Dick ABOUT</a:t>
-            </a:r>
-          </a:p>
-        </p:txBody>
-      </p:sp>
-      <p:graphicFrame>
-        <p:nvGraphicFramePr>
-          <p:cNvPr id="4" name="Table 4">
-            <a:extLst>
-              <a:ext uri="{FF2B5EF4-FFF2-40B4-BE49-F238E27FC236}">
-                <a16:creationId xmlns:a16="http://schemas.microsoft.com/office/drawing/2014/main" id="{6BBA234A-35E8-4C4D-80CF-3F23835089EC}"/>
-              </a:ext>
-            </a:extLst>
-          </p:cNvPr>
-          <p:cNvGraphicFramePr>
-            <a:graphicFrameLocks noGrp="1"/>
-          </p:cNvGraphicFramePr>
-          <p:nvPr>
-            <p:extLst>
-              <p:ext uri="{D42A27DB-BD31-4B8C-83A1-F6EECF244321}">
-                <p14:modId xmlns:p14="http://schemas.microsoft.com/office/powerpoint/2010/main" val="2866904894"/>
-              </p:ext>
-            </p:extLst>
-          </p:nvPr>
-        </p:nvGraphicFramePr>
-        <p:xfrm>
-          <a:off x="2853634" y="2729742"/>
-          <a:ext cx="4537962" cy="2616560"/>
-        </p:xfrm>
-        <a:graphic>
-          <a:graphicData uri="http://schemas.openxmlformats.org/drawingml/2006/table">
-            <a:tbl>
-              <a:tblPr firstRow="1" bandRow="1">
-                <a:tableStyleId>{073A0DAA-6AF3-43AB-8588-CEC1D06C72B9}</a:tableStyleId>
-              </a:tblPr>
-              <a:tblGrid>
-                <a:gridCol w="784924">
-                  <a:extLst>
-                    <a:ext uri="{9D8B030D-6E8A-4147-A177-3AD203B41FA5}">
-                      <a16:colId xmlns:a16="http://schemas.microsoft.com/office/drawing/2014/main" val="3959017320"/>
-                    </a:ext>
-                  </a:extLst>
-                </a:gridCol>
-                <a:gridCol w="1646301">
-                  <a:extLst>
-                    <a:ext uri="{9D8B030D-6E8A-4147-A177-3AD203B41FA5}">
-                      <a16:colId xmlns:a16="http://schemas.microsoft.com/office/drawing/2014/main" val="2336461049"/>
-                    </a:ext>
-                  </a:extLst>
-                </a:gridCol>
-                <a:gridCol w="1263015">
-                  <a:extLst>
-                    <a:ext uri="{9D8B030D-6E8A-4147-A177-3AD203B41FA5}">
-                      <a16:colId xmlns:a16="http://schemas.microsoft.com/office/drawing/2014/main" val="1935105656"/>
-                    </a:ext>
-                  </a:extLst>
-                </a:gridCol>
-                <a:gridCol w="843722">
-                  <a:extLst>
-                    <a:ext uri="{9D8B030D-6E8A-4147-A177-3AD203B41FA5}">
-                      <a16:colId xmlns:a16="http://schemas.microsoft.com/office/drawing/2014/main" val="387857"/>
-                    </a:ext>
-                  </a:extLst>
-                </a:gridCol>
-              </a:tblGrid>
-              <a:tr h="477284">
-                <a:tc>
-                  <a:txBody>
-                    <a:bodyPr/>
-                    <a:lstStyle/>
-                    <a:p>
-                      <a:r>
-                        <a:rPr lang="en-GB" dirty="0"/>
-                        <a:t>Order</a:t>
-                      </a:r>
-                    </a:p>
-                  </a:txBody>
-                  <a:tcPr/>
-                </a:tc>
-                <a:tc>
-                  <a:txBody>
-                    <a:bodyPr/>
-                    <a:lstStyle/>
-                    <a:p>
-                      <a:r>
-                        <a:rPr lang="en-GB" dirty="0"/>
-                        <a:t>Average Swaps</a:t>
-                      </a:r>
-                    </a:p>
-                  </a:txBody>
-                  <a:tcPr/>
-                </a:tc>
-                <a:tc>
-                  <a:txBody>
-                    <a:bodyPr/>
-                    <a:lstStyle/>
-                    <a:p>
-                      <a:r>
-                        <a:rPr lang="en-GB" dirty="0"/>
-                        <a:t>Min Swaps</a:t>
-                      </a:r>
-                    </a:p>
-                  </a:txBody>
-                  <a:tcPr/>
-                </a:tc>
-                <a:tc>
-                  <a:txBody>
-                    <a:bodyPr/>
-                    <a:lstStyle/>
-                    <a:p>
-                      <a:r>
-                        <a:rPr lang="en-GB" dirty="0"/>
-                        <a:t>Max Swaps</a:t>
-                      </a:r>
-                    </a:p>
-                  </a:txBody>
-                  <a:tcPr/>
-                </a:tc>
-                <a:extLst>
-                  <a:ext uri="{0D108BD9-81ED-4DB2-BD59-A6C34878D82A}">
-                    <a16:rowId xmlns:a16="http://schemas.microsoft.com/office/drawing/2014/main" val="126815450"/>
-                  </a:ext>
-                </a:extLst>
-              </a:tr>
-              <a:tr h="395296">
-                <a:tc>
-                  <a:txBody>
-                    <a:bodyPr/>
-                    <a:lstStyle/>
-                    <a:p>
-                      <a:endParaRPr lang="en-GB"/>
-                    </a:p>
-                  </a:txBody>
-                  <a:tcPr/>
-                </a:tc>
-                <a:tc>
-                  <a:txBody>
-                    <a:bodyPr/>
-                    <a:lstStyle/>
-                    <a:p>
-                      <a:endParaRPr lang="en-GB"/>
-                    </a:p>
-                  </a:txBody>
-                  <a:tcPr/>
-                </a:tc>
-                <a:tc>
-                  <a:txBody>
-                    <a:bodyPr/>
-                    <a:lstStyle/>
-                    <a:p>
-                      <a:endParaRPr lang="en-GB"/>
-                    </a:p>
-                  </a:txBody>
-                  <a:tcPr/>
-                </a:tc>
-                <a:tc>
-                  <a:txBody>
-                    <a:bodyPr/>
-                    <a:lstStyle/>
-                    <a:p>
-                      <a:endParaRPr lang="en-GB"/>
-                    </a:p>
-                  </a:txBody>
-                  <a:tcPr/>
-                </a:tc>
-                <a:extLst>
-                  <a:ext uri="{0D108BD9-81ED-4DB2-BD59-A6C34878D82A}">
-                    <a16:rowId xmlns:a16="http://schemas.microsoft.com/office/drawing/2014/main" val="4082730715"/>
-                  </a:ext>
-                </a:extLst>
-              </a:tr>
-              <a:tr h="395296">
-                <a:tc>
-                  <a:txBody>
-                    <a:bodyPr/>
-                    <a:lstStyle/>
-                    <a:p>
-                      <a:endParaRPr lang="en-GB"/>
-                    </a:p>
-                  </a:txBody>
-                  <a:tcPr/>
-                </a:tc>
-                <a:tc>
-                  <a:txBody>
-                    <a:bodyPr/>
-                    <a:lstStyle/>
-                    <a:p>
-                      <a:endParaRPr lang="en-GB"/>
-                    </a:p>
-                  </a:txBody>
-                  <a:tcPr/>
-                </a:tc>
-                <a:tc>
-                  <a:txBody>
-                    <a:bodyPr/>
-                    <a:lstStyle/>
-                    <a:p>
-                      <a:endParaRPr lang="en-GB"/>
-                    </a:p>
-                  </a:txBody>
-                  <a:tcPr/>
-                </a:tc>
-                <a:tc>
-                  <a:txBody>
-                    <a:bodyPr/>
-                    <a:lstStyle/>
-                    <a:p>
-                      <a:endParaRPr lang="en-GB"/>
-                    </a:p>
-                  </a:txBody>
-                  <a:tcPr/>
-                </a:tc>
-                <a:extLst>
-                  <a:ext uri="{0D108BD9-81ED-4DB2-BD59-A6C34878D82A}">
-                    <a16:rowId xmlns:a16="http://schemas.microsoft.com/office/drawing/2014/main" val="3793809036"/>
-                  </a:ext>
-                </a:extLst>
-              </a:tr>
-              <a:tr h="395296">
-                <a:tc>
-                  <a:txBody>
-                    <a:bodyPr/>
-                    <a:lstStyle/>
-                    <a:p>
-                      <a:endParaRPr lang="en-GB"/>
-                    </a:p>
-                  </a:txBody>
-                  <a:tcPr/>
-                </a:tc>
-                <a:tc>
-                  <a:txBody>
-                    <a:bodyPr/>
-                    <a:lstStyle/>
-                    <a:p>
-                      <a:endParaRPr lang="en-GB"/>
-                    </a:p>
-                  </a:txBody>
-                  <a:tcPr/>
-                </a:tc>
-                <a:tc>
-                  <a:txBody>
-                    <a:bodyPr/>
-                    <a:lstStyle/>
-                    <a:p>
-                      <a:endParaRPr lang="en-GB"/>
-                    </a:p>
-                  </a:txBody>
-                  <a:tcPr/>
-                </a:tc>
-                <a:tc>
-                  <a:txBody>
-                    <a:bodyPr/>
-                    <a:lstStyle/>
-                    <a:p>
-                      <a:endParaRPr lang="en-GB"/>
-                    </a:p>
-                  </a:txBody>
-                  <a:tcPr/>
-                </a:tc>
-                <a:extLst>
-                  <a:ext uri="{0D108BD9-81ED-4DB2-BD59-A6C34878D82A}">
-                    <a16:rowId xmlns:a16="http://schemas.microsoft.com/office/drawing/2014/main" val="3688509900"/>
-                  </a:ext>
-                </a:extLst>
-              </a:tr>
-              <a:tr h="395296">
-                <a:tc>
-                  <a:txBody>
-                    <a:bodyPr/>
-                    <a:lstStyle/>
-                    <a:p>
-                      <a:endParaRPr lang="en-GB"/>
-                    </a:p>
-                  </a:txBody>
-                  <a:tcPr/>
-                </a:tc>
-                <a:tc>
-                  <a:txBody>
-                    <a:bodyPr/>
-                    <a:lstStyle/>
-                    <a:p>
-                      <a:endParaRPr lang="en-GB"/>
-                    </a:p>
-                  </a:txBody>
-                  <a:tcPr/>
-                </a:tc>
-                <a:tc>
-                  <a:txBody>
-                    <a:bodyPr/>
-                    <a:lstStyle/>
-                    <a:p>
-                      <a:endParaRPr lang="en-GB"/>
-                    </a:p>
-                  </a:txBody>
-                  <a:tcPr/>
-                </a:tc>
-                <a:tc>
-                  <a:txBody>
-                    <a:bodyPr/>
-                    <a:lstStyle/>
-                    <a:p>
-                      <a:endParaRPr lang="en-GB"/>
-                    </a:p>
-                  </a:txBody>
-                  <a:tcPr/>
-                </a:tc>
-                <a:extLst>
-                  <a:ext uri="{0D108BD9-81ED-4DB2-BD59-A6C34878D82A}">
-                    <a16:rowId xmlns:a16="http://schemas.microsoft.com/office/drawing/2014/main" val="3926490359"/>
-                  </a:ext>
-                </a:extLst>
-              </a:tr>
-              <a:tr h="395296">
-                <a:tc>
-                  <a:txBody>
-                    <a:bodyPr/>
-                    <a:lstStyle/>
-                    <a:p>
-                      <a:endParaRPr lang="en-GB"/>
-                    </a:p>
-                  </a:txBody>
-                  <a:tcPr/>
-                </a:tc>
-                <a:tc>
-                  <a:txBody>
-                    <a:bodyPr/>
-                    <a:lstStyle/>
-                    <a:p>
-                      <a:endParaRPr lang="en-GB"/>
-                    </a:p>
-                  </a:txBody>
-                  <a:tcPr/>
-                </a:tc>
-                <a:tc>
-                  <a:txBody>
-                    <a:bodyPr/>
-                    <a:lstStyle/>
-                    <a:p>
-                      <a:endParaRPr lang="en-GB"/>
-                    </a:p>
-                  </a:txBody>
-                  <a:tcPr/>
-                </a:tc>
-                <a:tc>
-                  <a:txBody>
-                    <a:bodyPr/>
-                    <a:lstStyle/>
-                    <a:p>
-                      <a:endParaRPr lang="en-GB" dirty="0"/>
-                    </a:p>
-                  </a:txBody>
-                  <a:tcPr/>
-                </a:tc>
-                <a:extLst>
-                  <a:ext uri="{0D108BD9-81ED-4DB2-BD59-A6C34878D82A}">
-                    <a16:rowId xmlns:a16="http://schemas.microsoft.com/office/drawing/2014/main" val="1302560370"/>
-                  </a:ext>
-                </a:extLst>
-              </a:tr>
-            </a:tbl>
-          </a:graphicData>
-        </a:graphic>
-      </p:graphicFrame>
-    </p:spTree>
-    <p:extLst>
-      <p:ext uri="{BB962C8B-B14F-4D97-AF65-F5344CB8AC3E}">
-        <p14:creationId xmlns:p14="http://schemas.microsoft.com/office/powerpoint/2010/main" val="1381971551"/>
       </p:ext>
     </p:extLst>
   </p:cSld>
@@ -5642,14 +5498,14 @@
           <p:nvPr>
             <p:extLst>
               <p:ext uri="{D42A27DB-BD31-4B8C-83A1-F6EECF244321}">
-                <p14:modId xmlns:p14="http://schemas.microsoft.com/office/powerpoint/2010/main" val="4048039806"/>
+                <p14:modId xmlns:p14="http://schemas.microsoft.com/office/powerpoint/2010/main" val="2676090935"/>
               </p:ext>
             </p:extLst>
           </p:nvPr>
         </p:nvGraphicFramePr>
         <p:xfrm>
           <a:off x="8153836" y="3275098"/>
-          <a:ext cx="3806514" cy="1612292"/>
+          <a:ext cx="3776871" cy="1424026"/>
         </p:xfrm>
         <a:graphic>
           <a:graphicData uri="http://schemas.openxmlformats.org/drawingml/2006/table">
@@ -5658,31 +5514,17 @@
                 <a:tableStyleId>{073A0DAA-6AF3-43AB-8588-CEC1D06C72B9}</a:tableStyleId>
               </a:tblPr>
               <a:tblGrid>
-                <a:gridCol w="784924">
+                <a:gridCol w="1550944">
                   <a:extLst>
                     <a:ext uri="{9D8B030D-6E8A-4147-A177-3AD203B41FA5}">
                       <a16:colId xmlns:a16="http://schemas.microsoft.com/office/drawing/2014/main" val="3959017320"/>
                     </a:ext>
                   </a:extLst>
                 </a:gridCol>
-                <a:gridCol w="1126529">
+                <a:gridCol w="2225927">
                   <a:extLst>
                     <a:ext uri="{9D8B030D-6E8A-4147-A177-3AD203B41FA5}">
                       <a16:colId xmlns:a16="http://schemas.microsoft.com/office/drawing/2014/main" val="2336461049"/>
-                    </a:ext>
-                  </a:extLst>
-                </a:gridCol>
-                <a:gridCol w="1099438">
-                  <a:extLst>
-                    <a:ext uri="{9D8B030D-6E8A-4147-A177-3AD203B41FA5}">
-                      <a16:colId xmlns:a16="http://schemas.microsoft.com/office/drawing/2014/main" val="1935105656"/>
-                    </a:ext>
-                  </a:extLst>
-                </a:gridCol>
-                <a:gridCol w="795623">
-                  <a:extLst>
-                    <a:ext uri="{9D8B030D-6E8A-4147-A177-3AD203B41FA5}">
-                      <a16:colId xmlns:a16="http://schemas.microsoft.com/office/drawing/2014/main" val="387857"/>
                     </a:ext>
                   </a:extLst>
                 </a:gridCol>
@@ -5709,32 +5551,6 @@
                       <a:r>
                         <a:rPr lang="en-GB" sz="1400" dirty="0"/>
                         <a:t>Average Swaps</a:t>
-                      </a:r>
-                    </a:p>
-                  </a:txBody>
-                  <a:tcPr/>
-                </a:tc>
-                <a:tc>
-                  <a:txBody>
-                    <a:bodyPr/>
-                    <a:lstStyle/>
-                    <a:p>
-                      <a:r>
-                        <a:rPr lang="en-GB" sz="1400" dirty="0"/>
-                        <a:t>Min Swaps</a:t>
-                      </a:r>
-                    </a:p>
-                  </a:txBody>
-                  <a:tcPr/>
-                </a:tc>
-                <a:tc>
-                  <a:txBody>
-                    <a:bodyPr/>
-                    <a:lstStyle/>
-                    <a:p>
-                      <a:r>
-                        <a:rPr lang="en-GB" sz="1400" dirty="0"/>
-                        <a:t>Max Swaps</a:t>
                       </a:r>
                     </a:p>
                   </a:txBody>
@@ -5767,33 +5583,7 @@
                     <a:p>
                       <a:r>
                         <a:rPr lang="en-GB" sz="1200" dirty="0"/>
-                        <a:t>0</a:t>
-                      </a:r>
-                    </a:p>
-                  </a:txBody>
-                  <a:tcPr/>
-                </a:tc>
-                <a:tc>
-                  <a:txBody>
-                    <a:bodyPr/>
-                    <a:lstStyle/>
-                    <a:p>
-                      <a:r>
-                        <a:rPr lang="en-GB" sz="1200" dirty="0"/>
-                        <a:t>0</a:t>
-                      </a:r>
-                    </a:p>
-                  </a:txBody>
-                  <a:tcPr/>
-                </a:tc>
-                <a:tc>
-                  <a:txBody>
-                    <a:bodyPr/>
-                    <a:lstStyle/>
-                    <a:p>
-                      <a:r>
-                        <a:rPr lang="en-GB" sz="1200" dirty="0"/>
-                        <a:t>0</a:t>
+                        <a:t>1000</a:t>
                       </a:r>
                     </a:p>
                   </a:txBody>
@@ -5824,27 +5614,10 @@
                     <a:bodyPr/>
                     <a:lstStyle/>
                     <a:p>
-                      <a:endParaRPr lang="en-GB" sz="1200" dirty="0"/>
-                    </a:p>
-                  </a:txBody>
-                  <a:tcPr/>
-                </a:tc>
-                <a:tc>
-                  <a:txBody>
-                    <a:bodyPr/>
-                    <a:lstStyle/>
-                    <a:p>
-                      <a:endParaRPr lang="en-GB" sz="1200"/>
-                    </a:p>
-                  </a:txBody>
-                  <a:tcPr/>
-                </a:tc>
-                <a:tc>
-                  <a:txBody>
-                    <a:bodyPr/>
-                    <a:lstStyle/>
-                    <a:p>
-                      <a:endParaRPr lang="en-GB" sz="1200"/>
+                      <a:r>
+                        <a:rPr lang="en-GB" sz="1200" dirty="0"/>
+                        <a:t>2428</a:t>
+                      </a:r>
                     </a:p>
                   </a:txBody>
                   <a:tcPr/>
@@ -5874,27 +5647,10 @@
                     <a:bodyPr/>
                     <a:lstStyle/>
                     <a:p>
-                      <a:endParaRPr lang="en-GB" sz="1200"/>
-                    </a:p>
-                  </a:txBody>
-                  <a:tcPr/>
-                </a:tc>
-                <a:tc>
-                  <a:txBody>
-                    <a:bodyPr/>
-                    <a:lstStyle/>
-                    <a:p>
-                      <a:endParaRPr lang="en-GB" sz="1200" dirty="0"/>
-                    </a:p>
-                  </a:txBody>
-                  <a:tcPr/>
-                </a:tc>
-                <a:tc>
-                  <a:txBody>
-                    <a:bodyPr/>
-                    <a:lstStyle/>
-                    <a:p>
-                      <a:endParaRPr lang="en-GB" sz="1200" dirty="0"/>
+                      <a:r>
+                        <a:rPr lang="en-GB" sz="1200" dirty="0"/>
+                        <a:t>0</a:t>
+                      </a:r>
                     </a:p>
                   </a:txBody>
                   <a:tcPr/>
@@ -6109,7 +5865,7 @@
           <a:p>
             <a:r>
               <a:rPr lang="en-US" sz="1400" dirty="0"/>
-              <a:t>To do this I manually entered an array in of length 10, with values 1-10 in descending order, then in random order and finally in ascending order.</a:t>
+              <a:t>To do this I generated an array in of length 100, with values 1-100 in descending order, then in random order and finally in ascending order.</a:t>
             </a:r>
           </a:p>
           <a:p>
@@ -7608,7 +7364,7 @@
           <p:nvPr>
             <p:extLst>
               <p:ext uri="{D42A27DB-BD31-4B8C-83A1-F6EECF244321}">
-                <p14:modId xmlns:p14="http://schemas.microsoft.com/office/powerpoint/2010/main" val="2663540532"/>
+                <p14:modId xmlns:p14="http://schemas.microsoft.com/office/powerpoint/2010/main" val="2859507551"/>
               </p:ext>
             </p:extLst>
           </p:nvPr>
@@ -7691,7 +7447,10 @@
                     <a:bodyPr/>
                     <a:lstStyle/>
                     <a:p>
-                      <a:endParaRPr lang="en-GB" sz="1200" dirty="0"/>
+                      <a:r>
+                        <a:rPr lang="en-GB" sz="1200" dirty="0"/>
+                        <a:t>100</a:t>
+                      </a:r>
                     </a:p>
                   </a:txBody>
                   <a:tcPr/>
@@ -7721,7 +7480,10 @@
                     <a:bodyPr/>
                     <a:lstStyle/>
                     <a:p>
-                      <a:endParaRPr lang="en-GB" sz="1200" dirty="0"/>
+                      <a:r>
+                        <a:rPr lang="en-GB" sz="1200" dirty="0"/>
+                        <a:t>91</a:t>
+                      </a:r>
                     </a:p>
                   </a:txBody>
                   <a:tcPr/>
@@ -7751,7 +7513,10 @@
                     <a:bodyPr/>
                     <a:lstStyle/>
                     <a:p>
-                      <a:endParaRPr lang="en-GB" sz="1200" dirty="0"/>
+                      <a:r>
+                        <a:rPr lang="en-GB" sz="1200" dirty="0"/>
+                        <a:t>0</a:t>
+                      </a:r>
                     </a:p>
                   </a:txBody>
                   <a:tcPr/>
@@ -8721,8 +8486,8 @@
         </p:nvSpPr>
         <p:spPr>
           <a:xfrm>
-            <a:off x="922790" y="4302380"/>
-            <a:ext cx="3582796" cy="2118132"/>
+            <a:off x="838200" y="4185163"/>
+            <a:ext cx="3667386" cy="2235349"/>
           </a:xfrm>
           <a:prstGeom prst="rect">
             <a:avLst/>
@@ -8730,7 +8495,7 @@
         </p:spPr>
         <p:txBody>
           <a:bodyPr vert="horz" lIns="91440" tIns="45720" rIns="91440" bIns="45720" rtlCol="0">
-            <a:normAutofit fontScale="77500" lnSpcReduction="20000"/>
+            <a:normAutofit fontScale="92500" lnSpcReduction="20000"/>
           </a:bodyPr>
           <a:lstStyle>
             <a:lvl1pPr marL="228600" indent="-228600" algn="l" defTabSz="914400" rtl="0" eaLnBrk="1" latinLnBrk="0" hangingPunct="1">
@@ -8899,16 +8664,27 @@
           <a:p>
             <a:pPr algn="just"/>
             <a:r>
-              <a:rPr lang="en-US" dirty="0"/>
+              <a:rPr lang="en-US" sz="1700" dirty="0"/>
               <a:t>This line graph (right) shows the time required to complete a shell sort of a randomly ordered array. </a:t>
             </a:r>
           </a:p>
           <a:p>
             <a:pPr algn="just"/>
             <a:r>
-              <a:rPr lang="en-US" dirty="0"/>
-              <a:t>The end value on this graph at array length of 5000, the completion time is 0.00003 seconds. </a:t>
-            </a:r>
+              <a:rPr lang="en-US" sz="1700" dirty="0"/>
+              <a:t>The end value on this graph at array length of 5000, has a completion time is 0.00003 seconds. </a:t>
+            </a:r>
+          </a:p>
+          <a:p>
+            <a:pPr algn="just"/>
+            <a:r>
+              <a:rPr lang="en-US" sz="1700" dirty="0"/>
+              <a:t>This line is rising exponentially just like the on the comparisons graph but it is very feint because of how well the algorithm performs, especially with this size of data set.</a:t>
+            </a:r>
+          </a:p>
+          <a:p>
+            <a:pPr algn="just"/>
+            <a:endParaRPr lang="en-US" dirty="0"/>
           </a:p>
           <a:p>
             <a:pPr algn="just"/>
@@ -8944,7 +8720,7 @@
         </p:spPr>
         <p:txBody>
           <a:bodyPr vert="horz" lIns="91440" tIns="45720" rIns="91440" bIns="45720" rtlCol="0">
-            <a:normAutofit fontScale="92500" lnSpcReduction="20000"/>
+            <a:normAutofit fontScale="55000" lnSpcReduction="20000"/>
           </a:bodyPr>
           <a:lstStyle>
             <a:lvl1pPr marL="228600" indent="-228600" algn="l" defTabSz="914400" rtl="0" eaLnBrk="1" latinLnBrk="0" hangingPunct="1">
@@ -9116,6 +8892,29 @@
               <a:rPr lang="en-US" dirty="0"/>
               <a:t>The line graph, left,  shows the shows number of comparisons required to order an unordered array with a shell sort algorithm. </a:t>
             </a:r>
+          </a:p>
+          <a:p>
+            <a:pPr algn="just"/>
+            <a:r>
+              <a:rPr lang="en-US" dirty="0"/>
+              <a:t>The line on the graph indicates that the number of comparisons rises in relation to array length. </a:t>
+            </a:r>
+          </a:p>
+          <a:p>
+            <a:pPr algn="just"/>
+            <a:r>
+              <a:rPr lang="en-US" dirty="0"/>
+              <a:t>For this reason, the shell sort algorithm is said to have an average case of </a:t>
+            </a:r>
+            <a:r>
+              <a:rPr lang="en-GB" dirty="0"/>
+              <a:t>O(n^1.5), meaning average case is still exponential. </a:t>
+            </a:r>
+            <a:endParaRPr lang="en-US" dirty="0"/>
+          </a:p>
+          <a:p>
+            <a:pPr algn="just"/>
+            <a:endParaRPr lang="en-US" dirty="0"/>
           </a:p>
           <a:p>
             <a:endParaRPr lang="en-US" dirty="0"/>
@@ -9167,7 +8966,7 @@
           <p:nvPr>
             <p:extLst>
               <p:ext uri="{D42A27DB-BD31-4B8C-83A1-F6EECF244321}">
-                <p14:modId xmlns:p14="http://schemas.microsoft.com/office/powerpoint/2010/main" val="2729347623"/>
+                <p14:modId xmlns:p14="http://schemas.microsoft.com/office/powerpoint/2010/main" val="813162295"/>
               </p:ext>
             </p:extLst>
           </p:nvPr>
@@ -9285,7 +9084,7 @@
                     <a:p>
                       <a:r>
                         <a:rPr lang="en-GB" dirty="0"/>
-                        <a:t>O(n^2)</a:t>
+                        <a:t>O(n^1.5)</a:t>
                       </a:r>
                     </a:p>
                   </a:txBody>
@@ -9349,14 +9148,14 @@
           <p:nvPr>
             <p:extLst>
               <p:ext uri="{D42A27DB-BD31-4B8C-83A1-F6EECF244321}">
-                <p14:modId xmlns:p14="http://schemas.microsoft.com/office/powerpoint/2010/main" val="4262381565"/>
+                <p14:modId xmlns:p14="http://schemas.microsoft.com/office/powerpoint/2010/main" val="2081916121"/>
               </p:ext>
             </p:extLst>
           </p:nvPr>
         </p:nvGraphicFramePr>
         <p:xfrm>
-          <a:off x="8301144" y="2420300"/>
-          <a:ext cx="3360250" cy="2329279"/>
+          <a:off x="8301145" y="3362581"/>
+          <a:ext cx="3360251" cy="1353799"/>
         </p:xfrm>
         <a:graphic>
           <a:graphicData uri="http://schemas.openxmlformats.org/drawingml/2006/table">
@@ -9365,36 +9164,22 @@
                 <a:tableStyleId>{073A0DAA-6AF3-43AB-8588-CEC1D06C72B9}</a:tableStyleId>
               </a:tblPr>
               <a:tblGrid>
-                <a:gridCol w="692902">
+                <a:gridCol w="1690145">
                   <a:extLst>
                     <a:ext uri="{9D8B030D-6E8A-4147-A177-3AD203B41FA5}">
                       <a16:colId xmlns:a16="http://schemas.microsoft.com/office/drawing/2014/main" val="3959017320"/>
                     </a:ext>
                   </a:extLst>
                 </a:gridCol>
-                <a:gridCol w="994458">
+                <a:gridCol w="1670106">
                   <a:extLst>
                     <a:ext uri="{9D8B030D-6E8A-4147-A177-3AD203B41FA5}">
                       <a16:colId xmlns:a16="http://schemas.microsoft.com/office/drawing/2014/main" val="2336461049"/>
                     </a:ext>
                   </a:extLst>
                 </a:gridCol>
-                <a:gridCol w="970543">
-                  <a:extLst>
-                    <a:ext uri="{9D8B030D-6E8A-4147-A177-3AD203B41FA5}">
-                      <a16:colId xmlns:a16="http://schemas.microsoft.com/office/drawing/2014/main" val="1935105656"/>
-                    </a:ext>
-                  </a:extLst>
-                </a:gridCol>
-                <a:gridCol w="702347">
-                  <a:extLst>
-                    <a:ext uri="{9D8B030D-6E8A-4147-A177-3AD203B41FA5}">
-                      <a16:colId xmlns:a16="http://schemas.microsoft.com/office/drawing/2014/main" val="387857"/>
-                    </a:ext>
-                  </a:extLst>
-                </a:gridCol>
               </a:tblGrid>
-              <a:tr h="957679">
+              <a:tr h="398401">
                 <a:tc>
                   <a:txBody>
                     <a:bodyPr/>
@@ -9416,32 +9201,6 @@
                       <a:r>
                         <a:rPr lang="en-GB" dirty="0"/>
                         <a:t>Average Swaps</a:t>
-                      </a:r>
-                    </a:p>
-                  </a:txBody>
-                  <a:tcPr/>
-                </a:tc>
-                <a:tc>
-                  <a:txBody>
-                    <a:bodyPr/>
-                    <a:lstStyle/>
-                    <a:p>
-                      <a:r>
-                        <a:rPr lang="en-GB" dirty="0"/>
-                        <a:t>Min Swaps</a:t>
-                      </a:r>
-                    </a:p>
-                  </a:txBody>
-                  <a:tcPr/>
-                </a:tc>
-                <a:tc>
-                  <a:txBody>
-                    <a:bodyPr/>
-                    <a:lstStyle/>
-                    <a:p>
-                      <a:r>
-                        <a:rPr lang="en-GB" dirty="0"/>
-                        <a:t>Max Swaps</a:t>
                       </a:r>
                     </a:p>
                   </a:txBody>
@@ -9472,27 +9231,10 @@
                     <a:bodyPr/>
                     <a:lstStyle/>
                     <a:p>
-                      <a:endParaRPr lang="en-GB" sz="1200" dirty="0"/>
-                    </a:p>
-                  </a:txBody>
-                  <a:tcPr/>
-                </a:tc>
-                <a:tc>
-                  <a:txBody>
-                    <a:bodyPr/>
-                    <a:lstStyle/>
-                    <a:p>
-                      <a:endParaRPr lang="en-GB" sz="1200"/>
-                    </a:p>
-                  </a:txBody>
-                  <a:tcPr/>
-                </a:tc>
-                <a:tc>
-                  <a:txBody>
-                    <a:bodyPr/>
-                    <a:lstStyle/>
-                    <a:p>
-                      <a:endParaRPr lang="en-GB" sz="1200"/>
+                      <a:r>
+                        <a:rPr lang="en-GB" sz="1200" dirty="0"/>
+                        <a:t>2000</a:t>
+                      </a:r>
                     </a:p>
                   </a:txBody>
                   <a:tcPr/>
@@ -9522,27 +9264,10 @@
                     <a:bodyPr/>
                     <a:lstStyle/>
                     <a:p>
-                      <a:endParaRPr lang="en-GB" sz="1200" dirty="0"/>
-                    </a:p>
-                  </a:txBody>
-                  <a:tcPr/>
-                </a:tc>
-                <a:tc>
-                  <a:txBody>
-                    <a:bodyPr/>
-                    <a:lstStyle/>
-                    <a:p>
-                      <a:endParaRPr lang="en-GB" sz="1200"/>
-                    </a:p>
-                  </a:txBody>
-                  <a:tcPr/>
-                </a:tc>
-                <a:tc>
-                  <a:txBody>
-                    <a:bodyPr/>
-                    <a:lstStyle/>
-                    <a:p>
-                      <a:endParaRPr lang="en-GB" sz="1200"/>
+                      <a:r>
+                        <a:rPr lang="en-GB" sz="1200" dirty="0"/>
+                        <a:t>1995</a:t>
+                      </a:r>
                     </a:p>
                   </a:txBody>
                   <a:tcPr/>
@@ -9572,27 +9297,10 @@
                     <a:bodyPr/>
                     <a:lstStyle/>
                     <a:p>
-                      <a:endParaRPr lang="en-GB" sz="1200"/>
-                    </a:p>
-                  </a:txBody>
-                  <a:tcPr/>
-                </a:tc>
-                <a:tc>
-                  <a:txBody>
-                    <a:bodyPr/>
-                    <a:lstStyle/>
-                    <a:p>
-                      <a:endParaRPr lang="en-GB" sz="1200" dirty="0"/>
-                    </a:p>
-                  </a:txBody>
-                  <a:tcPr/>
-                </a:tc>
-                <a:tc>
-                  <a:txBody>
-                    <a:bodyPr/>
-                    <a:lstStyle/>
-                    <a:p>
-                      <a:endParaRPr lang="en-GB" sz="1200" dirty="0"/>
+                      <a:r>
+                        <a:rPr lang="en-GB" sz="1200" dirty="0"/>
+                        <a:t>0</a:t>
+                      </a:r>
                     </a:p>
                   </a:txBody>
                   <a:tcPr/>
@@ -9607,6 +9315,220 @@
           </a:graphicData>
         </a:graphic>
       </p:graphicFrame>
+      <p:sp>
+        <p:nvSpPr>
+          <p:cNvPr id="10" name="Content Placeholder 2">
+            <a:extLst>
+              <a:ext uri="{FF2B5EF4-FFF2-40B4-BE49-F238E27FC236}">
+                <a16:creationId xmlns:a16="http://schemas.microsoft.com/office/drawing/2014/main" id="{E47B8CF0-08DD-4B9A-8BE6-DB49B8D68F1B}"/>
+              </a:ext>
+            </a:extLst>
+          </p:cNvPr>
+          <p:cNvSpPr txBox="1">
+            <a:spLocks/>
+          </p:cNvSpPr>
+          <p:nvPr/>
+        </p:nvSpPr>
+        <p:spPr>
+          <a:xfrm>
+            <a:off x="8301144" y="1945645"/>
+            <a:ext cx="3360252" cy="1325563"/>
+          </a:xfrm>
+          <a:prstGeom prst="rect">
+            <a:avLst/>
+          </a:prstGeom>
+        </p:spPr>
+        <p:txBody>
+          <a:bodyPr vert="horz" lIns="91440" tIns="45720" rIns="91440" bIns="45720" rtlCol="0">
+            <a:normAutofit fontScale="55000" lnSpcReduction="20000"/>
+          </a:bodyPr>
+          <a:lstStyle>
+            <a:lvl1pPr marL="228600" indent="-228600" algn="l" defTabSz="914400" rtl="0" eaLnBrk="1" latinLnBrk="0" hangingPunct="1">
+              <a:lnSpc>
+                <a:spcPct val="90000"/>
+              </a:lnSpc>
+              <a:spcBef>
+                <a:spcPts val="1000"/>
+              </a:spcBef>
+              <a:buFont typeface="Arial" panose="020B0604020202020204" pitchFamily="34" charset="0"/>
+              <a:buChar char="•"/>
+              <a:defRPr sz="2800" kern="1200">
+                <a:solidFill>
+                  <a:schemeClr val="tx1"/>
+                </a:solidFill>
+                <a:latin typeface="+mn-lt"/>
+                <a:ea typeface="+mn-ea"/>
+                <a:cs typeface="+mn-cs"/>
+              </a:defRPr>
+            </a:lvl1pPr>
+            <a:lvl2pPr marL="685800" indent="-228600" algn="l" defTabSz="914400" rtl="0" eaLnBrk="1" latinLnBrk="0" hangingPunct="1">
+              <a:lnSpc>
+                <a:spcPct val="90000"/>
+              </a:lnSpc>
+              <a:spcBef>
+                <a:spcPts val="500"/>
+              </a:spcBef>
+              <a:buFont typeface="Arial" panose="020B0604020202020204" pitchFamily="34" charset="0"/>
+              <a:buChar char="•"/>
+              <a:defRPr sz="2400" kern="1200">
+                <a:solidFill>
+                  <a:schemeClr val="tx1"/>
+                </a:solidFill>
+                <a:latin typeface="+mn-lt"/>
+                <a:ea typeface="+mn-ea"/>
+                <a:cs typeface="+mn-cs"/>
+              </a:defRPr>
+            </a:lvl2pPr>
+            <a:lvl3pPr marL="1143000" indent="-228600" algn="l" defTabSz="914400" rtl="0" eaLnBrk="1" latinLnBrk="0" hangingPunct="1">
+              <a:lnSpc>
+                <a:spcPct val="90000"/>
+              </a:lnSpc>
+              <a:spcBef>
+                <a:spcPts val="500"/>
+              </a:spcBef>
+              <a:buFont typeface="Arial" panose="020B0604020202020204" pitchFamily="34" charset="0"/>
+              <a:buChar char="•"/>
+              <a:defRPr sz="2000" kern="1200">
+                <a:solidFill>
+                  <a:schemeClr val="tx1"/>
+                </a:solidFill>
+                <a:latin typeface="+mn-lt"/>
+                <a:ea typeface="+mn-ea"/>
+                <a:cs typeface="+mn-cs"/>
+              </a:defRPr>
+            </a:lvl3pPr>
+            <a:lvl4pPr marL="1600200" indent="-228600" algn="l" defTabSz="914400" rtl="0" eaLnBrk="1" latinLnBrk="0" hangingPunct="1">
+              <a:lnSpc>
+                <a:spcPct val="90000"/>
+              </a:lnSpc>
+              <a:spcBef>
+                <a:spcPts val="500"/>
+              </a:spcBef>
+              <a:buFont typeface="Arial" panose="020B0604020202020204" pitchFamily="34" charset="0"/>
+              <a:buChar char="•"/>
+              <a:defRPr sz="1800" kern="1200">
+                <a:solidFill>
+                  <a:schemeClr val="tx1"/>
+                </a:solidFill>
+                <a:latin typeface="+mn-lt"/>
+                <a:ea typeface="+mn-ea"/>
+                <a:cs typeface="+mn-cs"/>
+              </a:defRPr>
+            </a:lvl4pPr>
+            <a:lvl5pPr marL="2057400" indent="-228600" algn="l" defTabSz="914400" rtl="0" eaLnBrk="1" latinLnBrk="0" hangingPunct="1">
+              <a:lnSpc>
+                <a:spcPct val="90000"/>
+              </a:lnSpc>
+              <a:spcBef>
+                <a:spcPts val="500"/>
+              </a:spcBef>
+              <a:buFont typeface="Arial" panose="020B0604020202020204" pitchFamily="34" charset="0"/>
+              <a:buChar char="•"/>
+              <a:defRPr sz="1800" kern="1200">
+                <a:solidFill>
+                  <a:schemeClr val="tx1"/>
+                </a:solidFill>
+                <a:latin typeface="+mn-lt"/>
+                <a:ea typeface="+mn-ea"/>
+                <a:cs typeface="+mn-cs"/>
+              </a:defRPr>
+            </a:lvl5pPr>
+            <a:lvl6pPr marL="2514600" indent="-228600" algn="l" defTabSz="914400" rtl="0" eaLnBrk="1" latinLnBrk="0" hangingPunct="1">
+              <a:lnSpc>
+                <a:spcPct val="90000"/>
+              </a:lnSpc>
+              <a:spcBef>
+                <a:spcPts val="500"/>
+              </a:spcBef>
+              <a:buFont typeface="Arial" panose="020B0604020202020204" pitchFamily="34" charset="0"/>
+              <a:buChar char="•"/>
+              <a:defRPr sz="1800" kern="1200">
+                <a:solidFill>
+                  <a:schemeClr val="tx1"/>
+                </a:solidFill>
+                <a:latin typeface="+mn-lt"/>
+                <a:ea typeface="+mn-ea"/>
+                <a:cs typeface="+mn-cs"/>
+              </a:defRPr>
+            </a:lvl6pPr>
+            <a:lvl7pPr marL="2971800" indent="-228600" algn="l" defTabSz="914400" rtl="0" eaLnBrk="1" latinLnBrk="0" hangingPunct="1">
+              <a:lnSpc>
+                <a:spcPct val="90000"/>
+              </a:lnSpc>
+              <a:spcBef>
+                <a:spcPts val="500"/>
+              </a:spcBef>
+              <a:buFont typeface="Arial" panose="020B0604020202020204" pitchFamily="34" charset="0"/>
+              <a:buChar char="•"/>
+              <a:defRPr sz="1800" kern="1200">
+                <a:solidFill>
+                  <a:schemeClr val="tx1"/>
+                </a:solidFill>
+                <a:latin typeface="+mn-lt"/>
+                <a:ea typeface="+mn-ea"/>
+                <a:cs typeface="+mn-cs"/>
+              </a:defRPr>
+            </a:lvl7pPr>
+            <a:lvl8pPr marL="3429000" indent="-228600" algn="l" defTabSz="914400" rtl="0" eaLnBrk="1" latinLnBrk="0" hangingPunct="1">
+              <a:lnSpc>
+                <a:spcPct val="90000"/>
+              </a:lnSpc>
+              <a:spcBef>
+                <a:spcPts val="500"/>
+              </a:spcBef>
+              <a:buFont typeface="Arial" panose="020B0604020202020204" pitchFamily="34" charset="0"/>
+              <a:buChar char="•"/>
+              <a:defRPr sz="1800" kern="1200">
+                <a:solidFill>
+                  <a:schemeClr val="tx1"/>
+                </a:solidFill>
+                <a:latin typeface="+mn-lt"/>
+                <a:ea typeface="+mn-ea"/>
+                <a:cs typeface="+mn-cs"/>
+              </a:defRPr>
+            </a:lvl8pPr>
+            <a:lvl9pPr marL="3886200" indent="-228600" algn="l" defTabSz="914400" rtl="0" eaLnBrk="1" latinLnBrk="0" hangingPunct="1">
+              <a:lnSpc>
+                <a:spcPct val="90000"/>
+              </a:lnSpc>
+              <a:spcBef>
+                <a:spcPts val="500"/>
+              </a:spcBef>
+              <a:buFont typeface="Arial" panose="020B0604020202020204" pitchFamily="34" charset="0"/>
+              <a:buChar char="•"/>
+              <a:defRPr sz="1800" kern="1200">
+                <a:solidFill>
+                  <a:schemeClr val="tx1"/>
+                </a:solidFill>
+                <a:latin typeface="+mn-lt"/>
+                <a:ea typeface="+mn-ea"/>
+                <a:cs typeface="+mn-cs"/>
+              </a:defRPr>
+            </a:lvl9pPr>
+          </a:lstStyle>
+          <a:p>
+            <a:pPr algn="just"/>
+            <a:r>
+              <a:rPr lang="en-GB" dirty="0"/>
+              <a:t>The table below shows the average swaps for worst, average and best-case scenario of an array of length X being sort with a shell sort algorithm. </a:t>
+            </a:r>
+          </a:p>
+          <a:p>
+            <a:pPr algn="just"/>
+            <a:r>
+              <a:rPr lang="en-US" dirty="0"/>
+              <a:t>The next table below shows how this relays into ‘Big Oh’ notation.</a:t>
+            </a:r>
+          </a:p>
+          <a:p>
+            <a:pPr algn="just"/>
+            <a:endParaRPr lang="en-US" dirty="0"/>
+          </a:p>
+          <a:p>
+            <a:endParaRPr lang="en-US" dirty="0"/>
+          </a:p>
+        </p:txBody>
+      </p:sp>
     </p:spTree>
     <p:extLst>
       <p:ext uri="{BB962C8B-B14F-4D97-AF65-F5344CB8AC3E}">
@@ -9702,11 +9624,1502 @@
         </p:blipFill>
         <p:spPr>
           <a:xfrm>
-            <a:off x="6815356" y="1690688"/>
-            <a:ext cx="4538444" cy="2701256"/>
+            <a:off x="6440556" y="1456796"/>
+            <a:ext cx="5297557" cy="2597841"/>
           </a:xfrm>
         </p:spPr>
       </p:pic>
+      <p:sp>
+        <p:nvSpPr>
+          <p:cNvPr id="4" name="Content Placeholder 5">
+            <a:extLst>
+              <a:ext uri="{FF2B5EF4-FFF2-40B4-BE49-F238E27FC236}">
+                <a16:creationId xmlns:a16="http://schemas.microsoft.com/office/drawing/2014/main" id="{79789BE1-C680-4E39-B969-FC8928BD476B}"/>
+              </a:ext>
+            </a:extLst>
+          </p:cNvPr>
+          <p:cNvSpPr txBox="1">
+            <a:spLocks/>
+          </p:cNvSpPr>
+          <p:nvPr/>
+        </p:nvSpPr>
+        <p:spPr>
+          <a:xfrm>
+            <a:off x="6433719" y="4152589"/>
+            <a:ext cx="5304394" cy="2497229"/>
+          </a:xfrm>
+          <a:prstGeom prst="rect">
+            <a:avLst/>
+          </a:prstGeom>
+        </p:spPr>
+        <p:txBody>
+          <a:bodyPr vert="horz" lIns="91440" tIns="45720" rIns="91440" bIns="45720" rtlCol="0">
+            <a:normAutofit fontScale="55000" lnSpcReduction="20000"/>
+          </a:bodyPr>
+          <a:lstStyle>
+            <a:lvl1pPr marL="228600" indent="-228600" algn="l" defTabSz="914400" rtl="0" eaLnBrk="1" latinLnBrk="0" hangingPunct="1">
+              <a:lnSpc>
+                <a:spcPct val="90000"/>
+              </a:lnSpc>
+              <a:spcBef>
+                <a:spcPts val="1000"/>
+              </a:spcBef>
+              <a:buFont typeface="Arial" panose="020B0604020202020204" pitchFamily="34" charset="0"/>
+              <a:buChar char="•"/>
+              <a:defRPr sz="2800" kern="1200">
+                <a:solidFill>
+                  <a:schemeClr val="tx1"/>
+                </a:solidFill>
+                <a:latin typeface="+mn-lt"/>
+                <a:ea typeface="+mn-ea"/>
+                <a:cs typeface="+mn-cs"/>
+              </a:defRPr>
+            </a:lvl1pPr>
+            <a:lvl2pPr marL="685800" indent="-228600" algn="l" defTabSz="914400" rtl="0" eaLnBrk="1" latinLnBrk="0" hangingPunct="1">
+              <a:lnSpc>
+                <a:spcPct val="90000"/>
+              </a:lnSpc>
+              <a:spcBef>
+                <a:spcPts val="500"/>
+              </a:spcBef>
+              <a:buFont typeface="Arial" panose="020B0604020202020204" pitchFamily="34" charset="0"/>
+              <a:buChar char="•"/>
+              <a:defRPr sz="2400" kern="1200">
+                <a:solidFill>
+                  <a:schemeClr val="tx1"/>
+                </a:solidFill>
+                <a:latin typeface="+mn-lt"/>
+                <a:ea typeface="+mn-ea"/>
+                <a:cs typeface="+mn-cs"/>
+              </a:defRPr>
+            </a:lvl2pPr>
+            <a:lvl3pPr marL="1143000" indent="-228600" algn="l" defTabSz="914400" rtl="0" eaLnBrk="1" latinLnBrk="0" hangingPunct="1">
+              <a:lnSpc>
+                <a:spcPct val="90000"/>
+              </a:lnSpc>
+              <a:spcBef>
+                <a:spcPts val="500"/>
+              </a:spcBef>
+              <a:buFont typeface="Arial" panose="020B0604020202020204" pitchFamily="34" charset="0"/>
+              <a:buChar char="•"/>
+              <a:defRPr sz="2000" kern="1200">
+                <a:solidFill>
+                  <a:schemeClr val="tx1"/>
+                </a:solidFill>
+                <a:latin typeface="+mn-lt"/>
+                <a:ea typeface="+mn-ea"/>
+                <a:cs typeface="+mn-cs"/>
+              </a:defRPr>
+            </a:lvl3pPr>
+            <a:lvl4pPr marL="1600200" indent="-228600" algn="l" defTabSz="914400" rtl="0" eaLnBrk="1" latinLnBrk="0" hangingPunct="1">
+              <a:lnSpc>
+                <a:spcPct val="90000"/>
+              </a:lnSpc>
+              <a:spcBef>
+                <a:spcPts val="500"/>
+              </a:spcBef>
+              <a:buFont typeface="Arial" panose="020B0604020202020204" pitchFamily="34" charset="0"/>
+              <a:buChar char="•"/>
+              <a:defRPr sz="1800" kern="1200">
+                <a:solidFill>
+                  <a:schemeClr val="tx1"/>
+                </a:solidFill>
+                <a:latin typeface="+mn-lt"/>
+                <a:ea typeface="+mn-ea"/>
+                <a:cs typeface="+mn-cs"/>
+              </a:defRPr>
+            </a:lvl4pPr>
+            <a:lvl5pPr marL="2057400" indent="-228600" algn="l" defTabSz="914400" rtl="0" eaLnBrk="1" latinLnBrk="0" hangingPunct="1">
+              <a:lnSpc>
+                <a:spcPct val="90000"/>
+              </a:lnSpc>
+              <a:spcBef>
+                <a:spcPts val="500"/>
+              </a:spcBef>
+              <a:buFont typeface="Arial" panose="020B0604020202020204" pitchFamily="34" charset="0"/>
+              <a:buChar char="•"/>
+              <a:defRPr sz="1800" kern="1200">
+                <a:solidFill>
+                  <a:schemeClr val="tx1"/>
+                </a:solidFill>
+                <a:latin typeface="+mn-lt"/>
+                <a:ea typeface="+mn-ea"/>
+                <a:cs typeface="+mn-cs"/>
+              </a:defRPr>
+            </a:lvl5pPr>
+            <a:lvl6pPr marL="2514600" indent="-228600" algn="l" defTabSz="914400" rtl="0" eaLnBrk="1" latinLnBrk="0" hangingPunct="1">
+              <a:lnSpc>
+                <a:spcPct val="90000"/>
+              </a:lnSpc>
+              <a:spcBef>
+                <a:spcPts val="500"/>
+              </a:spcBef>
+              <a:buFont typeface="Arial" panose="020B0604020202020204" pitchFamily="34" charset="0"/>
+              <a:buChar char="•"/>
+              <a:defRPr sz="1800" kern="1200">
+                <a:solidFill>
+                  <a:schemeClr val="tx1"/>
+                </a:solidFill>
+                <a:latin typeface="+mn-lt"/>
+                <a:ea typeface="+mn-ea"/>
+                <a:cs typeface="+mn-cs"/>
+              </a:defRPr>
+            </a:lvl6pPr>
+            <a:lvl7pPr marL="2971800" indent="-228600" algn="l" defTabSz="914400" rtl="0" eaLnBrk="1" latinLnBrk="0" hangingPunct="1">
+              <a:lnSpc>
+                <a:spcPct val="90000"/>
+              </a:lnSpc>
+              <a:spcBef>
+                <a:spcPts val="500"/>
+              </a:spcBef>
+              <a:buFont typeface="Arial" panose="020B0604020202020204" pitchFamily="34" charset="0"/>
+              <a:buChar char="•"/>
+              <a:defRPr sz="1800" kern="1200">
+                <a:solidFill>
+                  <a:schemeClr val="tx1"/>
+                </a:solidFill>
+                <a:latin typeface="+mn-lt"/>
+                <a:ea typeface="+mn-ea"/>
+                <a:cs typeface="+mn-cs"/>
+              </a:defRPr>
+            </a:lvl7pPr>
+            <a:lvl8pPr marL="3429000" indent="-228600" algn="l" defTabSz="914400" rtl="0" eaLnBrk="1" latinLnBrk="0" hangingPunct="1">
+              <a:lnSpc>
+                <a:spcPct val="90000"/>
+              </a:lnSpc>
+              <a:spcBef>
+                <a:spcPts val="500"/>
+              </a:spcBef>
+              <a:buFont typeface="Arial" panose="020B0604020202020204" pitchFamily="34" charset="0"/>
+              <a:buChar char="•"/>
+              <a:defRPr sz="1800" kern="1200">
+                <a:solidFill>
+                  <a:schemeClr val="tx1"/>
+                </a:solidFill>
+                <a:latin typeface="+mn-lt"/>
+                <a:ea typeface="+mn-ea"/>
+                <a:cs typeface="+mn-cs"/>
+              </a:defRPr>
+            </a:lvl8pPr>
+            <a:lvl9pPr marL="3886200" indent="-228600" algn="l" defTabSz="914400" rtl="0" eaLnBrk="1" latinLnBrk="0" hangingPunct="1">
+              <a:lnSpc>
+                <a:spcPct val="90000"/>
+              </a:lnSpc>
+              <a:spcBef>
+                <a:spcPts val="500"/>
+              </a:spcBef>
+              <a:buFont typeface="Arial" panose="020B0604020202020204" pitchFamily="34" charset="0"/>
+              <a:buChar char="•"/>
+              <a:defRPr sz="1800" kern="1200">
+                <a:solidFill>
+                  <a:schemeClr val="tx1"/>
+                </a:solidFill>
+                <a:latin typeface="+mn-lt"/>
+                <a:ea typeface="+mn-ea"/>
+                <a:cs typeface="+mn-cs"/>
+              </a:defRPr>
+            </a:lvl9pPr>
+          </a:lstStyle>
+          <a:p>
+            <a:pPr algn="just"/>
+            <a:r>
+              <a:rPr lang="en-GB" dirty="0"/>
+              <a:t>In the testing of these algorithms, the number of comparisons made with each iteration of an array was considered.</a:t>
+            </a:r>
+          </a:p>
+          <a:p>
+            <a:pPr algn="just"/>
+            <a:r>
+              <a:rPr lang="en-GB" dirty="0"/>
+              <a:t>This line graph shows the number integer comparisons made against array length, where the biggest array is 5000 randomly generated integers (with a limit also of 5000). </a:t>
+            </a:r>
+          </a:p>
+          <a:p>
+            <a:pPr algn="just"/>
+            <a:r>
+              <a:rPr lang="en-GB" dirty="0"/>
+              <a:t>These are the key comparisons of each algorithm where one integer is compared in size to another; and if the left most element being compared is greater than the right, they are swapped. </a:t>
+            </a:r>
+          </a:p>
+          <a:p>
+            <a:pPr algn="just"/>
+            <a:r>
+              <a:rPr lang="en-GB" dirty="0"/>
+              <a:t>Each algorithm makes a number of other comparisons as well. For example, each iteration of an loop, for, while or do-while requires a comparison of some sort.</a:t>
+            </a:r>
+          </a:p>
+        </p:txBody>
+      </p:sp>
+      <p:sp>
+        <p:nvSpPr>
+          <p:cNvPr id="6" name="Content Placeholder 5">
+            <a:extLst>
+              <a:ext uri="{FF2B5EF4-FFF2-40B4-BE49-F238E27FC236}">
+                <a16:creationId xmlns:a16="http://schemas.microsoft.com/office/drawing/2014/main" id="{EE0F2C81-B2D8-467D-A82D-7EA74DFFAF03}"/>
+              </a:ext>
+            </a:extLst>
+          </p:cNvPr>
+          <p:cNvSpPr txBox="1">
+            <a:spLocks/>
+          </p:cNvSpPr>
+          <p:nvPr/>
+        </p:nvSpPr>
+        <p:spPr>
+          <a:xfrm>
+            <a:off x="616224" y="1456796"/>
+            <a:ext cx="5602356" cy="1972204"/>
+          </a:xfrm>
+          <a:prstGeom prst="rect">
+            <a:avLst/>
+          </a:prstGeom>
+        </p:spPr>
+        <p:txBody>
+          <a:bodyPr vert="horz" lIns="91440" tIns="45720" rIns="91440" bIns="45720" rtlCol="0">
+            <a:normAutofit fontScale="47500" lnSpcReduction="20000"/>
+          </a:bodyPr>
+          <a:lstStyle>
+            <a:lvl1pPr marL="228600" indent="-228600" algn="l" defTabSz="914400" rtl="0" eaLnBrk="1" latinLnBrk="0" hangingPunct="1">
+              <a:lnSpc>
+                <a:spcPct val="90000"/>
+              </a:lnSpc>
+              <a:spcBef>
+                <a:spcPts val="1000"/>
+              </a:spcBef>
+              <a:buFont typeface="Arial" panose="020B0604020202020204" pitchFamily="34" charset="0"/>
+              <a:buChar char="•"/>
+              <a:defRPr sz="2800" kern="1200">
+                <a:solidFill>
+                  <a:schemeClr val="tx1"/>
+                </a:solidFill>
+                <a:latin typeface="+mn-lt"/>
+                <a:ea typeface="+mn-ea"/>
+                <a:cs typeface="+mn-cs"/>
+              </a:defRPr>
+            </a:lvl1pPr>
+            <a:lvl2pPr marL="685800" indent="-228600" algn="l" defTabSz="914400" rtl="0" eaLnBrk="1" latinLnBrk="0" hangingPunct="1">
+              <a:lnSpc>
+                <a:spcPct val="90000"/>
+              </a:lnSpc>
+              <a:spcBef>
+                <a:spcPts val="500"/>
+              </a:spcBef>
+              <a:buFont typeface="Arial" panose="020B0604020202020204" pitchFamily="34" charset="0"/>
+              <a:buChar char="•"/>
+              <a:defRPr sz="2400" kern="1200">
+                <a:solidFill>
+                  <a:schemeClr val="tx1"/>
+                </a:solidFill>
+                <a:latin typeface="+mn-lt"/>
+                <a:ea typeface="+mn-ea"/>
+                <a:cs typeface="+mn-cs"/>
+              </a:defRPr>
+            </a:lvl2pPr>
+            <a:lvl3pPr marL="1143000" indent="-228600" algn="l" defTabSz="914400" rtl="0" eaLnBrk="1" latinLnBrk="0" hangingPunct="1">
+              <a:lnSpc>
+                <a:spcPct val="90000"/>
+              </a:lnSpc>
+              <a:spcBef>
+                <a:spcPts val="500"/>
+              </a:spcBef>
+              <a:buFont typeface="Arial" panose="020B0604020202020204" pitchFamily="34" charset="0"/>
+              <a:buChar char="•"/>
+              <a:defRPr sz="2000" kern="1200">
+                <a:solidFill>
+                  <a:schemeClr val="tx1"/>
+                </a:solidFill>
+                <a:latin typeface="+mn-lt"/>
+                <a:ea typeface="+mn-ea"/>
+                <a:cs typeface="+mn-cs"/>
+              </a:defRPr>
+            </a:lvl3pPr>
+            <a:lvl4pPr marL="1600200" indent="-228600" algn="l" defTabSz="914400" rtl="0" eaLnBrk="1" latinLnBrk="0" hangingPunct="1">
+              <a:lnSpc>
+                <a:spcPct val="90000"/>
+              </a:lnSpc>
+              <a:spcBef>
+                <a:spcPts val="500"/>
+              </a:spcBef>
+              <a:buFont typeface="Arial" panose="020B0604020202020204" pitchFamily="34" charset="0"/>
+              <a:buChar char="•"/>
+              <a:defRPr sz="1800" kern="1200">
+                <a:solidFill>
+                  <a:schemeClr val="tx1"/>
+                </a:solidFill>
+                <a:latin typeface="+mn-lt"/>
+                <a:ea typeface="+mn-ea"/>
+                <a:cs typeface="+mn-cs"/>
+              </a:defRPr>
+            </a:lvl4pPr>
+            <a:lvl5pPr marL="2057400" indent="-228600" algn="l" defTabSz="914400" rtl="0" eaLnBrk="1" latinLnBrk="0" hangingPunct="1">
+              <a:lnSpc>
+                <a:spcPct val="90000"/>
+              </a:lnSpc>
+              <a:spcBef>
+                <a:spcPts val="500"/>
+              </a:spcBef>
+              <a:buFont typeface="Arial" panose="020B0604020202020204" pitchFamily="34" charset="0"/>
+              <a:buChar char="•"/>
+              <a:defRPr sz="1800" kern="1200">
+                <a:solidFill>
+                  <a:schemeClr val="tx1"/>
+                </a:solidFill>
+                <a:latin typeface="+mn-lt"/>
+                <a:ea typeface="+mn-ea"/>
+                <a:cs typeface="+mn-cs"/>
+              </a:defRPr>
+            </a:lvl5pPr>
+            <a:lvl6pPr marL="2514600" indent="-228600" algn="l" defTabSz="914400" rtl="0" eaLnBrk="1" latinLnBrk="0" hangingPunct="1">
+              <a:lnSpc>
+                <a:spcPct val="90000"/>
+              </a:lnSpc>
+              <a:spcBef>
+                <a:spcPts val="500"/>
+              </a:spcBef>
+              <a:buFont typeface="Arial" panose="020B0604020202020204" pitchFamily="34" charset="0"/>
+              <a:buChar char="•"/>
+              <a:defRPr sz="1800" kern="1200">
+                <a:solidFill>
+                  <a:schemeClr val="tx1"/>
+                </a:solidFill>
+                <a:latin typeface="+mn-lt"/>
+                <a:ea typeface="+mn-ea"/>
+                <a:cs typeface="+mn-cs"/>
+              </a:defRPr>
+            </a:lvl6pPr>
+            <a:lvl7pPr marL="2971800" indent="-228600" algn="l" defTabSz="914400" rtl="0" eaLnBrk="1" latinLnBrk="0" hangingPunct="1">
+              <a:lnSpc>
+                <a:spcPct val="90000"/>
+              </a:lnSpc>
+              <a:spcBef>
+                <a:spcPts val="500"/>
+              </a:spcBef>
+              <a:buFont typeface="Arial" panose="020B0604020202020204" pitchFamily="34" charset="0"/>
+              <a:buChar char="•"/>
+              <a:defRPr sz="1800" kern="1200">
+                <a:solidFill>
+                  <a:schemeClr val="tx1"/>
+                </a:solidFill>
+                <a:latin typeface="+mn-lt"/>
+                <a:ea typeface="+mn-ea"/>
+                <a:cs typeface="+mn-cs"/>
+              </a:defRPr>
+            </a:lvl7pPr>
+            <a:lvl8pPr marL="3429000" indent="-228600" algn="l" defTabSz="914400" rtl="0" eaLnBrk="1" latinLnBrk="0" hangingPunct="1">
+              <a:lnSpc>
+                <a:spcPct val="90000"/>
+              </a:lnSpc>
+              <a:spcBef>
+                <a:spcPts val="500"/>
+              </a:spcBef>
+              <a:buFont typeface="Arial" panose="020B0604020202020204" pitchFamily="34" charset="0"/>
+              <a:buChar char="•"/>
+              <a:defRPr sz="1800" kern="1200">
+                <a:solidFill>
+                  <a:schemeClr val="tx1"/>
+                </a:solidFill>
+                <a:latin typeface="+mn-lt"/>
+                <a:ea typeface="+mn-ea"/>
+                <a:cs typeface="+mn-cs"/>
+              </a:defRPr>
+            </a:lvl8pPr>
+            <a:lvl9pPr marL="3886200" indent="-228600" algn="l" defTabSz="914400" rtl="0" eaLnBrk="1" latinLnBrk="0" hangingPunct="1">
+              <a:lnSpc>
+                <a:spcPct val="90000"/>
+              </a:lnSpc>
+              <a:spcBef>
+                <a:spcPts val="500"/>
+              </a:spcBef>
+              <a:buFont typeface="Arial" panose="020B0604020202020204" pitchFamily="34" charset="0"/>
+              <a:buChar char="•"/>
+              <a:defRPr sz="1800" kern="1200">
+                <a:solidFill>
+                  <a:schemeClr val="tx1"/>
+                </a:solidFill>
+                <a:latin typeface="+mn-lt"/>
+                <a:ea typeface="+mn-ea"/>
+                <a:cs typeface="+mn-cs"/>
+              </a:defRPr>
+            </a:lvl9pPr>
+          </a:lstStyle>
+          <a:p>
+            <a:pPr algn="just"/>
+            <a:r>
+              <a:rPr lang="en-GB" dirty="0"/>
+              <a:t>As another performance metric, I have also computed the number of swaps each algorithm made to order the arrays. This can bee seen on the table (left). </a:t>
+            </a:r>
+          </a:p>
+          <a:p>
+            <a:pPr algn="just"/>
+            <a:r>
+              <a:rPr lang="en-GB" dirty="0"/>
+              <a:t>I have included min, max and average number of swaps required by each algorithm to order an array which is; ordered, in reverse order, and in random order. </a:t>
+            </a:r>
+          </a:p>
+          <a:p>
+            <a:pPr algn="just"/>
+            <a:r>
+              <a:rPr lang="en-GB" dirty="0"/>
+              <a:t>Of course the ordered and reverse ordered arrays yield the same results for every iteration, so the average, min and max are the same in these rows.</a:t>
+            </a:r>
+          </a:p>
+          <a:p>
+            <a:pPr algn="just"/>
+            <a:r>
+              <a:rPr lang="en-GB" dirty="0"/>
+              <a:t>I have also included the ‘Big Oh’ notation that is assumed for each of these.</a:t>
+            </a:r>
+          </a:p>
+        </p:txBody>
+      </p:sp>
+      <p:graphicFrame>
+        <p:nvGraphicFramePr>
+          <p:cNvPr id="7" name="Table 4">
+            <a:extLst>
+              <a:ext uri="{FF2B5EF4-FFF2-40B4-BE49-F238E27FC236}">
+                <a16:creationId xmlns:a16="http://schemas.microsoft.com/office/drawing/2014/main" id="{065F4443-4556-478C-8378-48E88AE06CE2}"/>
+              </a:ext>
+            </a:extLst>
+          </p:cNvPr>
+          <p:cNvGraphicFramePr>
+            <a:graphicFrameLocks noGrp="1"/>
+          </p:cNvGraphicFramePr>
+          <p:nvPr>
+            <p:extLst>
+              <p:ext uri="{D42A27DB-BD31-4B8C-83A1-F6EECF244321}">
+                <p14:modId xmlns:p14="http://schemas.microsoft.com/office/powerpoint/2010/main" val="1671499839"/>
+              </p:ext>
+            </p:extLst>
+          </p:nvPr>
+        </p:nvGraphicFramePr>
+        <p:xfrm>
+          <a:off x="616224" y="3429000"/>
+          <a:ext cx="5602356" cy="3121362"/>
+        </p:xfrm>
+        <a:graphic>
+          <a:graphicData uri="http://schemas.openxmlformats.org/drawingml/2006/table">
+            <a:tbl>
+              <a:tblPr firstRow="1" bandRow="1">
+                <a:tableStyleId>{073A0DAA-6AF3-43AB-8588-CEC1D06C72B9}</a:tableStyleId>
+              </a:tblPr>
+              <a:tblGrid>
+                <a:gridCol w="1150554">
+                  <a:extLst>
+                    <a:ext uri="{9D8B030D-6E8A-4147-A177-3AD203B41FA5}">
+                      <a16:colId xmlns:a16="http://schemas.microsoft.com/office/drawing/2014/main" val="3959017320"/>
+                    </a:ext>
+                  </a:extLst>
+                </a:gridCol>
+                <a:gridCol w="954716">
+                  <a:extLst>
+                    <a:ext uri="{9D8B030D-6E8A-4147-A177-3AD203B41FA5}">
+                      <a16:colId xmlns:a16="http://schemas.microsoft.com/office/drawing/2014/main" val="1071324170"/>
+                    </a:ext>
+                  </a:extLst>
+                </a:gridCol>
+                <a:gridCol w="954716">
+                  <a:extLst>
+                    <a:ext uri="{9D8B030D-6E8A-4147-A177-3AD203B41FA5}">
+                      <a16:colId xmlns:a16="http://schemas.microsoft.com/office/drawing/2014/main" val="1314910505"/>
+                    </a:ext>
+                  </a:extLst>
+                </a:gridCol>
+                <a:gridCol w="987355">
+                  <a:extLst>
+                    <a:ext uri="{9D8B030D-6E8A-4147-A177-3AD203B41FA5}">
+                      <a16:colId xmlns:a16="http://schemas.microsoft.com/office/drawing/2014/main" val="2336461049"/>
+                    </a:ext>
+                  </a:extLst>
+                </a:gridCol>
+                <a:gridCol w="788449">
+                  <a:extLst>
+                    <a:ext uri="{9D8B030D-6E8A-4147-A177-3AD203B41FA5}">
+                      <a16:colId xmlns:a16="http://schemas.microsoft.com/office/drawing/2014/main" val="1935105656"/>
+                    </a:ext>
+                  </a:extLst>
+                </a:gridCol>
+                <a:gridCol w="766566">
+                  <a:extLst>
+                    <a:ext uri="{9D8B030D-6E8A-4147-A177-3AD203B41FA5}">
+                      <a16:colId xmlns:a16="http://schemas.microsoft.com/office/drawing/2014/main" val="387857"/>
+                    </a:ext>
+                  </a:extLst>
+                </a:gridCol>
+              </a:tblGrid>
+              <a:tr h="652482">
+                <a:tc>
+                  <a:txBody>
+                    <a:bodyPr/>
+                    <a:lstStyle/>
+                    <a:p>
+                      <a:r>
+                        <a:rPr lang="en-GB" sz="1400" dirty="0"/>
+                        <a:t>Algorithm</a:t>
+                      </a:r>
+                    </a:p>
+                  </a:txBody>
+                  <a:tcPr/>
+                </a:tc>
+                <a:tc>
+                  <a:txBody>
+                    <a:bodyPr/>
+                    <a:lstStyle/>
+                    <a:p>
+                      <a:pPr marL="0" marR="0" lvl="0" indent="0" algn="l" defTabSz="914400" rtl="0" eaLnBrk="1" fontAlgn="auto" latinLnBrk="0" hangingPunct="1">
+                        <a:lnSpc>
+                          <a:spcPct val="100000"/>
+                        </a:lnSpc>
+                        <a:spcBef>
+                          <a:spcPts val="0"/>
+                        </a:spcBef>
+                        <a:spcAft>
+                          <a:spcPts val="0"/>
+                        </a:spcAft>
+                        <a:buClrTx/>
+                        <a:buSzTx/>
+                        <a:buFontTx/>
+                        <a:buNone/>
+                        <a:tabLst/>
+                        <a:defRPr/>
+                      </a:pPr>
+                      <a:r>
+                        <a:rPr lang="en-GB" sz="1400" dirty="0"/>
+                        <a:t>Order</a:t>
+                      </a:r>
+                    </a:p>
+                    <a:p>
+                      <a:endParaRPr lang="en-GB" sz="1400" dirty="0"/>
+                    </a:p>
+                  </a:txBody>
+                  <a:tcPr/>
+                </a:tc>
+                <a:tc>
+                  <a:txBody>
+                    <a:bodyPr/>
+                    <a:lstStyle/>
+                    <a:p>
+                      <a:r>
+                        <a:rPr lang="en-GB" sz="1400" dirty="0"/>
+                        <a:t>Big Oh</a:t>
+                      </a:r>
+                    </a:p>
+                  </a:txBody>
+                  <a:tcPr/>
+                </a:tc>
+                <a:tc>
+                  <a:txBody>
+                    <a:bodyPr/>
+                    <a:lstStyle/>
+                    <a:p>
+                      <a:r>
+                        <a:rPr lang="en-GB" sz="1400" dirty="0"/>
+                        <a:t>Average Swaps</a:t>
+                      </a:r>
+                    </a:p>
+                  </a:txBody>
+                  <a:tcPr/>
+                </a:tc>
+                <a:tc>
+                  <a:txBody>
+                    <a:bodyPr/>
+                    <a:lstStyle/>
+                    <a:p>
+                      <a:r>
+                        <a:rPr lang="en-GB" sz="1400" dirty="0"/>
+                        <a:t>Min Swaps</a:t>
+                      </a:r>
+                    </a:p>
+                  </a:txBody>
+                  <a:tcPr/>
+                </a:tc>
+                <a:tc>
+                  <a:txBody>
+                    <a:bodyPr/>
+                    <a:lstStyle/>
+                    <a:p>
+                      <a:r>
+                        <a:rPr lang="en-GB" sz="1400" dirty="0"/>
+                        <a:t>Max Swaps</a:t>
+                      </a:r>
+                    </a:p>
+                  </a:txBody>
+                  <a:tcPr/>
+                </a:tc>
+                <a:extLst>
+                  <a:ext uri="{0D108BD9-81ED-4DB2-BD59-A6C34878D82A}">
+                    <a16:rowId xmlns:a16="http://schemas.microsoft.com/office/drawing/2014/main" val="126815450"/>
+                  </a:ext>
+                </a:extLst>
+              </a:tr>
+              <a:tr h="203677">
+                <a:tc rowSpan="3">
+                  <a:txBody>
+                    <a:bodyPr/>
+                    <a:lstStyle/>
+                    <a:p>
+                      <a:r>
+                        <a:rPr lang="en-GB" sz="1200" dirty="0"/>
+                        <a:t>Bubble Sort</a:t>
+                      </a:r>
+                    </a:p>
+                  </a:txBody>
+                  <a:tcPr/>
+                </a:tc>
+                <a:tc>
+                  <a:txBody>
+                    <a:bodyPr/>
+                    <a:lstStyle/>
+                    <a:p>
+                      <a:r>
+                        <a:rPr lang="en-GB" sz="1200" dirty="0"/>
+                        <a:t>Reverse</a:t>
+                      </a:r>
+                    </a:p>
+                  </a:txBody>
+                  <a:tcPr/>
+                </a:tc>
+                <a:tc>
+                  <a:txBody>
+                    <a:bodyPr/>
+                    <a:lstStyle/>
+                    <a:p>
+                      <a:pPr marL="0" marR="0" lvl="0" indent="0" algn="l" defTabSz="914400" rtl="0" eaLnBrk="1" fontAlgn="auto" latinLnBrk="0" hangingPunct="1">
+                        <a:lnSpc>
+                          <a:spcPct val="100000"/>
+                        </a:lnSpc>
+                        <a:spcBef>
+                          <a:spcPts val="0"/>
+                        </a:spcBef>
+                        <a:spcAft>
+                          <a:spcPts val="0"/>
+                        </a:spcAft>
+                        <a:buClrTx/>
+                        <a:buSzTx/>
+                        <a:buFontTx/>
+                        <a:buNone/>
+                        <a:tabLst/>
+                        <a:defRPr/>
+                      </a:pPr>
+                      <a:r>
+                        <a:rPr lang="en-GB" sz="1200" dirty="0"/>
+                        <a:t>O(n^2)</a:t>
+                      </a:r>
+                    </a:p>
+                  </a:txBody>
+                  <a:tcPr/>
+                </a:tc>
+                <a:tc>
+                  <a:txBody>
+                    <a:bodyPr/>
+                    <a:lstStyle/>
+                    <a:p>
+                      <a:r>
+                        <a:rPr lang="en-GB" sz="1200" dirty="0"/>
+                        <a:t>1000</a:t>
+                      </a:r>
+                    </a:p>
+                  </a:txBody>
+                  <a:tcPr/>
+                </a:tc>
+                <a:tc>
+                  <a:txBody>
+                    <a:bodyPr/>
+                    <a:lstStyle/>
+                    <a:p>
+                      <a:r>
+                        <a:rPr lang="en-GB" sz="1200" dirty="0"/>
+                        <a:t>1000</a:t>
+                      </a:r>
+                    </a:p>
+                  </a:txBody>
+                  <a:tcPr/>
+                </a:tc>
+                <a:tc>
+                  <a:txBody>
+                    <a:bodyPr/>
+                    <a:lstStyle/>
+                    <a:p>
+                      <a:r>
+                        <a:rPr lang="en-GB" sz="1200" dirty="0"/>
+                        <a:t>1000</a:t>
+                      </a:r>
+                    </a:p>
+                  </a:txBody>
+                  <a:tcPr/>
+                </a:tc>
+                <a:extLst>
+                  <a:ext uri="{0D108BD9-81ED-4DB2-BD59-A6C34878D82A}">
+                    <a16:rowId xmlns:a16="http://schemas.microsoft.com/office/drawing/2014/main" val="4082730715"/>
+                  </a:ext>
+                </a:extLst>
+              </a:tr>
+              <a:tr h="203677">
+                <a:tc vMerge="1">
+                  <a:txBody>
+                    <a:bodyPr/>
+                    <a:lstStyle/>
+                    <a:p>
+                      <a:endParaRPr lang="en-GB" dirty="0"/>
+                    </a:p>
+                  </a:txBody>
+                  <a:tcPr/>
+                </a:tc>
+                <a:tc>
+                  <a:txBody>
+                    <a:bodyPr/>
+                    <a:lstStyle/>
+                    <a:p>
+                      <a:r>
+                        <a:rPr lang="en-GB" sz="1200" dirty="0"/>
+                        <a:t>Random</a:t>
+                      </a:r>
+                    </a:p>
+                  </a:txBody>
+                  <a:tcPr/>
+                </a:tc>
+                <a:tc>
+                  <a:txBody>
+                    <a:bodyPr/>
+                    <a:lstStyle/>
+                    <a:p>
+                      <a:pPr marL="0" marR="0" lvl="0" indent="0" algn="l" defTabSz="914400" rtl="0" eaLnBrk="1" fontAlgn="auto" latinLnBrk="0" hangingPunct="1">
+                        <a:lnSpc>
+                          <a:spcPct val="100000"/>
+                        </a:lnSpc>
+                        <a:spcBef>
+                          <a:spcPts val="0"/>
+                        </a:spcBef>
+                        <a:spcAft>
+                          <a:spcPts val="0"/>
+                        </a:spcAft>
+                        <a:buClrTx/>
+                        <a:buSzTx/>
+                        <a:buFontTx/>
+                        <a:buNone/>
+                        <a:tabLst/>
+                        <a:defRPr/>
+                      </a:pPr>
+                      <a:r>
+                        <a:rPr lang="en-GB" sz="1200" dirty="0"/>
+                        <a:t>O(n^2)</a:t>
+                      </a:r>
+                    </a:p>
+                  </a:txBody>
+                  <a:tcPr/>
+                </a:tc>
+                <a:tc>
+                  <a:txBody>
+                    <a:bodyPr/>
+                    <a:lstStyle/>
+                    <a:p>
+                      <a:r>
+                        <a:rPr lang="en-GB" sz="1200" dirty="0"/>
+                        <a:t>2428</a:t>
+                      </a:r>
+                    </a:p>
+                  </a:txBody>
+                  <a:tcPr/>
+                </a:tc>
+                <a:tc>
+                  <a:txBody>
+                    <a:bodyPr/>
+                    <a:lstStyle/>
+                    <a:p>
+                      <a:r>
+                        <a:rPr lang="en-GB" sz="1200" dirty="0"/>
+                        <a:t>2033</a:t>
+                      </a:r>
+                    </a:p>
+                  </a:txBody>
+                  <a:tcPr/>
+                </a:tc>
+                <a:tc>
+                  <a:txBody>
+                    <a:bodyPr/>
+                    <a:lstStyle/>
+                    <a:p>
+                      <a:r>
+                        <a:rPr lang="en-GB" sz="1200" dirty="0"/>
+                        <a:t>2696</a:t>
+                      </a:r>
+                    </a:p>
+                  </a:txBody>
+                  <a:tcPr/>
+                </a:tc>
+                <a:extLst>
+                  <a:ext uri="{0D108BD9-81ED-4DB2-BD59-A6C34878D82A}">
+                    <a16:rowId xmlns:a16="http://schemas.microsoft.com/office/drawing/2014/main" val="3793809036"/>
+                  </a:ext>
+                </a:extLst>
+              </a:tr>
+              <a:tr h="203677">
+                <a:tc vMerge="1">
+                  <a:txBody>
+                    <a:bodyPr/>
+                    <a:lstStyle/>
+                    <a:p>
+                      <a:endParaRPr lang="en-GB" dirty="0"/>
+                    </a:p>
+                  </a:txBody>
+                  <a:tcPr/>
+                </a:tc>
+                <a:tc>
+                  <a:txBody>
+                    <a:bodyPr/>
+                    <a:lstStyle/>
+                    <a:p>
+                      <a:r>
+                        <a:rPr lang="en-GB" sz="1200" dirty="0"/>
+                        <a:t>Ordered</a:t>
+                      </a:r>
+                    </a:p>
+                  </a:txBody>
+                  <a:tcPr/>
+                </a:tc>
+                <a:tc>
+                  <a:txBody>
+                    <a:bodyPr/>
+                    <a:lstStyle/>
+                    <a:p>
+                      <a:pPr marL="0" marR="0" lvl="0" indent="0" algn="l" defTabSz="914400" rtl="0" eaLnBrk="1" fontAlgn="auto" latinLnBrk="0" hangingPunct="1">
+                        <a:lnSpc>
+                          <a:spcPct val="100000"/>
+                        </a:lnSpc>
+                        <a:spcBef>
+                          <a:spcPts val="0"/>
+                        </a:spcBef>
+                        <a:spcAft>
+                          <a:spcPts val="0"/>
+                        </a:spcAft>
+                        <a:buClrTx/>
+                        <a:buSzTx/>
+                        <a:buFontTx/>
+                        <a:buNone/>
+                        <a:tabLst/>
+                        <a:defRPr/>
+                      </a:pPr>
+                      <a:r>
+                        <a:rPr lang="en-GB" sz="1200" dirty="0"/>
+                        <a:t>O(n)</a:t>
+                      </a:r>
+                    </a:p>
+                  </a:txBody>
+                  <a:tcPr/>
+                </a:tc>
+                <a:tc>
+                  <a:txBody>
+                    <a:bodyPr/>
+                    <a:lstStyle/>
+                    <a:p>
+                      <a:r>
+                        <a:rPr lang="en-GB" sz="1200" dirty="0"/>
+                        <a:t>0</a:t>
+                      </a:r>
+                    </a:p>
+                  </a:txBody>
+                  <a:tcPr/>
+                </a:tc>
+                <a:tc>
+                  <a:txBody>
+                    <a:bodyPr/>
+                    <a:lstStyle/>
+                    <a:p>
+                      <a:r>
+                        <a:rPr lang="en-GB" sz="1200" dirty="0"/>
+                        <a:t>0</a:t>
+                      </a:r>
+                    </a:p>
+                  </a:txBody>
+                  <a:tcPr/>
+                </a:tc>
+                <a:tc>
+                  <a:txBody>
+                    <a:bodyPr/>
+                    <a:lstStyle/>
+                    <a:p>
+                      <a:r>
+                        <a:rPr lang="en-GB" sz="1200" dirty="0"/>
+                        <a:t>0</a:t>
+                      </a:r>
+                    </a:p>
+                  </a:txBody>
+                  <a:tcPr/>
+                </a:tc>
+                <a:extLst>
+                  <a:ext uri="{0D108BD9-81ED-4DB2-BD59-A6C34878D82A}">
+                    <a16:rowId xmlns:a16="http://schemas.microsoft.com/office/drawing/2014/main" val="3688509900"/>
+                  </a:ext>
+                </a:extLst>
+              </a:tr>
+              <a:tr h="203677">
+                <a:tc rowSpan="3">
+                  <a:txBody>
+                    <a:bodyPr/>
+                    <a:lstStyle/>
+                    <a:p>
+                      <a:r>
+                        <a:rPr lang="en-GB" sz="1200" dirty="0"/>
+                        <a:t>Selection Sort</a:t>
+                      </a:r>
+                    </a:p>
+                  </a:txBody>
+                  <a:tcPr/>
+                </a:tc>
+                <a:tc>
+                  <a:txBody>
+                    <a:bodyPr/>
+                    <a:lstStyle/>
+                    <a:p>
+                      <a:r>
+                        <a:rPr lang="en-GB" sz="1200" dirty="0"/>
+                        <a:t>Reverse</a:t>
+                      </a:r>
+                    </a:p>
+                  </a:txBody>
+                  <a:tcPr/>
+                </a:tc>
+                <a:tc>
+                  <a:txBody>
+                    <a:bodyPr/>
+                    <a:lstStyle/>
+                    <a:p>
+                      <a:pPr marL="0" marR="0" lvl="0" indent="0" algn="l" defTabSz="914400" rtl="0" eaLnBrk="1" fontAlgn="auto" latinLnBrk="0" hangingPunct="1">
+                        <a:lnSpc>
+                          <a:spcPct val="100000"/>
+                        </a:lnSpc>
+                        <a:spcBef>
+                          <a:spcPts val="0"/>
+                        </a:spcBef>
+                        <a:spcAft>
+                          <a:spcPts val="0"/>
+                        </a:spcAft>
+                        <a:buClrTx/>
+                        <a:buSzTx/>
+                        <a:buFontTx/>
+                        <a:buNone/>
+                        <a:tabLst/>
+                        <a:defRPr/>
+                      </a:pPr>
+                      <a:r>
+                        <a:rPr lang="en-GB" sz="1200" dirty="0"/>
+                        <a:t>O(n^2)</a:t>
+                      </a:r>
+                    </a:p>
+                  </a:txBody>
+                  <a:tcPr/>
+                </a:tc>
+                <a:tc>
+                  <a:txBody>
+                    <a:bodyPr/>
+                    <a:lstStyle/>
+                    <a:p>
+                      <a:r>
+                        <a:rPr lang="en-GB" sz="1200" dirty="0"/>
+                        <a:t>100</a:t>
+                      </a:r>
+                    </a:p>
+                  </a:txBody>
+                  <a:tcPr/>
+                </a:tc>
+                <a:tc>
+                  <a:txBody>
+                    <a:bodyPr/>
+                    <a:lstStyle/>
+                    <a:p>
+                      <a:r>
+                        <a:rPr lang="en-GB" sz="1200" dirty="0"/>
+                        <a:t>100</a:t>
+                      </a:r>
+                    </a:p>
+                  </a:txBody>
+                  <a:tcPr/>
+                </a:tc>
+                <a:tc>
+                  <a:txBody>
+                    <a:bodyPr/>
+                    <a:lstStyle/>
+                    <a:p>
+                      <a:r>
+                        <a:rPr lang="en-GB" sz="1200" dirty="0"/>
+                        <a:t>100</a:t>
+                      </a:r>
+                    </a:p>
+                  </a:txBody>
+                  <a:tcPr/>
+                </a:tc>
+                <a:extLst>
+                  <a:ext uri="{0D108BD9-81ED-4DB2-BD59-A6C34878D82A}">
+                    <a16:rowId xmlns:a16="http://schemas.microsoft.com/office/drawing/2014/main" val="3926490359"/>
+                  </a:ext>
+                </a:extLst>
+              </a:tr>
+              <a:tr h="203677">
+                <a:tc vMerge="1">
+                  <a:txBody>
+                    <a:bodyPr/>
+                    <a:lstStyle/>
+                    <a:p>
+                      <a:endParaRPr lang="en-GB" dirty="0"/>
+                    </a:p>
+                  </a:txBody>
+                  <a:tcPr/>
+                </a:tc>
+                <a:tc>
+                  <a:txBody>
+                    <a:bodyPr/>
+                    <a:lstStyle/>
+                    <a:p>
+                      <a:r>
+                        <a:rPr lang="en-GB" sz="1200" dirty="0"/>
+                        <a:t>Random</a:t>
+                      </a:r>
+                    </a:p>
+                  </a:txBody>
+                  <a:tcPr/>
+                </a:tc>
+                <a:tc>
+                  <a:txBody>
+                    <a:bodyPr/>
+                    <a:lstStyle/>
+                    <a:p>
+                      <a:r>
+                        <a:rPr lang="en-GB" sz="1200" dirty="0"/>
+                        <a:t>O(n^2)</a:t>
+                      </a:r>
+                    </a:p>
+                  </a:txBody>
+                  <a:tcPr/>
+                </a:tc>
+                <a:tc>
+                  <a:txBody>
+                    <a:bodyPr/>
+                    <a:lstStyle/>
+                    <a:p>
+                      <a:r>
+                        <a:rPr lang="en-GB" sz="1200" dirty="0"/>
+                        <a:t>91</a:t>
+                      </a:r>
+                    </a:p>
+                  </a:txBody>
+                  <a:tcPr/>
+                </a:tc>
+                <a:tc>
+                  <a:txBody>
+                    <a:bodyPr/>
+                    <a:lstStyle/>
+                    <a:p>
+                      <a:r>
+                        <a:rPr lang="en-GB" sz="1200" dirty="0"/>
+                        <a:t>85</a:t>
+                      </a:r>
+                    </a:p>
+                  </a:txBody>
+                  <a:tcPr/>
+                </a:tc>
+                <a:tc>
+                  <a:txBody>
+                    <a:bodyPr/>
+                    <a:lstStyle/>
+                    <a:p>
+                      <a:r>
+                        <a:rPr lang="en-GB" sz="1200" dirty="0"/>
+                        <a:t>97</a:t>
+                      </a:r>
+                    </a:p>
+                  </a:txBody>
+                  <a:tcPr/>
+                </a:tc>
+                <a:extLst>
+                  <a:ext uri="{0D108BD9-81ED-4DB2-BD59-A6C34878D82A}">
+                    <a16:rowId xmlns:a16="http://schemas.microsoft.com/office/drawing/2014/main" val="1302560370"/>
+                  </a:ext>
+                </a:extLst>
+              </a:tr>
+              <a:tr h="203677">
+                <a:tc vMerge="1">
+                  <a:txBody>
+                    <a:bodyPr/>
+                    <a:lstStyle/>
+                    <a:p>
+                      <a:endParaRPr lang="en-GB" dirty="0"/>
+                    </a:p>
+                  </a:txBody>
+                  <a:tcPr/>
+                </a:tc>
+                <a:tc>
+                  <a:txBody>
+                    <a:bodyPr/>
+                    <a:lstStyle/>
+                    <a:p>
+                      <a:r>
+                        <a:rPr lang="en-GB" sz="1200" dirty="0"/>
+                        <a:t>Ordered</a:t>
+                      </a:r>
+                    </a:p>
+                  </a:txBody>
+                  <a:tcPr/>
+                </a:tc>
+                <a:tc>
+                  <a:txBody>
+                    <a:bodyPr/>
+                    <a:lstStyle/>
+                    <a:p>
+                      <a:pPr marL="0" marR="0" lvl="0" indent="0" algn="l" defTabSz="914400" rtl="0" eaLnBrk="1" fontAlgn="auto" latinLnBrk="0" hangingPunct="1">
+                        <a:lnSpc>
+                          <a:spcPct val="100000"/>
+                        </a:lnSpc>
+                        <a:spcBef>
+                          <a:spcPts val="0"/>
+                        </a:spcBef>
+                        <a:spcAft>
+                          <a:spcPts val="0"/>
+                        </a:spcAft>
+                        <a:buClrTx/>
+                        <a:buSzTx/>
+                        <a:buFontTx/>
+                        <a:buNone/>
+                        <a:tabLst/>
+                        <a:defRPr/>
+                      </a:pPr>
+                      <a:r>
+                        <a:rPr lang="en-GB" sz="1200" dirty="0"/>
+                        <a:t>O(n^2)</a:t>
+                      </a:r>
+                    </a:p>
+                  </a:txBody>
+                  <a:tcPr/>
+                </a:tc>
+                <a:tc>
+                  <a:txBody>
+                    <a:bodyPr/>
+                    <a:lstStyle/>
+                    <a:p>
+                      <a:r>
+                        <a:rPr lang="en-GB" sz="1200" dirty="0"/>
+                        <a:t>0</a:t>
+                      </a:r>
+                    </a:p>
+                  </a:txBody>
+                  <a:tcPr/>
+                </a:tc>
+                <a:tc>
+                  <a:txBody>
+                    <a:bodyPr/>
+                    <a:lstStyle/>
+                    <a:p>
+                      <a:r>
+                        <a:rPr lang="en-GB" sz="1200" dirty="0"/>
+                        <a:t>0</a:t>
+                      </a:r>
+                    </a:p>
+                  </a:txBody>
+                  <a:tcPr/>
+                </a:tc>
+                <a:tc>
+                  <a:txBody>
+                    <a:bodyPr/>
+                    <a:lstStyle/>
+                    <a:p>
+                      <a:r>
+                        <a:rPr lang="en-GB" sz="1200" dirty="0"/>
+                        <a:t>0</a:t>
+                      </a:r>
+                    </a:p>
+                  </a:txBody>
+                  <a:tcPr/>
+                </a:tc>
+                <a:extLst>
+                  <a:ext uri="{0D108BD9-81ED-4DB2-BD59-A6C34878D82A}">
+                    <a16:rowId xmlns:a16="http://schemas.microsoft.com/office/drawing/2014/main" val="2402239516"/>
+                  </a:ext>
+                </a:extLst>
+              </a:tr>
+              <a:tr h="203677">
+                <a:tc rowSpan="3">
+                  <a:txBody>
+                    <a:bodyPr/>
+                    <a:lstStyle/>
+                    <a:p>
+                      <a:r>
+                        <a:rPr lang="en-GB" sz="1200" dirty="0"/>
+                        <a:t>Shell Sort</a:t>
+                      </a:r>
+                    </a:p>
+                  </a:txBody>
+                  <a:tcPr/>
+                </a:tc>
+                <a:tc>
+                  <a:txBody>
+                    <a:bodyPr/>
+                    <a:lstStyle/>
+                    <a:p>
+                      <a:r>
+                        <a:rPr lang="en-GB" sz="1200" dirty="0"/>
+                        <a:t>Reverse</a:t>
+                      </a:r>
+                    </a:p>
+                  </a:txBody>
+                  <a:tcPr/>
+                </a:tc>
+                <a:tc>
+                  <a:txBody>
+                    <a:bodyPr/>
+                    <a:lstStyle/>
+                    <a:p>
+                      <a:r>
+                        <a:rPr lang="en-GB" sz="1200" dirty="0"/>
+                        <a:t>O(n^2)</a:t>
+                      </a:r>
+                    </a:p>
+                  </a:txBody>
+                  <a:tcPr/>
+                </a:tc>
+                <a:tc>
+                  <a:txBody>
+                    <a:bodyPr/>
+                    <a:lstStyle/>
+                    <a:p>
+                      <a:r>
+                        <a:rPr lang="en-GB" sz="1200" dirty="0"/>
+                        <a:t>2000</a:t>
+                      </a:r>
+                    </a:p>
+                  </a:txBody>
+                  <a:tcPr/>
+                </a:tc>
+                <a:tc>
+                  <a:txBody>
+                    <a:bodyPr/>
+                    <a:lstStyle/>
+                    <a:p>
+                      <a:r>
+                        <a:rPr lang="en-GB" sz="1200" dirty="0"/>
+                        <a:t>2000</a:t>
+                      </a:r>
+                    </a:p>
+                  </a:txBody>
+                  <a:tcPr/>
+                </a:tc>
+                <a:tc>
+                  <a:txBody>
+                    <a:bodyPr/>
+                    <a:lstStyle/>
+                    <a:p>
+                      <a:r>
+                        <a:rPr lang="en-GB" sz="1200" dirty="0"/>
+                        <a:t>2000</a:t>
+                      </a:r>
+                    </a:p>
+                  </a:txBody>
+                  <a:tcPr/>
+                </a:tc>
+                <a:extLst>
+                  <a:ext uri="{0D108BD9-81ED-4DB2-BD59-A6C34878D82A}">
+                    <a16:rowId xmlns:a16="http://schemas.microsoft.com/office/drawing/2014/main" val="525237557"/>
+                  </a:ext>
+                </a:extLst>
+              </a:tr>
+              <a:tr h="203677">
+                <a:tc vMerge="1">
+                  <a:txBody>
+                    <a:bodyPr/>
+                    <a:lstStyle/>
+                    <a:p>
+                      <a:endParaRPr lang="en-GB" dirty="0"/>
+                    </a:p>
+                  </a:txBody>
+                  <a:tcPr/>
+                </a:tc>
+                <a:tc>
+                  <a:txBody>
+                    <a:bodyPr/>
+                    <a:lstStyle/>
+                    <a:p>
+                      <a:r>
+                        <a:rPr lang="en-GB" sz="1200" dirty="0"/>
+                        <a:t>Random</a:t>
+                      </a:r>
+                    </a:p>
+                  </a:txBody>
+                  <a:tcPr/>
+                </a:tc>
+                <a:tc>
+                  <a:txBody>
+                    <a:bodyPr/>
+                    <a:lstStyle/>
+                    <a:p>
+                      <a:pPr marL="0" marR="0" lvl="0" indent="0" algn="l" defTabSz="914400" rtl="0" eaLnBrk="1" fontAlgn="auto" latinLnBrk="0" hangingPunct="1">
+                        <a:lnSpc>
+                          <a:spcPct val="100000"/>
+                        </a:lnSpc>
+                        <a:spcBef>
+                          <a:spcPts val="0"/>
+                        </a:spcBef>
+                        <a:spcAft>
+                          <a:spcPts val="0"/>
+                        </a:spcAft>
+                        <a:buClrTx/>
+                        <a:buSzTx/>
+                        <a:buFontTx/>
+                        <a:buNone/>
+                        <a:tabLst/>
+                        <a:defRPr/>
+                      </a:pPr>
+                      <a:r>
+                        <a:rPr lang="en-GB" sz="1200" dirty="0"/>
+                        <a:t>O(n^1.5)</a:t>
+                      </a:r>
+                    </a:p>
+                  </a:txBody>
+                  <a:tcPr/>
+                </a:tc>
+                <a:tc>
+                  <a:txBody>
+                    <a:bodyPr/>
+                    <a:lstStyle/>
+                    <a:p>
+                      <a:r>
+                        <a:rPr lang="en-GB" sz="1200" dirty="0"/>
+                        <a:t>1995</a:t>
+                      </a:r>
+                    </a:p>
+                  </a:txBody>
+                  <a:tcPr/>
+                </a:tc>
+                <a:tc>
+                  <a:txBody>
+                    <a:bodyPr/>
+                    <a:lstStyle/>
+                    <a:p>
+                      <a:r>
+                        <a:rPr lang="en-GB" sz="1200" dirty="0"/>
+                        <a:t>1515</a:t>
+                      </a:r>
+                    </a:p>
+                  </a:txBody>
+                  <a:tcPr/>
+                </a:tc>
+                <a:tc>
+                  <a:txBody>
+                    <a:bodyPr/>
+                    <a:lstStyle/>
+                    <a:p>
+                      <a:r>
+                        <a:rPr lang="en-GB" sz="1200" dirty="0"/>
+                        <a:t>2435</a:t>
+                      </a:r>
+                    </a:p>
+                  </a:txBody>
+                  <a:tcPr/>
+                </a:tc>
+                <a:extLst>
+                  <a:ext uri="{0D108BD9-81ED-4DB2-BD59-A6C34878D82A}">
+                    <a16:rowId xmlns:a16="http://schemas.microsoft.com/office/drawing/2014/main" val="1028326001"/>
+                  </a:ext>
+                </a:extLst>
+              </a:tr>
+              <a:tr h="203677">
+                <a:tc vMerge="1">
+                  <a:txBody>
+                    <a:bodyPr/>
+                    <a:lstStyle/>
+                    <a:p>
+                      <a:endParaRPr lang="en-GB" dirty="0"/>
+                    </a:p>
+                  </a:txBody>
+                  <a:tcPr/>
+                </a:tc>
+                <a:tc>
+                  <a:txBody>
+                    <a:bodyPr/>
+                    <a:lstStyle/>
+                    <a:p>
+                      <a:r>
+                        <a:rPr lang="en-GB" sz="1200" dirty="0"/>
+                        <a:t>Ordered</a:t>
+                      </a:r>
+                    </a:p>
+                  </a:txBody>
+                  <a:tcPr/>
+                </a:tc>
+                <a:tc>
+                  <a:txBody>
+                    <a:bodyPr/>
+                    <a:lstStyle/>
+                    <a:p>
+                      <a:pPr marL="0" marR="0" lvl="0" indent="0" algn="l" defTabSz="914400" rtl="0" eaLnBrk="1" fontAlgn="auto" latinLnBrk="0" hangingPunct="1">
+                        <a:lnSpc>
+                          <a:spcPct val="100000"/>
+                        </a:lnSpc>
+                        <a:spcBef>
+                          <a:spcPts val="0"/>
+                        </a:spcBef>
+                        <a:spcAft>
+                          <a:spcPts val="0"/>
+                        </a:spcAft>
+                        <a:buClrTx/>
+                        <a:buSzTx/>
+                        <a:buFontTx/>
+                        <a:buNone/>
+                        <a:tabLst/>
+                        <a:defRPr/>
+                      </a:pPr>
+                      <a:r>
+                        <a:rPr lang="en-GB" sz="1200" dirty="0"/>
+                        <a:t>O(n)</a:t>
+                      </a:r>
+                    </a:p>
+                  </a:txBody>
+                  <a:tcPr/>
+                </a:tc>
+                <a:tc>
+                  <a:txBody>
+                    <a:bodyPr/>
+                    <a:lstStyle/>
+                    <a:p>
+                      <a:r>
+                        <a:rPr lang="en-GB" sz="1200" dirty="0"/>
+                        <a:t>0</a:t>
+                      </a:r>
+                    </a:p>
+                  </a:txBody>
+                  <a:tcPr/>
+                </a:tc>
+                <a:tc>
+                  <a:txBody>
+                    <a:bodyPr/>
+                    <a:lstStyle/>
+                    <a:p>
+                      <a:r>
+                        <a:rPr lang="en-GB" sz="1200" dirty="0"/>
+                        <a:t>0</a:t>
+                      </a:r>
+                    </a:p>
+                  </a:txBody>
+                  <a:tcPr/>
+                </a:tc>
+                <a:tc>
+                  <a:txBody>
+                    <a:bodyPr/>
+                    <a:lstStyle/>
+                    <a:p>
+                      <a:r>
+                        <a:rPr lang="en-GB" sz="1200" dirty="0"/>
+                        <a:t>0</a:t>
+                      </a:r>
+                    </a:p>
+                  </a:txBody>
+                  <a:tcPr/>
+                </a:tc>
+                <a:extLst>
+                  <a:ext uri="{0D108BD9-81ED-4DB2-BD59-A6C34878D82A}">
+                    <a16:rowId xmlns:a16="http://schemas.microsoft.com/office/drawing/2014/main" val="3437678250"/>
+                  </a:ext>
+                </a:extLst>
+              </a:tr>
+            </a:tbl>
+          </a:graphicData>
+        </a:graphic>
+      </p:graphicFrame>
     </p:spTree>
     <p:extLst>
       <p:ext uri="{BB962C8B-B14F-4D97-AF65-F5344CB8AC3E}">
@@ -9769,38 +11182,102 @@
       </p:sp>
       <p:pic>
         <p:nvPicPr>
-          <p:cNvPr id="5" name="Content Placeholder 4">
+          <p:cNvPr id="3" name="Picture 2">
             <a:extLst>
               <a:ext uri="{FF2B5EF4-FFF2-40B4-BE49-F238E27FC236}">
-                <a16:creationId xmlns:a16="http://schemas.microsoft.com/office/drawing/2014/main" id="{E651996C-A5A9-462E-AE81-F67D75527CA7}"/>
+                <a16:creationId xmlns:a16="http://schemas.microsoft.com/office/drawing/2014/main" id="{10FDD111-7D8A-4E61-AA3B-2AC05136161A}"/>
               </a:ext>
             </a:extLst>
           </p:cNvPr>
           <p:cNvPicPr>
-            <a:picLocks noGrp="1" noChangeAspect="1"/>
+            <a:picLocks noChangeAspect="1"/>
           </p:cNvPicPr>
+          <p:nvPr/>
+        </p:nvPicPr>
+        <p:blipFill>
+          <a:blip r:embed="rId2"/>
+          <a:stretch>
+            <a:fillRect/>
+          </a:stretch>
+        </p:blipFill>
+        <p:spPr>
+          <a:xfrm>
+            <a:off x="6692348" y="1819937"/>
+            <a:ext cx="4661451" cy="4357025"/>
+          </a:xfrm>
+          <a:prstGeom prst="rect">
+            <a:avLst/>
+          </a:prstGeom>
+        </p:spPr>
+      </p:pic>
+      <p:sp>
+        <p:nvSpPr>
+          <p:cNvPr id="6" name="Content Placeholder 5">
+            <a:extLst>
+              <a:ext uri="{FF2B5EF4-FFF2-40B4-BE49-F238E27FC236}">
+                <a16:creationId xmlns:a16="http://schemas.microsoft.com/office/drawing/2014/main" id="{4DDF018F-AE40-47BC-84B6-1A3A34D32FAC}"/>
+              </a:ext>
+            </a:extLst>
+          </p:cNvPr>
+          <p:cNvSpPr>
+            <a:spLocks noGrp="1"/>
+          </p:cNvSpPr>
           <p:nvPr>
             <p:ph idx="1"/>
           </p:nvPr>
-        </p:nvPicPr>
-        <p:blipFill rotWithShape="1">
-          <a:blip r:embed="rId2">
-            <a:extLst>
-              <a:ext uri="{28A0092B-C50C-407E-A947-70E740481C1C}">
-                <a14:useLocalDpi xmlns:a14="http://schemas.microsoft.com/office/drawing/2010/main" val="0"/>
-              </a:ext>
-            </a:extLst>
-          </a:blip>
-          <a:srcRect l="2004" t="1950" r="2155" b="3077"/>
-          <a:stretch/>
-        </p:blipFill>
+        </p:nvSpPr>
         <p:spPr>
           <a:xfrm>
-            <a:off x="6806967" y="1690688"/>
-            <a:ext cx="4546833" cy="2650921"/>
+            <a:off x="838201" y="1825625"/>
+            <a:ext cx="5748130" cy="4351338"/>
           </a:xfrm>
         </p:spPr>
-      </p:pic>
+        <p:txBody>
+          <a:bodyPr>
+            <a:normAutofit/>
+          </a:bodyPr>
+          <a:lstStyle/>
+          <a:p>
+            <a:pPr algn="just"/>
+            <a:r>
+              <a:rPr lang="en-GB" sz="1600" dirty="0"/>
+              <a:t>I used completion time as the main metric for comparing these sort algorithms.</a:t>
+            </a:r>
+          </a:p>
+          <a:p>
+            <a:pPr algn="just"/>
+            <a:r>
+              <a:rPr lang="en-GB" sz="1600" dirty="0"/>
+              <a:t>The clear winner of this comparison is the shell sort algorithm, followed closely by the selection sort. </a:t>
+            </a:r>
+          </a:p>
+          <a:p>
+            <a:pPr algn="just"/>
+            <a:r>
+              <a:rPr lang="en-GB" sz="1600" dirty="0"/>
+              <a:t>The bubble sort algorithm is, by many orders of magnitude, the least efficient. With these randomly generated dataset of data sets, bubble sort averaged ~5x10^5 more time elapsed between start and finish of the sort. </a:t>
+            </a:r>
+          </a:p>
+          <a:p>
+            <a:pPr algn="just"/>
+            <a:r>
+              <a:rPr lang="en-GB" sz="1600" dirty="0"/>
+              <a:t>A limitation of the performance measurement is that the computer the algorithms where run on many have had other systems process’ running at the same time, which cause extra time to elapse in this period due to concurrent processing.</a:t>
+            </a:r>
+          </a:p>
+          <a:p>
+            <a:pPr algn="just"/>
+            <a:r>
+              <a:rPr lang="en-GB" sz="1600" dirty="0"/>
+              <a:t>This experiment may have benefited from the use of a threading library, which could be used to ensure processor time.  This would also reduce the anomalies seen on the time / array size charts seen throughout this presentation.</a:t>
+            </a:r>
+          </a:p>
+          <a:p>
+            <a:pPr algn="just"/>
+            <a:endParaRPr lang="en-GB" dirty="0"/>
+          </a:p>
+        </p:txBody>
+      </p:sp>
     </p:spTree>
     <p:extLst>
       <p:ext uri="{BB962C8B-B14F-4D97-AF65-F5344CB8AC3E}">
